--- a/P_05_AlgorithmiqueProgrammation/03_Tris/Presentation/P_05_01_Tris_Cours_PPT.pptx
+++ b/P_05_AlgorithmiqueProgrammation/03_Tris/Presentation/P_05_01_Tris_Cours_PPT.pptx
@@ -5,11 +5,12 @@
     <p:sldMasterId id="2147483684" r:id="rId1"/>
   </p:sldMasterIdLst>
   <p:notesMasterIdLst>
-    <p:notesMasterId r:id="rId4"/>
+    <p:notesMasterId r:id="rId5"/>
   </p:notesMasterIdLst>
   <p:sldIdLst>
     <p:sldId id="256" r:id="rId2"/>
     <p:sldId id="258" r:id="rId3"/>
+    <p:sldId id="259" r:id="rId4"/>
   </p:sldIdLst>
   <p:sldSz cx="9144000" cy="6858000" type="screen4x3"/>
   <p:notesSz cx="6858000" cy="9144000"/>
@@ -115,6 +116,7 @@
           <p14:sldIdLst>
             <p14:sldId id="256"/>
             <p14:sldId id="258"/>
+            <p14:sldId id="259"/>
           </p14:sldIdLst>
         </p14:section>
       </p14:sectionLst>
@@ -206,7 +208,7 @@
             <a:fld id="{E494A05E-DEA9-4CEA-A63B-3593EEF3AC45}" type="datetimeFigureOut">
               <a:rPr lang="fr-FR" smtClean="0"/>
               <a:pPr/>
-              <a:t>26/11/2015</a:t>
+              <a:t>28/11/2015</a:t>
             </a:fld>
             <a:endParaRPr lang="fr-FR"/>
           </a:p>
@@ -793,7 +795,7 @@
           <a:p>
             <a:fld id="{666DB9C4-33D9-4CC9-BF68-2FC9448BEA54}" type="datetime1">
               <a:rPr lang="fr-FR" smtClean="0"/>
-              <a:t>26/11/2015</a:t>
+              <a:t>28/11/2015</a:t>
             </a:fld>
             <a:endParaRPr lang="fr-FR"/>
           </a:p>
@@ -1164,7 +1166,7 @@
           <a:p>
             <a:fld id="{C44CCEEF-0BEE-44EF-8EE6-CB89CEBDF4CF}" type="datetime1">
               <a:rPr lang="fr-FR" smtClean="0"/>
-              <a:t>26/11/2015</a:t>
+              <a:t>28/11/2015</a:t>
             </a:fld>
             <a:endParaRPr lang="fr-FR"/>
           </a:p>
@@ -1344,7 +1346,7 @@
           <a:p>
             <a:fld id="{4A68BD7E-5C33-462D-B5C8-DCFC2CFE92EF}" type="datetime1">
               <a:rPr lang="fr-FR" smtClean="0"/>
-              <a:t>26/11/2015</a:t>
+              <a:t>28/11/2015</a:t>
             </a:fld>
             <a:endParaRPr lang="fr-FR"/>
           </a:p>
@@ -1595,7 +1597,7 @@
           <a:p>
             <a:fld id="{E9F62A25-B9B2-4A4A-9395-5CB3610C55DF}" type="datetime1">
               <a:rPr lang="fr-FR" smtClean="0"/>
-              <a:t>26/11/2015</a:t>
+              <a:t>28/11/2015</a:t>
             </a:fld>
             <a:endParaRPr lang="fr-FR"/>
           </a:p>
@@ -1922,7 +1924,7 @@
           <a:p>
             <a:fld id="{78953BA0-3035-45CC-9DD6-183659F60DCC}" type="datetime1">
               <a:rPr lang="fr-FR" smtClean="0"/>
-              <a:t>26/11/2015</a:t>
+              <a:t>28/11/2015</a:t>
             </a:fld>
             <a:endParaRPr lang="fr-FR"/>
           </a:p>
@@ -2147,7 +2149,7 @@
           <a:p>
             <a:fld id="{0661844C-EB6A-4F96-931A-BEA9A179187A}" type="datetime1">
               <a:rPr lang="fr-FR" smtClean="0"/>
-              <a:t>26/11/2015</a:t>
+              <a:t>28/11/2015</a:t>
             </a:fld>
             <a:endParaRPr lang="fr-FR"/>
           </a:p>
@@ -2504,7 +2506,7 @@
           <a:p>
             <a:fld id="{C3762782-D9AD-4B1A-9FDE-196418976B36}" type="datetime1">
               <a:rPr lang="fr-FR" smtClean="0"/>
-              <a:t>26/11/2015</a:t>
+              <a:t>28/11/2015</a:t>
             </a:fld>
             <a:endParaRPr lang="fr-FR"/>
           </a:p>
@@ -2741,7 +2743,7 @@
           <a:p>
             <a:fld id="{94DF8D9A-275F-4F41-A4A1-321F01319026}" type="datetime1">
               <a:rPr lang="fr-FR" smtClean="0"/>
-              <a:t>26/11/2015</a:t>
+              <a:t>28/11/2015</a:t>
             </a:fld>
             <a:endParaRPr lang="fr-FR"/>
           </a:p>
@@ -2886,7 +2888,7 @@
           <a:p>
             <a:fld id="{60AF81D4-0C44-4B42-B543-3D9C16A4B9BA}" type="datetime1">
               <a:rPr lang="fr-FR" smtClean="0"/>
-              <a:t>26/11/2015</a:t>
+              <a:t>28/11/2015</a:t>
             </a:fld>
             <a:endParaRPr lang="fr-FR"/>
           </a:p>
@@ -3168,7 +3170,7 @@
           <a:p>
             <a:fld id="{74BE6F46-C828-4BE6-A282-F6AF0D9CCDF8}" type="datetime1">
               <a:rPr lang="fr-FR" smtClean="0"/>
-              <a:t>26/11/2015</a:t>
+              <a:t>28/11/2015</a:t>
             </a:fld>
             <a:endParaRPr lang="fr-FR"/>
           </a:p>
@@ -3580,7 +3582,7 @@
           <a:p>
             <a:fld id="{697C827A-06DA-4BFB-8EC1-0429C6CBCD9F}" type="datetime1">
               <a:rPr lang="fr-FR" smtClean="0"/>
-              <a:t>26/11/2015</a:t>
+              <a:t>28/11/2015</a:t>
             </a:fld>
             <a:endParaRPr lang="fr-FR"/>
           </a:p>
@@ -3923,7 +3925,7 @@
           <a:p>
             <a:fld id="{C6BDCD86-ECBB-440A-8B46-037724BAB242}" type="datetime1">
               <a:rPr lang="fr-FR" smtClean="0"/>
-              <a:t>26/11/2015</a:t>
+              <a:t>28/11/2015</a:t>
             </a:fld>
             <a:endParaRPr lang="fr-FR"/>
           </a:p>
@@ -4869,7 +4871,11 @@
           <a:p>
             <a:r>
               <a:rPr lang="fr-FR" dirty="0" smtClean="0"/>
-              <a:t>Le Tri rapide</a:t>
+              <a:t>Le Tri </a:t>
+            </a:r>
+            <a:r>
+              <a:rPr lang="fr-FR" dirty="0" smtClean="0"/>
+              <a:t>rapide – Première segmentation</a:t>
             </a:r>
             <a:endParaRPr lang="fr-FR" dirty="0"/>
           </a:p>
@@ -12585,7 +12591,7 @@
         <p:spPr>
           <a:xfrm>
             <a:off x="6876256" y="3799588"/>
-            <a:ext cx="2448272" cy="1234765"/>
+            <a:ext cx="2267744" cy="1234765"/>
           </a:xfrm>
           <a:prstGeom prst="rect">
             <a:avLst/>
@@ -12770,6 +12776,3727 @@
   <p:clrMapOvr>
     <a:masterClrMapping/>
   </p:clrMapOvr>
+  <p:timing>
+    <p:tnLst>
+      <p:par>
+        <p:cTn id="1" dur="indefinite" restart="never" nodeType="tmRoot"/>
+      </p:par>
+    </p:tnLst>
+  </p:timing>
+</p:sld>
+</file>
+
+<file path=ppt/slides/slide3.xml><?xml version="1.0" encoding="utf-8"?>
+<p:sld xmlns:a="http://schemas.openxmlformats.org/drawingml/2006/main" xmlns:r="http://schemas.openxmlformats.org/officeDocument/2006/relationships" xmlns:p="http://schemas.openxmlformats.org/presentationml/2006/main">
+  <p:cSld>
+    <p:spTree>
+      <p:nvGrpSpPr>
+        <p:cNvPr id="1" name=""/>
+        <p:cNvGrpSpPr/>
+        <p:nvPr/>
+      </p:nvGrpSpPr>
+      <p:grpSpPr>
+        <a:xfrm>
+          <a:off x="0" y="0"/>
+          <a:ext cx="0" cy="0"/>
+          <a:chOff x="0" y="0"/>
+          <a:chExt cx="0" cy="0"/>
+        </a:xfrm>
+      </p:grpSpPr>
+      <p:sp>
+        <p:nvSpPr>
+          <p:cNvPr id="2" name="Titre 1"/>
+          <p:cNvSpPr>
+            <a:spLocks noGrp="1"/>
+          </p:cNvSpPr>
+          <p:nvPr>
+            <p:ph type="title"/>
+          </p:nvPr>
+        </p:nvSpPr>
+        <p:spPr>
+          <a:xfrm>
+            <a:off x="457200" y="152400"/>
+            <a:ext cx="5987008" cy="990600"/>
+          </a:xfrm>
+        </p:spPr>
+        <p:txBody>
+          <a:bodyPr/>
+          <a:lstStyle/>
+          <a:p>
+            <a:r>
+              <a:rPr lang="fr-FR" dirty="0" smtClean="0"/>
+              <a:t>Le Tri </a:t>
+            </a:r>
+            <a:r>
+              <a:rPr lang="fr-FR" dirty="0" smtClean="0"/>
+              <a:t>rapide</a:t>
+            </a:r>
+            <a:endParaRPr lang="fr-FR" dirty="0"/>
+          </a:p>
+        </p:txBody>
+      </p:sp>
+      <p:sp>
+        <p:nvSpPr>
+          <p:cNvPr id="3" name="Espace réservé du pied de page 2"/>
+          <p:cNvSpPr>
+            <a:spLocks noGrp="1"/>
+          </p:cNvSpPr>
+          <p:nvPr>
+            <p:ph type="ftr" sz="quarter" idx="11"/>
+          </p:nvPr>
+        </p:nvSpPr>
+        <p:spPr/>
+        <p:txBody>
+          <a:bodyPr/>
+          <a:lstStyle/>
+          <a:p>
+            <a:r>
+              <a:rPr lang="fr-FR" smtClean="0"/>
+              <a:t>Les tris - Xavier PESSOLES</a:t>
+            </a:r>
+            <a:endParaRPr lang="fr-FR" dirty="0"/>
+          </a:p>
+        </p:txBody>
+      </p:sp>
+      <p:sp>
+        <p:nvSpPr>
+          <p:cNvPr id="4" name="Espace réservé du numéro de diapositive 3"/>
+          <p:cNvSpPr>
+            <a:spLocks noGrp="1"/>
+          </p:cNvSpPr>
+          <p:nvPr>
+            <p:ph type="sldNum" sz="quarter" idx="12"/>
+          </p:nvPr>
+        </p:nvSpPr>
+        <p:spPr/>
+        <p:txBody>
+          <a:bodyPr/>
+          <a:lstStyle/>
+          <a:p>
+            <a:fld id="{3F1D8263-54E8-442D-88B4-DA252C595E3D}" type="slidenum">
+              <a:rPr lang="fr-FR" smtClean="0"/>
+              <a:pPr/>
+              <a:t>3</a:t>
+            </a:fld>
+            <a:endParaRPr lang="fr-FR"/>
+          </a:p>
+        </p:txBody>
+      </p:sp>
+      <p:grpSp>
+        <p:nvGrpSpPr>
+          <p:cNvPr id="5" name="Groupe 4"/>
+          <p:cNvGrpSpPr/>
+          <p:nvPr/>
+        </p:nvGrpSpPr>
+        <p:grpSpPr>
+          <a:xfrm>
+            <a:off x="3907577" y="2567370"/>
+            <a:ext cx="263214" cy="276999"/>
+            <a:chOff x="3907577" y="1620360"/>
+            <a:chExt cx="263214" cy="276999"/>
+          </a:xfrm>
+        </p:grpSpPr>
+        <p:sp>
+          <p:nvSpPr>
+            <p:cNvPr id="119" name="Ellipse 118"/>
+            <p:cNvSpPr/>
+            <p:nvPr/>
+          </p:nvSpPr>
+          <p:spPr>
+            <a:xfrm>
+              <a:off x="3941784" y="1664752"/>
+              <a:ext cx="180032" cy="180032"/>
+            </a:xfrm>
+            <a:prstGeom prst="ellipse">
+              <a:avLst/>
+            </a:prstGeom>
+            <a:solidFill>
+              <a:srgbClr val="C0504D">
+                <a:lumMod val="20000"/>
+                <a:lumOff val="80000"/>
+              </a:srgbClr>
+            </a:solidFill>
+            <a:ln w="9525" cap="flat" cmpd="sng" algn="ctr">
+              <a:solidFill>
+                <a:srgbClr val="C00000"/>
+              </a:solidFill>
+              <a:prstDash val="dash"/>
+            </a:ln>
+            <a:effectLst/>
+          </p:spPr>
+          <p:txBody>
+            <a:bodyPr rtlCol="0" anchor="ctr"/>
+            <a:lstStyle/>
+            <a:p>
+              <a:pPr marL="0" marR="0" lvl="0" indent="0" algn="ctr" defTabSz="914400" eaLnBrk="1" fontAlgn="auto" latinLnBrk="0" hangingPunct="1">
+                <a:lnSpc>
+                  <a:spcPct val="100000"/>
+                </a:lnSpc>
+                <a:spcBef>
+                  <a:spcPts val="0"/>
+                </a:spcBef>
+                <a:spcAft>
+                  <a:spcPts val="0"/>
+                </a:spcAft>
+                <a:buClrTx/>
+                <a:buSzTx/>
+                <a:buFontTx/>
+                <a:buNone/>
+                <a:tabLst/>
+                <a:defRPr/>
+              </a:pPr>
+              <a:endParaRPr kumimoji="0" lang="fr-FR" sz="1200" b="0" i="0" u="none" strike="noStrike" kern="0" cap="none" spc="0" normalizeH="0" baseline="0" noProof="0" smtClean="0">
+                <a:ln>
+                  <a:noFill/>
+                </a:ln>
+                <a:solidFill>
+                  <a:sysClr val="windowText" lastClr="000000"/>
+                </a:solidFill>
+                <a:effectLst/>
+                <a:uLnTx/>
+                <a:uFillTx/>
+                <a:latin typeface="Calibri"/>
+                <a:ea typeface="+mn-ea"/>
+                <a:cs typeface="+mn-cs"/>
+              </a:endParaRPr>
+            </a:p>
+          </p:txBody>
+        </p:sp>
+        <p:sp>
+          <p:nvSpPr>
+            <p:cNvPr id="120" name="Rectangle 119"/>
+            <p:cNvSpPr/>
+            <p:nvPr/>
+          </p:nvSpPr>
+          <p:spPr>
+            <a:xfrm>
+              <a:off x="3907577" y="1620360"/>
+              <a:ext cx="263214" cy="276999"/>
+            </a:xfrm>
+            <a:prstGeom prst="rect">
+              <a:avLst/>
+            </a:prstGeom>
+          </p:spPr>
+          <p:txBody>
+            <a:bodyPr wrap="none">
+              <a:spAutoFit/>
+            </a:bodyPr>
+            <a:lstStyle/>
+            <a:p>
+              <a:pPr marL="0" marR="0" lvl="0" indent="0" defTabSz="914400" eaLnBrk="1" fontAlgn="auto" latinLnBrk="0" hangingPunct="1">
+                <a:lnSpc>
+                  <a:spcPct val="100000"/>
+                </a:lnSpc>
+                <a:spcBef>
+                  <a:spcPts val="0"/>
+                </a:spcBef>
+                <a:spcAft>
+                  <a:spcPts val="0"/>
+                </a:spcAft>
+                <a:buClrTx/>
+                <a:buSzTx/>
+                <a:buFontTx/>
+                <a:buNone/>
+                <a:tabLst/>
+                <a:defRPr/>
+              </a:pPr>
+              <a:r>
+                <a:rPr kumimoji="0" lang="fr-FR" sz="1200" b="0" i="0" u="none" strike="noStrike" kern="0" cap="none" spc="0" normalizeH="0" baseline="0" noProof="0" dirty="0" smtClean="0">
+                  <a:ln>
+                    <a:noFill/>
+                  </a:ln>
+                  <a:solidFill>
+                    <a:sysClr val="windowText" lastClr="000000"/>
+                  </a:solidFill>
+                  <a:effectLst/>
+                  <a:uLnTx/>
+                  <a:uFillTx/>
+                </a:rPr>
+                <a:t>3</a:t>
+              </a:r>
+            </a:p>
+          </p:txBody>
+        </p:sp>
+      </p:grpSp>
+      <p:pic>
+        <p:nvPicPr>
+          <p:cNvPr id="121" name="Picture 3"/>
+          <p:cNvPicPr>
+            <a:picLocks noChangeAspect="1" noChangeArrowheads="1"/>
+          </p:cNvPicPr>
+          <p:nvPr/>
+        </p:nvPicPr>
+        <p:blipFill rotWithShape="1">
+          <a:blip r:embed="rId2">
+            <a:extLst>
+              <a:ext uri="{28A0092B-C50C-407E-A947-70E740481C1C}">
+                <a14:useLocalDpi xmlns:a14="http://schemas.microsoft.com/office/drawing/2010/main" val="0"/>
+              </a:ext>
+            </a:extLst>
+          </a:blip>
+          <a:srcRect r="19187"/>
+          <a:stretch/>
+        </p:blipFill>
+        <p:spPr bwMode="auto">
+          <a:xfrm>
+            <a:off x="0" y="2039262"/>
+            <a:ext cx="2232248" cy="2781300"/>
+          </a:xfrm>
+          <a:prstGeom prst="rect">
+            <a:avLst/>
+          </a:prstGeom>
+          <a:noFill/>
+          <a:ln>
+            <a:noFill/>
+          </a:ln>
+          <a:effectLst/>
+          <a:extLst>
+            <a:ext uri="{909E8E84-426E-40DD-AFC4-6F175D3DCCD1}">
+              <a14:hiddenFill xmlns:a14="http://schemas.microsoft.com/office/drawing/2010/main">
+                <a:solidFill>
+                  <a:schemeClr val="accent1"/>
+                </a:solidFill>
+              </a14:hiddenFill>
+            </a:ext>
+            <a:ext uri="{91240B29-F687-4F45-9708-019B960494DF}">
+              <a14:hiddenLine xmlns:a14="http://schemas.microsoft.com/office/drawing/2010/main" w="9525">
+                <a:solidFill>
+                  <a:schemeClr val="tx1"/>
+                </a:solidFill>
+                <a:miter lim="800000"/>
+                <a:headEnd/>
+                <a:tailEnd/>
+              </a14:hiddenLine>
+            </a:ext>
+            <a:ext uri="{AF507438-7753-43E0-B8FC-AC1667EBCBE1}">
+              <a14:hiddenEffects xmlns:a14="http://schemas.microsoft.com/office/drawing/2010/main">
+                <a:effectLst>
+                  <a:outerShdw dist="35921" dir="2700000" algn="ctr" rotWithShape="0">
+                    <a:schemeClr val="bg2"/>
+                  </a:outerShdw>
+                </a:effectLst>
+              </a14:hiddenEffects>
+            </a:ext>
+          </a:extLst>
+        </p:spPr>
+      </p:pic>
+      <p:grpSp>
+        <p:nvGrpSpPr>
+          <p:cNvPr id="140" name="Groupe 139"/>
+          <p:cNvGrpSpPr/>
+          <p:nvPr/>
+        </p:nvGrpSpPr>
+        <p:grpSpPr>
+          <a:xfrm>
+            <a:off x="2771920" y="3283558"/>
+            <a:ext cx="261610" cy="276999"/>
+            <a:chOff x="3907577" y="1620360"/>
+            <a:chExt cx="261610" cy="276999"/>
+          </a:xfrm>
+        </p:grpSpPr>
+        <p:sp>
+          <p:nvSpPr>
+            <p:cNvPr id="141" name="Ellipse 140"/>
+            <p:cNvSpPr/>
+            <p:nvPr/>
+          </p:nvSpPr>
+          <p:spPr>
+            <a:xfrm>
+              <a:off x="3941784" y="1664752"/>
+              <a:ext cx="180032" cy="180032"/>
+            </a:xfrm>
+            <a:prstGeom prst="ellipse">
+              <a:avLst/>
+            </a:prstGeom>
+            <a:solidFill>
+              <a:srgbClr val="C0504D">
+                <a:lumMod val="20000"/>
+                <a:lumOff val="80000"/>
+              </a:srgbClr>
+            </a:solidFill>
+            <a:ln w="9525" cap="flat" cmpd="sng" algn="ctr">
+              <a:solidFill>
+                <a:srgbClr val="C00000"/>
+              </a:solidFill>
+              <a:prstDash val="dash"/>
+            </a:ln>
+            <a:effectLst/>
+          </p:spPr>
+          <p:txBody>
+            <a:bodyPr rtlCol="0" anchor="ctr"/>
+            <a:lstStyle/>
+            <a:p>
+              <a:pPr marL="0" marR="0" lvl="0" indent="0" algn="ctr" defTabSz="914400" eaLnBrk="1" fontAlgn="auto" latinLnBrk="0" hangingPunct="1">
+                <a:lnSpc>
+                  <a:spcPct val="100000"/>
+                </a:lnSpc>
+                <a:spcBef>
+                  <a:spcPts val="0"/>
+                </a:spcBef>
+                <a:spcAft>
+                  <a:spcPts val="0"/>
+                </a:spcAft>
+                <a:buClrTx/>
+                <a:buSzTx/>
+                <a:buFontTx/>
+                <a:buNone/>
+                <a:tabLst/>
+                <a:defRPr/>
+              </a:pPr>
+              <a:endParaRPr kumimoji="0" lang="fr-FR" sz="1200" b="0" i="0" u="none" strike="noStrike" kern="0" cap="none" spc="0" normalizeH="0" baseline="0" noProof="0" smtClean="0">
+                <a:ln>
+                  <a:noFill/>
+                </a:ln>
+                <a:solidFill>
+                  <a:sysClr val="windowText" lastClr="000000"/>
+                </a:solidFill>
+                <a:effectLst/>
+                <a:uLnTx/>
+                <a:uFillTx/>
+                <a:latin typeface="Calibri"/>
+                <a:ea typeface="+mn-ea"/>
+                <a:cs typeface="+mn-cs"/>
+              </a:endParaRPr>
+            </a:p>
+          </p:txBody>
+        </p:sp>
+        <p:sp>
+          <p:nvSpPr>
+            <p:cNvPr id="142" name="Rectangle 141"/>
+            <p:cNvSpPr/>
+            <p:nvPr/>
+          </p:nvSpPr>
+          <p:spPr>
+            <a:xfrm>
+              <a:off x="3907577" y="1620360"/>
+              <a:ext cx="261610" cy="276999"/>
+            </a:xfrm>
+            <a:prstGeom prst="rect">
+              <a:avLst/>
+            </a:prstGeom>
+          </p:spPr>
+          <p:txBody>
+            <a:bodyPr wrap="none">
+              <a:spAutoFit/>
+            </a:bodyPr>
+            <a:lstStyle/>
+            <a:p>
+              <a:pPr marL="0" marR="0" lvl="0" indent="0" defTabSz="914400" eaLnBrk="1" fontAlgn="auto" latinLnBrk="0" hangingPunct="1">
+                <a:lnSpc>
+                  <a:spcPct val="100000"/>
+                </a:lnSpc>
+                <a:spcBef>
+                  <a:spcPts val="0"/>
+                </a:spcBef>
+                <a:spcAft>
+                  <a:spcPts val="0"/>
+                </a:spcAft>
+                <a:buClrTx/>
+                <a:buSzTx/>
+                <a:buFontTx/>
+                <a:buNone/>
+                <a:tabLst/>
+                <a:defRPr/>
+              </a:pPr>
+              <a:r>
+                <a:rPr lang="fr-FR" sz="1200" kern="0" dirty="0">
+                  <a:solidFill>
+                    <a:sysClr val="windowText" lastClr="000000"/>
+                  </a:solidFill>
+                </a:rPr>
+                <a:t>0</a:t>
+              </a:r>
+              <a:endParaRPr kumimoji="0" lang="fr-FR" sz="1200" b="0" i="0" u="none" strike="noStrike" kern="0" cap="none" spc="0" normalizeH="0" baseline="0" noProof="0" dirty="0" smtClean="0">
+                <a:ln>
+                  <a:noFill/>
+                </a:ln>
+                <a:solidFill>
+                  <a:sysClr val="windowText" lastClr="000000"/>
+                </a:solidFill>
+                <a:effectLst/>
+                <a:uLnTx/>
+                <a:uFillTx/>
+              </a:endParaRPr>
+            </a:p>
+          </p:txBody>
+        </p:sp>
+      </p:grpSp>
+      <p:sp>
+        <p:nvSpPr>
+          <p:cNvPr id="124" name="Rectangle 123"/>
+          <p:cNvSpPr/>
+          <p:nvPr/>
+        </p:nvSpPr>
+        <p:spPr>
+          <a:xfrm>
+            <a:off x="2773364" y="2608947"/>
+            <a:ext cx="1080000" cy="193846"/>
+          </a:xfrm>
+          <a:prstGeom prst="rect">
+            <a:avLst/>
+          </a:prstGeom>
+          <a:solidFill>
+            <a:srgbClr val="C0504D">
+              <a:lumMod val="20000"/>
+              <a:lumOff val="80000"/>
+            </a:srgbClr>
+          </a:solidFill>
+          <a:ln w="9525" cap="flat" cmpd="sng" algn="ctr">
+            <a:solidFill>
+              <a:srgbClr val="C00000"/>
+            </a:solidFill>
+            <a:prstDash val="dash"/>
+          </a:ln>
+          <a:effectLst/>
+        </p:spPr>
+        <p:txBody>
+          <a:bodyPr rtlCol="0" anchor="ctr"/>
+          <a:lstStyle/>
+          <a:p>
+            <a:pPr algn="ctr"/>
+            <a:r>
+              <a:rPr lang="fr-FR" sz="1200" b="1" kern="0" dirty="0" smtClean="0">
+                <a:solidFill>
+                  <a:sysClr val="windowText" lastClr="000000"/>
+                </a:solidFill>
+                <a:latin typeface="Calibri"/>
+              </a:rPr>
+              <a:t>QS (0,2)</a:t>
+            </a:r>
+            <a:endParaRPr lang="fr-FR" sz="1200" b="1" kern="0" dirty="0">
+              <a:solidFill>
+                <a:sysClr val="windowText" lastClr="000000"/>
+              </a:solidFill>
+              <a:latin typeface="Calibri"/>
+            </a:endParaRPr>
+          </a:p>
+        </p:txBody>
+      </p:sp>
+      <p:sp>
+        <p:nvSpPr>
+          <p:cNvPr id="146" name="Rectangle 145"/>
+          <p:cNvSpPr/>
+          <p:nvPr/>
+        </p:nvSpPr>
+        <p:spPr>
+          <a:xfrm>
+            <a:off x="4212200" y="2602062"/>
+            <a:ext cx="2160000" cy="207615"/>
+          </a:xfrm>
+          <a:prstGeom prst="rect">
+            <a:avLst/>
+          </a:prstGeom>
+          <a:solidFill>
+            <a:srgbClr val="C0504D">
+              <a:lumMod val="20000"/>
+              <a:lumOff val="80000"/>
+            </a:srgbClr>
+          </a:solidFill>
+          <a:ln w="9525" cap="flat" cmpd="sng" algn="ctr">
+            <a:solidFill>
+              <a:srgbClr val="C00000"/>
+            </a:solidFill>
+            <a:prstDash val="dash"/>
+          </a:ln>
+          <a:effectLst/>
+        </p:spPr>
+        <p:txBody>
+          <a:bodyPr rtlCol="0" anchor="ctr"/>
+          <a:lstStyle/>
+          <a:p>
+            <a:pPr algn="ctr"/>
+            <a:r>
+              <a:rPr lang="fr-FR" sz="1200" b="1" kern="0" dirty="0" smtClean="0">
+                <a:solidFill>
+                  <a:sysClr val="windowText" lastClr="000000"/>
+                </a:solidFill>
+                <a:latin typeface="Calibri"/>
+              </a:rPr>
+              <a:t>QS(4,9)</a:t>
+            </a:r>
+            <a:endParaRPr lang="fr-FR" sz="1200" b="1" kern="0" dirty="0">
+              <a:solidFill>
+                <a:sysClr val="windowText" lastClr="000000"/>
+              </a:solidFill>
+              <a:latin typeface="Calibri"/>
+            </a:endParaRPr>
+          </a:p>
+        </p:txBody>
+      </p:sp>
+      <p:sp>
+        <p:nvSpPr>
+          <p:cNvPr id="148" name="Rectangle 147"/>
+          <p:cNvSpPr/>
+          <p:nvPr/>
+        </p:nvSpPr>
+        <p:spPr>
+          <a:xfrm>
+            <a:off x="2138075" y="3323099"/>
+            <a:ext cx="547370" cy="195880"/>
+          </a:xfrm>
+          <a:prstGeom prst="rect">
+            <a:avLst/>
+          </a:prstGeom>
+          <a:solidFill>
+            <a:srgbClr val="C0504D">
+              <a:lumMod val="20000"/>
+              <a:lumOff val="80000"/>
+            </a:srgbClr>
+          </a:solidFill>
+          <a:ln w="9525" cap="flat" cmpd="sng" algn="ctr">
+            <a:solidFill>
+              <a:srgbClr val="C00000"/>
+            </a:solidFill>
+            <a:prstDash val="dash"/>
+          </a:ln>
+          <a:effectLst/>
+        </p:spPr>
+        <p:txBody>
+          <a:bodyPr lIns="0" tIns="0" rIns="0" bIns="0" rtlCol="0" anchor="ctr"/>
+          <a:lstStyle/>
+          <a:p>
+            <a:pPr algn="ctr"/>
+            <a:r>
+              <a:rPr lang="fr-FR" sz="1000" b="1" kern="0" dirty="0" smtClean="0">
+                <a:solidFill>
+                  <a:sysClr val="windowText" lastClr="000000"/>
+                </a:solidFill>
+                <a:latin typeface="Calibri"/>
+              </a:rPr>
+              <a:t>QS (0,-1)</a:t>
+            </a:r>
+            <a:endParaRPr lang="fr-FR" sz="1000" b="1" kern="0" dirty="0">
+              <a:solidFill>
+                <a:sysClr val="windowText" lastClr="000000"/>
+              </a:solidFill>
+              <a:latin typeface="Calibri"/>
+            </a:endParaRPr>
+          </a:p>
+        </p:txBody>
+      </p:sp>
+      <p:sp>
+        <p:nvSpPr>
+          <p:cNvPr id="155" name="Rectangle 154"/>
+          <p:cNvSpPr/>
+          <p:nvPr/>
+        </p:nvSpPr>
+        <p:spPr>
+          <a:xfrm>
+            <a:off x="2771920" y="1868444"/>
+            <a:ext cx="3598836" cy="193846"/>
+          </a:xfrm>
+          <a:prstGeom prst="rect">
+            <a:avLst/>
+          </a:prstGeom>
+          <a:solidFill>
+            <a:srgbClr val="C0504D">
+              <a:lumMod val="20000"/>
+              <a:lumOff val="80000"/>
+            </a:srgbClr>
+          </a:solidFill>
+          <a:ln w="9525" cap="flat" cmpd="sng" algn="ctr">
+            <a:solidFill>
+              <a:srgbClr val="C00000"/>
+            </a:solidFill>
+            <a:prstDash val="dash"/>
+          </a:ln>
+          <a:effectLst/>
+        </p:spPr>
+        <p:txBody>
+          <a:bodyPr rtlCol="0" anchor="ctr"/>
+          <a:lstStyle/>
+          <a:p>
+            <a:pPr algn="ctr"/>
+            <a:r>
+              <a:rPr lang="fr-FR" sz="1200" b="1" kern="0" dirty="0" smtClean="0">
+                <a:solidFill>
+                  <a:sysClr val="windowText" lastClr="000000"/>
+                </a:solidFill>
+                <a:latin typeface="Calibri"/>
+              </a:rPr>
+              <a:t>QS (0,9)</a:t>
+            </a:r>
+            <a:endParaRPr lang="fr-FR" sz="1200" b="1" kern="0" dirty="0">
+              <a:solidFill>
+                <a:sysClr val="windowText" lastClr="000000"/>
+              </a:solidFill>
+              <a:latin typeface="Calibri"/>
+            </a:endParaRPr>
+          </a:p>
+        </p:txBody>
+      </p:sp>
+      <p:sp>
+        <p:nvSpPr>
+          <p:cNvPr id="159" name="Rectangle 158"/>
+          <p:cNvSpPr/>
+          <p:nvPr/>
+        </p:nvSpPr>
+        <p:spPr>
+          <a:xfrm>
+            <a:off x="3090791" y="3320025"/>
+            <a:ext cx="749961" cy="186939"/>
+          </a:xfrm>
+          <a:prstGeom prst="rect">
+            <a:avLst/>
+          </a:prstGeom>
+          <a:solidFill>
+            <a:srgbClr val="C0504D">
+              <a:lumMod val="20000"/>
+              <a:lumOff val="80000"/>
+            </a:srgbClr>
+          </a:solidFill>
+          <a:ln w="9525" cap="flat" cmpd="sng" algn="ctr">
+            <a:solidFill>
+              <a:srgbClr val="C00000"/>
+            </a:solidFill>
+            <a:prstDash val="dash"/>
+          </a:ln>
+          <a:effectLst/>
+        </p:spPr>
+        <p:txBody>
+          <a:bodyPr rtlCol="0" anchor="ctr"/>
+          <a:lstStyle/>
+          <a:p>
+            <a:pPr algn="ctr"/>
+            <a:r>
+              <a:rPr lang="fr-FR" sz="1200" b="1" kern="0" dirty="0" smtClean="0">
+                <a:solidFill>
+                  <a:sysClr val="windowText" lastClr="000000"/>
+                </a:solidFill>
+                <a:latin typeface="Calibri"/>
+              </a:rPr>
+              <a:t>QS (1,2)</a:t>
+            </a:r>
+            <a:endParaRPr lang="fr-FR" sz="1200" b="1" kern="0" dirty="0">
+              <a:solidFill>
+                <a:sysClr val="windowText" lastClr="000000"/>
+              </a:solidFill>
+              <a:latin typeface="Calibri"/>
+            </a:endParaRPr>
+          </a:p>
+        </p:txBody>
+      </p:sp>
+      <p:grpSp>
+        <p:nvGrpSpPr>
+          <p:cNvPr id="160" name="Groupe 159"/>
+          <p:cNvGrpSpPr/>
+          <p:nvPr/>
+        </p:nvGrpSpPr>
+        <p:grpSpPr>
+          <a:xfrm>
+            <a:off x="3102156" y="4008507"/>
+            <a:ext cx="261610" cy="276999"/>
+            <a:chOff x="3907577" y="1620360"/>
+            <a:chExt cx="261610" cy="276999"/>
+          </a:xfrm>
+        </p:grpSpPr>
+        <p:sp>
+          <p:nvSpPr>
+            <p:cNvPr id="161" name="Ellipse 160"/>
+            <p:cNvSpPr/>
+            <p:nvPr/>
+          </p:nvSpPr>
+          <p:spPr>
+            <a:xfrm>
+              <a:off x="3941784" y="1664752"/>
+              <a:ext cx="180032" cy="180032"/>
+            </a:xfrm>
+            <a:prstGeom prst="ellipse">
+              <a:avLst/>
+            </a:prstGeom>
+            <a:solidFill>
+              <a:srgbClr val="C0504D">
+                <a:lumMod val="20000"/>
+                <a:lumOff val="80000"/>
+              </a:srgbClr>
+            </a:solidFill>
+            <a:ln w="9525" cap="flat" cmpd="sng" algn="ctr">
+              <a:solidFill>
+                <a:srgbClr val="C00000"/>
+              </a:solidFill>
+              <a:prstDash val="dash"/>
+            </a:ln>
+            <a:effectLst/>
+          </p:spPr>
+          <p:txBody>
+            <a:bodyPr rtlCol="0" anchor="ctr"/>
+            <a:lstStyle/>
+            <a:p>
+              <a:pPr marL="0" marR="0" lvl="0" indent="0" algn="ctr" defTabSz="914400" eaLnBrk="1" fontAlgn="auto" latinLnBrk="0" hangingPunct="1">
+                <a:lnSpc>
+                  <a:spcPct val="100000"/>
+                </a:lnSpc>
+                <a:spcBef>
+                  <a:spcPts val="0"/>
+                </a:spcBef>
+                <a:spcAft>
+                  <a:spcPts val="0"/>
+                </a:spcAft>
+                <a:buClrTx/>
+                <a:buSzTx/>
+                <a:buFontTx/>
+                <a:buNone/>
+                <a:tabLst/>
+                <a:defRPr/>
+              </a:pPr>
+              <a:endParaRPr kumimoji="0" lang="fr-FR" sz="1200" b="0" i="0" u="none" strike="noStrike" kern="0" cap="none" spc="0" normalizeH="0" baseline="0" noProof="0" smtClean="0">
+                <a:ln>
+                  <a:noFill/>
+                </a:ln>
+                <a:solidFill>
+                  <a:sysClr val="windowText" lastClr="000000"/>
+                </a:solidFill>
+                <a:effectLst/>
+                <a:uLnTx/>
+                <a:uFillTx/>
+                <a:latin typeface="Calibri"/>
+                <a:ea typeface="+mn-ea"/>
+                <a:cs typeface="+mn-cs"/>
+              </a:endParaRPr>
+            </a:p>
+          </p:txBody>
+        </p:sp>
+        <p:sp>
+          <p:nvSpPr>
+            <p:cNvPr id="162" name="Rectangle 161"/>
+            <p:cNvSpPr/>
+            <p:nvPr/>
+          </p:nvSpPr>
+          <p:spPr>
+            <a:xfrm>
+              <a:off x="3907577" y="1620360"/>
+              <a:ext cx="261610" cy="276999"/>
+            </a:xfrm>
+            <a:prstGeom prst="rect">
+              <a:avLst/>
+            </a:prstGeom>
+          </p:spPr>
+          <p:txBody>
+            <a:bodyPr wrap="none">
+              <a:spAutoFit/>
+            </a:bodyPr>
+            <a:lstStyle/>
+            <a:p>
+              <a:pPr marL="0" marR="0" lvl="0" indent="0" defTabSz="914400" eaLnBrk="1" fontAlgn="auto" latinLnBrk="0" hangingPunct="1">
+                <a:lnSpc>
+                  <a:spcPct val="100000"/>
+                </a:lnSpc>
+                <a:spcBef>
+                  <a:spcPts val="0"/>
+                </a:spcBef>
+                <a:spcAft>
+                  <a:spcPts val="0"/>
+                </a:spcAft>
+                <a:buClrTx/>
+                <a:buSzTx/>
+                <a:buFontTx/>
+                <a:buNone/>
+                <a:tabLst/>
+                <a:defRPr/>
+              </a:pPr>
+              <a:r>
+                <a:rPr lang="fr-FR" sz="1200" kern="0" dirty="0" smtClean="0">
+                  <a:solidFill>
+                    <a:sysClr val="windowText" lastClr="000000"/>
+                  </a:solidFill>
+                </a:rPr>
+                <a:t>1</a:t>
+              </a:r>
+              <a:endParaRPr kumimoji="0" lang="fr-FR" sz="1200" b="0" i="0" u="none" strike="noStrike" kern="0" cap="none" spc="0" normalizeH="0" baseline="0" noProof="0" dirty="0" smtClean="0">
+                <a:ln>
+                  <a:noFill/>
+                </a:ln>
+                <a:solidFill>
+                  <a:sysClr val="windowText" lastClr="000000"/>
+                </a:solidFill>
+                <a:effectLst/>
+                <a:uLnTx/>
+                <a:uFillTx/>
+              </a:endParaRPr>
+            </a:p>
+          </p:txBody>
+        </p:sp>
+      </p:grpSp>
+      <p:sp>
+        <p:nvSpPr>
+          <p:cNvPr id="163" name="Rectangle 162"/>
+          <p:cNvSpPr/>
+          <p:nvPr/>
+        </p:nvSpPr>
+        <p:spPr>
+          <a:xfrm>
+            <a:off x="2309871" y="4045992"/>
+            <a:ext cx="749961" cy="186939"/>
+          </a:xfrm>
+          <a:prstGeom prst="rect">
+            <a:avLst/>
+          </a:prstGeom>
+          <a:solidFill>
+            <a:srgbClr val="C0504D">
+              <a:lumMod val="20000"/>
+              <a:lumOff val="80000"/>
+            </a:srgbClr>
+          </a:solidFill>
+          <a:ln w="9525" cap="flat" cmpd="sng" algn="ctr">
+            <a:solidFill>
+              <a:srgbClr val="C00000"/>
+            </a:solidFill>
+            <a:prstDash val="dash"/>
+          </a:ln>
+          <a:effectLst/>
+        </p:spPr>
+        <p:txBody>
+          <a:bodyPr rtlCol="0" anchor="ctr"/>
+          <a:lstStyle/>
+          <a:p>
+            <a:pPr algn="ctr"/>
+            <a:r>
+              <a:rPr lang="fr-FR" sz="1200" b="1" kern="0" dirty="0" smtClean="0">
+                <a:solidFill>
+                  <a:sysClr val="windowText" lastClr="000000"/>
+                </a:solidFill>
+                <a:latin typeface="Calibri"/>
+              </a:rPr>
+              <a:t>QS (1,0)</a:t>
+            </a:r>
+            <a:endParaRPr lang="fr-FR" sz="1200" b="1" kern="0" dirty="0">
+              <a:solidFill>
+                <a:sysClr val="windowText" lastClr="000000"/>
+              </a:solidFill>
+              <a:latin typeface="Calibri"/>
+            </a:endParaRPr>
+          </a:p>
+        </p:txBody>
+      </p:sp>
+      <p:sp>
+        <p:nvSpPr>
+          <p:cNvPr id="164" name="Rectangle 163"/>
+          <p:cNvSpPr/>
+          <p:nvPr/>
+        </p:nvSpPr>
+        <p:spPr>
+          <a:xfrm>
+            <a:off x="3420829" y="4045991"/>
+            <a:ext cx="749961" cy="186939"/>
+          </a:xfrm>
+          <a:prstGeom prst="rect">
+            <a:avLst/>
+          </a:prstGeom>
+          <a:solidFill>
+            <a:srgbClr val="C0504D">
+              <a:lumMod val="20000"/>
+              <a:lumOff val="80000"/>
+            </a:srgbClr>
+          </a:solidFill>
+          <a:ln w="9525" cap="flat" cmpd="sng" algn="ctr">
+            <a:solidFill>
+              <a:srgbClr val="C00000"/>
+            </a:solidFill>
+            <a:prstDash val="dash"/>
+          </a:ln>
+          <a:effectLst/>
+        </p:spPr>
+        <p:txBody>
+          <a:bodyPr rtlCol="0" anchor="ctr"/>
+          <a:lstStyle/>
+          <a:p>
+            <a:pPr algn="ctr"/>
+            <a:r>
+              <a:rPr lang="fr-FR" sz="1200" b="1" kern="0" dirty="0" smtClean="0">
+                <a:solidFill>
+                  <a:sysClr val="windowText" lastClr="000000"/>
+                </a:solidFill>
+                <a:latin typeface="Calibri"/>
+              </a:rPr>
+              <a:t>QS (2,2)</a:t>
+            </a:r>
+            <a:endParaRPr lang="fr-FR" sz="1200" b="1" kern="0" dirty="0">
+              <a:solidFill>
+                <a:sysClr val="windowText" lastClr="000000"/>
+              </a:solidFill>
+              <a:latin typeface="Calibri"/>
+            </a:endParaRPr>
+          </a:p>
+        </p:txBody>
+      </p:sp>
+      <p:cxnSp>
+        <p:nvCxnSpPr>
+          <p:cNvPr id="165" name="Connecteur droit avec flèche 164"/>
+          <p:cNvCxnSpPr>
+            <a:stCxn id="124" idx="0"/>
+            <a:endCxn id="155" idx="2"/>
+          </p:cNvCxnSpPr>
+          <p:nvPr/>
+        </p:nvCxnSpPr>
+        <p:spPr>
+          <a:xfrm flipV="1">
+            <a:off x="3313364" y="2062290"/>
+            <a:ext cx="1257974" cy="546657"/>
+          </a:xfrm>
+          <a:prstGeom prst="straightConnector1">
+            <a:avLst/>
+          </a:prstGeom>
+          <a:noFill/>
+          <a:ln w="19050" cap="flat" cmpd="sng" algn="ctr">
+            <a:solidFill>
+              <a:srgbClr val="C00000"/>
+            </a:solidFill>
+            <a:prstDash val="solid"/>
+            <a:headEnd type="stealth" w="med" len="lg"/>
+            <a:tailEnd type="none" w="med" len="lg"/>
+          </a:ln>
+          <a:effectLst/>
+        </p:spPr>
+      </p:cxnSp>
+      <p:cxnSp>
+        <p:nvCxnSpPr>
+          <p:cNvPr id="167" name="Connecteur droit avec flèche 166"/>
+          <p:cNvCxnSpPr>
+            <a:stCxn id="148" idx="0"/>
+            <a:endCxn id="124" idx="2"/>
+          </p:cNvCxnSpPr>
+          <p:nvPr/>
+        </p:nvCxnSpPr>
+        <p:spPr>
+          <a:xfrm flipV="1">
+            <a:off x="2411760" y="2802793"/>
+            <a:ext cx="901604" cy="520306"/>
+          </a:xfrm>
+          <a:prstGeom prst="straightConnector1">
+            <a:avLst/>
+          </a:prstGeom>
+          <a:noFill/>
+          <a:ln w="19050" cap="flat" cmpd="sng" algn="ctr">
+            <a:solidFill>
+              <a:srgbClr val="C00000"/>
+            </a:solidFill>
+            <a:prstDash val="solid"/>
+            <a:headEnd type="stealth" w="med" len="lg"/>
+            <a:tailEnd type="none" w="med" len="lg"/>
+          </a:ln>
+          <a:effectLst/>
+        </p:spPr>
+      </p:cxnSp>
+      <p:cxnSp>
+        <p:nvCxnSpPr>
+          <p:cNvPr id="170" name="Connecteur droit avec flèche 169"/>
+          <p:cNvCxnSpPr>
+            <a:stCxn id="159" idx="0"/>
+            <a:endCxn id="124" idx="2"/>
+          </p:cNvCxnSpPr>
+          <p:nvPr/>
+        </p:nvCxnSpPr>
+        <p:spPr>
+          <a:xfrm flipH="1" flipV="1">
+            <a:off x="3313364" y="2802793"/>
+            <a:ext cx="152408" cy="517232"/>
+          </a:xfrm>
+          <a:prstGeom prst="straightConnector1">
+            <a:avLst/>
+          </a:prstGeom>
+          <a:noFill/>
+          <a:ln w="19050" cap="flat" cmpd="sng" algn="ctr">
+            <a:solidFill>
+              <a:srgbClr val="C00000"/>
+            </a:solidFill>
+            <a:prstDash val="solid"/>
+            <a:headEnd type="stealth" w="med" len="lg"/>
+            <a:tailEnd type="none" w="med" len="lg"/>
+          </a:ln>
+          <a:effectLst/>
+        </p:spPr>
+      </p:cxnSp>
+      <p:cxnSp>
+        <p:nvCxnSpPr>
+          <p:cNvPr id="173" name="Connecteur droit avec flèche 172"/>
+          <p:cNvCxnSpPr>
+            <a:stCxn id="163" idx="0"/>
+            <a:endCxn id="159" idx="2"/>
+          </p:cNvCxnSpPr>
+          <p:nvPr/>
+        </p:nvCxnSpPr>
+        <p:spPr>
+          <a:xfrm flipV="1">
+            <a:off x="2684852" y="3506964"/>
+            <a:ext cx="780920" cy="539028"/>
+          </a:xfrm>
+          <a:prstGeom prst="straightConnector1">
+            <a:avLst/>
+          </a:prstGeom>
+          <a:noFill/>
+          <a:ln w="19050" cap="flat" cmpd="sng" algn="ctr">
+            <a:solidFill>
+              <a:srgbClr val="C00000"/>
+            </a:solidFill>
+            <a:prstDash val="solid"/>
+            <a:headEnd type="stealth" w="med" len="lg"/>
+            <a:tailEnd type="none" w="med" len="lg"/>
+          </a:ln>
+          <a:effectLst/>
+        </p:spPr>
+      </p:cxnSp>
+      <p:cxnSp>
+        <p:nvCxnSpPr>
+          <p:cNvPr id="177" name="Connecteur droit avec flèche 176"/>
+          <p:cNvCxnSpPr>
+            <a:stCxn id="164" idx="0"/>
+            <a:endCxn id="159" idx="2"/>
+          </p:cNvCxnSpPr>
+          <p:nvPr/>
+        </p:nvCxnSpPr>
+        <p:spPr>
+          <a:xfrm flipH="1" flipV="1">
+            <a:off x="3465772" y="3506964"/>
+            <a:ext cx="330038" cy="539027"/>
+          </a:xfrm>
+          <a:prstGeom prst="straightConnector1">
+            <a:avLst/>
+          </a:prstGeom>
+          <a:noFill/>
+          <a:ln w="19050" cap="flat" cmpd="sng" algn="ctr">
+            <a:solidFill>
+              <a:srgbClr val="C00000"/>
+            </a:solidFill>
+            <a:prstDash val="solid"/>
+            <a:headEnd type="stealth" w="med" len="lg"/>
+            <a:tailEnd type="none" w="med" len="lg"/>
+          </a:ln>
+          <a:effectLst/>
+        </p:spPr>
+      </p:cxnSp>
+      <p:sp>
+        <p:nvSpPr>
+          <p:cNvPr id="181" name="Rectangle 180"/>
+          <p:cNvSpPr/>
+          <p:nvPr/>
+        </p:nvSpPr>
+        <p:spPr>
+          <a:xfrm>
+            <a:off x="6751542" y="2610273"/>
+            <a:ext cx="180000" cy="180000"/>
+          </a:xfrm>
+          <a:prstGeom prst="rect">
+            <a:avLst/>
+          </a:prstGeom>
+          <a:noFill/>
+          <a:ln w="19050" cap="flat" cmpd="sng" algn="ctr">
+            <a:solidFill>
+              <a:srgbClr val="4BACC6">
+                <a:lumMod val="50000"/>
+              </a:srgbClr>
+            </a:solidFill>
+            <a:prstDash val="solid"/>
+          </a:ln>
+          <a:effectLst/>
+        </p:spPr>
+        <p:txBody>
+          <a:bodyPr lIns="0" tIns="0" rIns="0" bIns="0" rtlCol="0" anchor="ctr"/>
+          <a:lstStyle/>
+          <a:p>
+            <a:pPr marL="0" marR="0" lvl="0" indent="0" algn="ctr" defTabSz="914400" eaLnBrk="1" fontAlgn="auto" latinLnBrk="0" hangingPunct="1">
+              <a:lnSpc>
+                <a:spcPct val="100000"/>
+              </a:lnSpc>
+              <a:spcBef>
+                <a:spcPts val="0"/>
+              </a:spcBef>
+              <a:spcAft>
+                <a:spcPts val="0"/>
+              </a:spcAft>
+              <a:buClrTx/>
+              <a:buSzTx/>
+              <a:buFontTx/>
+              <a:buNone/>
+              <a:tabLst/>
+              <a:defRPr/>
+            </a:pPr>
+            <a:r>
+              <a:rPr kumimoji="0" lang="fr-FR" sz="800" b="0" i="0" u="none" strike="noStrike" kern="0" cap="none" spc="0" normalizeH="0" baseline="0" noProof="0" dirty="0" smtClean="0">
+                <a:ln>
+                  <a:noFill/>
+                </a:ln>
+                <a:solidFill>
+                  <a:sysClr val="windowText" lastClr="000000"/>
+                </a:solidFill>
+                <a:effectLst/>
+                <a:uLnTx/>
+                <a:uFillTx/>
+                <a:latin typeface="Calibri"/>
+                <a:ea typeface="+mn-ea"/>
+                <a:cs typeface="+mn-cs"/>
+              </a:rPr>
+              <a:t>2</a:t>
+            </a:r>
+          </a:p>
+        </p:txBody>
+      </p:sp>
+      <p:sp>
+        <p:nvSpPr>
+          <p:cNvPr id="182" name="Rectangle 181"/>
+          <p:cNvSpPr/>
+          <p:nvPr/>
+        </p:nvSpPr>
+        <p:spPr>
+          <a:xfrm>
+            <a:off x="6931542" y="2610273"/>
+            <a:ext cx="180000" cy="180000"/>
+          </a:xfrm>
+          <a:prstGeom prst="rect">
+            <a:avLst/>
+          </a:prstGeom>
+          <a:noFill/>
+          <a:ln w="19050" cap="flat" cmpd="sng" algn="ctr">
+            <a:solidFill>
+              <a:srgbClr val="4BACC6">
+                <a:lumMod val="50000"/>
+              </a:srgbClr>
+            </a:solidFill>
+            <a:prstDash val="solid"/>
+          </a:ln>
+          <a:effectLst/>
+        </p:spPr>
+        <p:txBody>
+          <a:bodyPr lIns="0" tIns="0" rIns="0" bIns="0" rtlCol="0" anchor="ctr"/>
+          <a:lstStyle/>
+          <a:p>
+            <a:pPr marL="0" marR="0" lvl="0" indent="0" algn="ctr" defTabSz="914400" eaLnBrk="1" fontAlgn="auto" latinLnBrk="0" hangingPunct="1">
+              <a:lnSpc>
+                <a:spcPct val="100000"/>
+              </a:lnSpc>
+              <a:spcBef>
+                <a:spcPts val="0"/>
+              </a:spcBef>
+              <a:spcAft>
+                <a:spcPts val="0"/>
+              </a:spcAft>
+              <a:buClrTx/>
+              <a:buSzTx/>
+              <a:buFontTx/>
+              <a:buNone/>
+              <a:tabLst/>
+              <a:defRPr/>
+            </a:pPr>
+            <a:r>
+              <a:rPr kumimoji="0" lang="fr-FR" sz="800" b="0" i="0" u="none" strike="noStrike" kern="0" cap="none" spc="0" normalizeH="0" baseline="0" noProof="0" dirty="0" smtClean="0">
+                <a:ln>
+                  <a:noFill/>
+                </a:ln>
+                <a:solidFill>
+                  <a:sysClr val="windowText" lastClr="000000"/>
+                </a:solidFill>
+                <a:effectLst/>
+                <a:uLnTx/>
+                <a:uFillTx/>
+                <a:latin typeface="Calibri"/>
+                <a:ea typeface="+mn-ea"/>
+                <a:cs typeface="+mn-cs"/>
+              </a:rPr>
+              <a:t>3</a:t>
+            </a:r>
+          </a:p>
+        </p:txBody>
+      </p:sp>
+      <p:sp>
+        <p:nvSpPr>
+          <p:cNvPr id="183" name="Rectangle 182"/>
+          <p:cNvSpPr/>
+          <p:nvPr/>
+        </p:nvSpPr>
+        <p:spPr>
+          <a:xfrm>
+            <a:off x="7469588" y="2610273"/>
+            <a:ext cx="180000" cy="180000"/>
+          </a:xfrm>
+          <a:prstGeom prst="rect">
+            <a:avLst/>
+          </a:prstGeom>
+          <a:noFill/>
+          <a:ln w="19050" cap="flat" cmpd="sng" algn="ctr">
+            <a:solidFill>
+              <a:srgbClr val="4BACC6">
+                <a:lumMod val="50000"/>
+              </a:srgbClr>
+            </a:solidFill>
+            <a:prstDash val="solid"/>
+          </a:ln>
+          <a:effectLst/>
+        </p:spPr>
+        <p:txBody>
+          <a:bodyPr lIns="0" tIns="0" rIns="0" bIns="0" rtlCol="0" anchor="ctr"/>
+          <a:lstStyle/>
+          <a:p>
+            <a:pPr marL="0" marR="0" lvl="0" indent="0" algn="ctr" defTabSz="914400" eaLnBrk="1" fontAlgn="auto" latinLnBrk="0" hangingPunct="1">
+              <a:lnSpc>
+                <a:spcPct val="100000"/>
+              </a:lnSpc>
+              <a:spcBef>
+                <a:spcPts val="0"/>
+              </a:spcBef>
+              <a:spcAft>
+                <a:spcPts val="0"/>
+              </a:spcAft>
+              <a:buClrTx/>
+              <a:buSzTx/>
+              <a:buFontTx/>
+              <a:buNone/>
+              <a:tabLst/>
+              <a:defRPr/>
+            </a:pPr>
+            <a:r>
+              <a:rPr kumimoji="0" lang="fr-FR" sz="800" b="0" i="0" u="none" strike="noStrike" kern="0" cap="none" spc="0" normalizeH="0" baseline="0" noProof="0" dirty="0" smtClean="0">
+                <a:ln>
+                  <a:noFill/>
+                </a:ln>
+                <a:solidFill>
+                  <a:sysClr val="windowText" lastClr="000000"/>
+                </a:solidFill>
+                <a:effectLst/>
+                <a:uLnTx/>
+                <a:uFillTx/>
+                <a:latin typeface="Calibri"/>
+                <a:ea typeface="+mn-ea"/>
+                <a:cs typeface="+mn-cs"/>
+              </a:rPr>
+              <a:t>13</a:t>
+            </a:r>
+          </a:p>
+        </p:txBody>
+      </p:sp>
+      <p:sp>
+        <p:nvSpPr>
+          <p:cNvPr id="184" name="Rectangle 183"/>
+          <p:cNvSpPr/>
+          <p:nvPr/>
+        </p:nvSpPr>
+        <p:spPr>
+          <a:xfrm>
+            <a:off x="7650946" y="2610273"/>
+            <a:ext cx="180000" cy="180000"/>
+          </a:xfrm>
+          <a:prstGeom prst="rect">
+            <a:avLst/>
+          </a:prstGeom>
+          <a:noFill/>
+          <a:ln w="19050" cap="flat" cmpd="sng" algn="ctr">
+            <a:solidFill>
+              <a:srgbClr val="4BACC6">
+                <a:lumMod val="50000"/>
+              </a:srgbClr>
+            </a:solidFill>
+            <a:prstDash val="solid"/>
+          </a:ln>
+          <a:effectLst/>
+        </p:spPr>
+        <p:txBody>
+          <a:bodyPr lIns="0" tIns="0" rIns="0" bIns="0" rtlCol="0" anchor="ctr"/>
+          <a:lstStyle/>
+          <a:p>
+            <a:pPr marL="0" marR="0" lvl="0" indent="0" algn="ctr" defTabSz="914400" eaLnBrk="1" fontAlgn="auto" latinLnBrk="0" hangingPunct="1">
+              <a:lnSpc>
+                <a:spcPct val="100000"/>
+              </a:lnSpc>
+              <a:spcBef>
+                <a:spcPts val="0"/>
+              </a:spcBef>
+              <a:spcAft>
+                <a:spcPts val="0"/>
+              </a:spcAft>
+              <a:buClrTx/>
+              <a:buSzTx/>
+              <a:buFontTx/>
+              <a:buNone/>
+              <a:tabLst/>
+              <a:defRPr/>
+            </a:pPr>
+            <a:r>
+              <a:rPr kumimoji="0" lang="fr-FR" sz="800" b="0" i="0" u="none" strike="noStrike" kern="0" cap="none" spc="0" normalizeH="0" baseline="0" noProof="0" dirty="0" smtClean="0">
+                <a:ln>
+                  <a:noFill/>
+                </a:ln>
+                <a:solidFill>
+                  <a:sysClr val="windowText" lastClr="000000"/>
+                </a:solidFill>
+                <a:effectLst/>
+                <a:uLnTx/>
+                <a:uFillTx/>
+                <a:latin typeface="Calibri"/>
+                <a:ea typeface="+mn-ea"/>
+                <a:cs typeface="+mn-cs"/>
+              </a:rPr>
+              <a:t>18</a:t>
+            </a:r>
+          </a:p>
+        </p:txBody>
+      </p:sp>
+      <p:sp>
+        <p:nvSpPr>
+          <p:cNvPr id="185" name="Rectangle 184"/>
+          <p:cNvSpPr/>
+          <p:nvPr/>
+        </p:nvSpPr>
+        <p:spPr>
+          <a:xfrm>
+            <a:off x="8010946" y="2610273"/>
+            <a:ext cx="180000" cy="180000"/>
+          </a:xfrm>
+          <a:prstGeom prst="rect">
+            <a:avLst/>
+          </a:prstGeom>
+          <a:noFill/>
+          <a:ln w="19050" cap="flat" cmpd="sng" algn="ctr">
+            <a:solidFill>
+              <a:srgbClr val="4BACC6">
+                <a:lumMod val="50000"/>
+              </a:srgbClr>
+            </a:solidFill>
+            <a:prstDash val="solid"/>
+          </a:ln>
+          <a:effectLst/>
+        </p:spPr>
+        <p:txBody>
+          <a:bodyPr lIns="0" tIns="0" rIns="0" bIns="0" rtlCol="0" anchor="ctr"/>
+          <a:lstStyle/>
+          <a:p>
+            <a:pPr marL="0" marR="0" lvl="0" indent="0" algn="ctr" defTabSz="914400" eaLnBrk="1" fontAlgn="auto" latinLnBrk="0" hangingPunct="1">
+              <a:lnSpc>
+                <a:spcPct val="100000"/>
+              </a:lnSpc>
+              <a:spcBef>
+                <a:spcPts val="0"/>
+              </a:spcBef>
+              <a:spcAft>
+                <a:spcPts val="0"/>
+              </a:spcAft>
+              <a:buClrTx/>
+              <a:buSzTx/>
+              <a:buFontTx/>
+              <a:buNone/>
+              <a:tabLst/>
+              <a:defRPr/>
+            </a:pPr>
+            <a:r>
+              <a:rPr kumimoji="0" lang="fr-FR" sz="800" b="0" i="0" u="none" strike="noStrike" kern="0" cap="none" spc="0" normalizeH="0" baseline="0" noProof="0" dirty="0" smtClean="0">
+                <a:ln>
+                  <a:noFill/>
+                </a:ln>
+                <a:solidFill>
+                  <a:sysClr val="windowText" lastClr="000000"/>
+                </a:solidFill>
+                <a:effectLst/>
+                <a:uLnTx/>
+                <a:uFillTx/>
+                <a:latin typeface="Calibri"/>
+                <a:ea typeface="+mn-ea"/>
+                <a:cs typeface="+mn-cs"/>
+              </a:rPr>
+              <a:t>17</a:t>
+            </a:r>
+          </a:p>
+        </p:txBody>
+      </p:sp>
+      <p:sp>
+        <p:nvSpPr>
+          <p:cNvPr id="186" name="Rectangle 185"/>
+          <p:cNvSpPr/>
+          <p:nvPr/>
+        </p:nvSpPr>
+        <p:spPr>
+          <a:xfrm>
+            <a:off x="8370946" y="2610273"/>
+            <a:ext cx="180000" cy="180000"/>
+          </a:xfrm>
+          <a:prstGeom prst="rect">
+            <a:avLst/>
+          </a:prstGeom>
+          <a:noFill/>
+          <a:ln w="19050" cap="flat" cmpd="sng" algn="ctr">
+            <a:solidFill>
+              <a:srgbClr val="4BACC6">
+                <a:lumMod val="50000"/>
+              </a:srgbClr>
+            </a:solidFill>
+            <a:prstDash val="solid"/>
+          </a:ln>
+          <a:effectLst/>
+        </p:spPr>
+        <p:txBody>
+          <a:bodyPr lIns="0" tIns="0" rIns="0" bIns="0" rtlCol="0" anchor="ctr"/>
+          <a:lstStyle/>
+          <a:p>
+            <a:pPr marL="0" marR="0" lvl="0" indent="0" algn="ctr" defTabSz="914400" eaLnBrk="1" fontAlgn="auto" latinLnBrk="0" hangingPunct="1">
+              <a:lnSpc>
+                <a:spcPct val="100000"/>
+              </a:lnSpc>
+              <a:spcBef>
+                <a:spcPts val="0"/>
+              </a:spcBef>
+              <a:spcAft>
+                <a:spcPts val="0"/>
+              </a:spcAft>
+              <a:buClrTx/>
+              <a:buSzTx/>
+              <a:buFontTx/>
+              <a:buNone/>
+              <a:tabLst/>
+              <a:defRPr/>
+            </a:pPr>
+            <a:r>
+              <a:rPr kumimoji="0" lang="fr-FR" sz="800" b="0" i="0" u="none" strike="noStrike" kern="0" cap="none" spc="0" normalizeH="0" baseline="0" noProof="0" dirty="0" smtClean="0">
+                <a:ln>
+                  <a:noFill/>
+                </a:ln>
+                <a:solidFill>
+                  <a:sysClr val="windowText" lastClr="000000"/>
+                </a:solidFill>
+                <a:effectLst/>
+                <a:uLnTx/>
+                <a:uFillTx/>
+                <a:latin typeface="Calibri"/>
+                <a:ea typeface="+mn-ea"/>
+                <a:cs typeface="+mn-cs"/>
+              </a:rPr>
+              <a:t>20</a:t>
+            </a:r>
+          </a:p>
+        </p:txBody>
+      </p:sp>
+      <p:sp>
+        <p:nvSpPr>
+          <p:cNvPr id="187" name="Rectangle 186"/>
+          <p:cNvSpPr/>
+          <p:nvPr/>
+        </p:nvSpPr>
+        <p:spPr>
+          <a:xfrm>
+            <a:off x="7109588" y="2610273"/>
+            <a:ext cx="180000" cy="180000"/>
+          </a:xfrm>
+          <a:prstGeom prst="rect">
+            <a:avLst/>
+          </a:prstGeom>
+          <a:noFill/>
+          <a:ln w="19050" cap="flat" cmpd="sng" algn="ctr">
+            <a:solidFill>
+              <a:srgbClr val="4BACC6">
+                <a:lumMod val="50000"/>
+              </a:srgbClr>
+            </a:solidFill>
+            <a:prstDash val="solid"/>
+          </a:ln>
+          <a:effectLst/>
+        </p:spPr>
+        <p:txBody>
+          <a:bodyPr lIns="0" tIns="0" rIns="0" bIns="0" rtlCol="0" anchor="ctr"/>
+          <a:lstStyle/>
+          <a:p>
+            <a:pPr marL="0" marR="0" lvl="0" indent="0" algn="ctr" defTabSz="914400" eaLnBrk="1" fontAlgn="auto" latinLnBrk="0" hangingPunct="1">
+              <a:lnSpc>
+                <a:spcPct val="100000"/>
+              </a:lnSpc>
+              <a:spcBef>
+                <a:spcPts val="0"/>
+              </a:spcBef>
+              <a:spcAft>
+                <a:spcPts val="0"/>
+              </a:spcAft>
+              <a:buClrTx/>
+              <a:buSzTx/>
+              <a:buFontTx/>
+              <a:buNone/>
+              <a:tabLst/>
+              <a:defRPr/>
+            </a:pPr>
+            <a:r>
+              <a:rPr kumimoji="0" lang="fr-FR" sz="800" b="0" i="0" u="none" strike="noStrike" kern="0" cap="none" spc="0" normalizeH="0" baseline="0" noProof="0" dirty="0" smtClean="0">
+                <a:ln>
+                  <a:noFill/>
+                </a:ln>
+                <a:solidFill>
+                  <a:sysClr val="windowText" lastClr="000000"/>
+                </a:solidFill>
+                <a:effectLst/>
+                <a:uLnTx/>
+                <a:uFillTx/>
+                <a:latin typeface="Calibri"/>
+                <a:ea typeface="+mn-ea"/>
+                <a:cs typeface="+mn-cs"/>
+              </a:rPr>
+              <a:t>4</a:t>
+            </a:r>
+          </a:p>
+        </p:txBody>
+      </p:sp>
+      <p:sp>
+        <p:nvSpPr>
+          <p:cNvPr id="188" name="Rectangle 187"/>
+          <p:cNvSpPr/>
+          <p:nvPr/>
+        </p:nvSpPr>
+        <p:spPr>
+          <a:xfrm>
+            <a:off x="8190946" y="2610273"/>
+            <a:ext cx="180000" cy="180000"/>
+          </a:xfrm>
+          <a:prstGeom prst="rect">
+            <a:avLst/>
+          </a:prstGeom>
+          <a:noFill/>
+          <a:ln w="19050" cap="flat" cmpd="sng" algn="ctr">
+            <a:solidFill>
+              <a:srgbClr val="4BACC6">
+                <a:lumMod val="50000"/>
+              </a:srgbClr>
+            </a:solidFill>
+            <a:prstDash val="solid"/>
+          </a:ln>
+          <a:effectLst/>
+        </p:spPr>
+        <p:txBody>
+          <a:bodyPr lIns="0" tIns="0" rIns="0" bIns="0" rtlCol="0" anchor="ctr"/>
+          <a:lstStyle/>
+          <a:p>
+            <a:pPr marL="0" marR="0" lvl="0" indent="0" algn="ctr" defTabSz="914400" eaLnBrk="1" fontAlgn="auto" latinLnBrk="0" hangingPunct="1">
+              <a:lnSpc>
+                <a:spcPct val="100000"/>
+              </a:lnSpc>
+              <a:spcBef>
+                <a:spcPts val="0"/>
+              </a:spcBef>
+              <a:spcAft>
+                <a:spcPts val="0"/>
+              </a:spcAft>
+              <a:buClrTx/>
+              <a:buSzTx/>
+              <a:buFontTx/>
+              <a:buNone/>
+              <a:tabLst/>
+              <a:defRPr/>
+            </a:pPr>
+            <a:r>
+              <a:rPr kumimoji="0" lang="fr-FR" sz="800" b="0" i="0" u="none" strike="noStrike" kern="0" cap="none" spc="0" normalizeH="0" baseline="0" noProof="0" dirty="0" smtClean="0">
+                <a:ln>
+                  <a:noFill/>
+                </a:ln>
+                <a:solidFill>
+                  <a:sysClr val="windowText" lastClr="000000"/>
+                </a:solidFill>
+                <a:effectLst/>
+                <a:uLnTx/>
+                <a:uFillTx/>
+                <a:latin typeface="Calibri"/>
+                <a:ea typeface="+mn-ea"/>
+                <a:cs typeface="+mn-cs"/>
+              </a:rPr>
+              <a:t>20</a:t>
+            </a:r>
+          </a:p>
+        </p:txBody>
+      </p:sp>
+      <p:sp>
+        <p:nvSpPr>
+          <p:cNvPr id="189" name="Rectangle 188"/>
+          <p:cNvSpPr/>
+          <p:nvPr/>
+        </p:nvSpPr>
+        <p:spPr>
+          <a:xfrm>
+            <a:off x="7289588" y="2610273"/>
+            <a:ext cx="180000" cy="180000"/>
+          </a:xfrm>
+          <a:prstGeom prst="rect">
+            <a:avLst/>
+          </a:prstGeom>
+          <a:noFill/>
+          <a:ln w="19050" cap="flat" cmpd="sng" algn="ctr">
+            <a:solidFill>
+              <a:srgbClr val="4BACC6">
+                <a:lumMod val="50000"/>
+              </a:srgbClr>
+            </a:solidFill>
+            <a:prstDash val="solid"/>
+          </a:ln>
+          <a:effectLst/>
+        </p:spPr>
+        <p:txBody>
+          <a:bodyPr lIns="0" tIns="0" rIns="0" bIns="0" rtlCol="0" anchor="ctr"/>
+          <a:lstStyle/>
+          <a:p>
+            <a:pPr marL="0" marR="0" lvl="0" indent="0" algn="ctr" defTabSz="914400" eaLnBrk="1" fontAlgn="auto" latinLnBrk="0" hangingPunct="1">
+              <a:lnSpc>
+                <a:spcPct val="100000"/>
+              </a:lnSpc>
+              <a:spcBef>
+                <a:spcPts val="0"/>
+              </a:spcBef>
+              <a:spcAft>
+                <a:spcPts val="0"/>
+              </a:spcAft>
+              <a:buClrTx/>
+              <a:buSzTx/>
+              <a:buFontTx/>
+              <a:buNone/>
+              <a:tabLst/>
+              <a:defRPr/>
+            </a:pPr>
+            <a:r>
+              <a:rPr kumimoji="0" lang="fr-FR" sz="800" b="1" i="0" u="none" strike="noStrike" kern="0" cap="none" spc="0" normalizeH="0" baseline="0" noProof="0" dirty="0" smtClean="0">
+                <a:ln>
+                  <a:noFill/>
+                </a:ln>
+                <a:solidFill>
+                  <a:srgbClr val="C00000"/>
+                </a:solidFill>
+                <a:effectLst/>
+                <a:uLnTx/>
+                <a:uFillTx/>
+                <a:latin typeface="Calibri"/>
+                <a:ea typeface="+mn-ea"/>
+                <a:cs typeface="+mn-cs"/>
+              </a:rPr>
+              <a:t>5</a:t>
+            </a:r>
+          </a:p>
+        </p:txBody>
+      </p:sp>
+      <p:sp>
+        <p:nvSpPr>
+          <p:cNvPr id="190" name="Rectangle 189"/>
+          <p:cNvSpPr/>
+          <p:nvPr/>
+        </p:nvSpPr>
+        <p:spPr>
+          <a:xfrm>
+            <a:off x="7830946" y="2610273"/>
+            <a:ext cx="180000" cy="180000"/>
+          </a:xfrm>
+          <a:prstGeom prst="rect">
+            <a:avLst/>
+          </a:prstGeom>
+          <a:noFill/>
+          <a:ln w="19050" cap="flat" cmpd="sng" algn="ctr">
+            <a:solidFill>
+              <a:srgbClr val="4BACC6">
+                <a:lumMod val="50000"/>
+              </a:srgbClr>
+            </a:solidFill>
+            <a:prstDash val="solid"/>
+          </a:ln>
+          <a:effectLst/>
+        </p:spPr>
+        <p:txBody>
+          <a:bodyPr lIns="0" tIns="0" rIns="0" bIns="0" rtlCol="0" anchor="ctr"/>
+          <a:lstStyle/>
+          <a:p>
+            <a:pPr marL="0" marR="0" lvl="0" indent="0" algn="ctr" defTabSz="914400" eaLnBrk="1" fontAlgn="auto" latinLnBrk="0" hangingPunct="1">
+              <a:lnSpc>
+                <a:spcPct val="100000"/>
+              </a:lnSpc>
+              <a:spcBef>
+                <a:spcPts val="0"/>
+              </a:spcBef>
+              <a:spcAft>
+                <a:spcPts val="0"/>
+              </a:spcAft>
+              <a:buClrTx/>
+              <a:buSzTx/>
+              <a:buFontTx/>
+              <a:buNone/>
+              <a:tabLst/>
+              <a:defRPr/>
+            </a:pPr>
+            <a:r>
+              <a:rPr kumimoji="0" lang="fr-FR" sz="800" b="0" i="0" u="none" strike="noStrike" kern="0" cap="none" spc="0" normalizeH="0" baseline="0" noProof="0" dirty="0" smtClean="0">
+                <a:ln>
+                  <a:noFill/>
+                </a:ln>
+                <a:solidFill>
+                  <a:sysClr val="windowText" lastClr="000000"/>
+                </a:solidFill>
+                <a:effectLst/>
+                <a:uLnTx/>
+                <a:uFillTx/>
+                <a:latin typeface="Calibri"/>
+                <a:ea typeface="+mn-ea"/>
+                <a:cs typeface="+mn-cs"/>
+              </a:rPr>
+              <a:t>11</a:t>
+            </a:r>
+          </a:p>
+        </p:txBody>
+      </p:sp>
+      <p:sp>
+        <p:nvSpPr>
+          <p:cNvPr id="191" name="Rectangle 190"/>
+          <p:cNvSpPr/>
+          <p:nvPr/>
+        </p:nvSpPr>
+        <p:spPr>
+          <a:xfrm>
+            <a:off x="6732360" y="3158979"/>
+            <a:ext cx="360000" cy="360000"/>
+          </a:xfrm>
+          <a:prstGeom prst="rect">
+            <a:avLst/>
+          </a:prstGeom>
+          <a:noFill/>
+          <a:ln w="19050" cap="flat" cmpd="sng" algn="ctr">
+            <a:solidFill>
+              <a:srgbClr val="4BACC6">
+                <a:lumMod val="50000"/>
+              </a:srgbClr>
+            </a:solidFill>
+            <a:prstDash val="solid"/>
+          </a:ln>
+          <a:effectLst/>
+        </p:spPr>
+        <p:txBody>
+          <a:bodyPr rtlCol="0" anchor="ctr"/>
+          <a:lstStyle/>
+          <a:p>
+            <a:pPr marL="0" marR="0" lvl="0" indent="0" algn="ctr" defTabSz="914400" eaLnBrk="1" fontAlgn="auto" latinLnBrk="0" hangingPunct="1">
+              <a:lnSpc>
+                <a:spcPct val="100000"/>
+              </a:lnSpc>
+              <a:spcBef>
+                <a:spcPts val="0"/>
+              </a:spcBef>
+              <a:spcAft>
+                <a:spcPts val="0"/>
+              </a:spcAft>
+              <a:buClrTx/>
+              <a:buSzTx/>
+              <a:buFontTx/>
+              <a:buNone/>
+              <a:tabLst/>
+              <a:defRPr/>
+            </a:pPr>
+            <a:r>
+              <a:rPr kumimoji="0" lang="fr-FR" sz="1200" b="0" i="0" u="none" strike="noStrike" kern="0" cap="none" spc="0" normalizeH="0" baseline="0" noProof="0" dirty="0" smtClean="0">
+                <a:ln>
+                  <a:noFill/>
+                </a:ln>
+                <a:solidFill>
+                  <a:sysClr val="windowText" lastClr="000000"/>
+                </a:solidFill>
+                <a:effectLst/>
+                <a:uLnTx/>
+                <a:uFillTx/>
+                <a:latin typeface="Calibri"/>
+                <a:ea typeface="+mn-ea"/>
+                <a:cs typeface="+mn-cs"/>
+              </a:rPr>
+              <a:t>11</a:t>
+            </a:r>
+            <a:endParaRPr kumimoji="0" lang="fr-FR" sz="1200" b="0" i="0" u="none" strike="noStrike" kern="0" cap="none" spc="0" normalizeH="0" baseline="0" noProof="0" dirty="0" smtClean="0">
+              <a:ln>
+                <a:noFill/>
+              </a:ln>
+              <a:solidFill>
+                <a:sysClr val="windowText" lastClr="000000"/>
+              </a:solidFill>
+              <a:effectLst/>
+              <a:uLnTx/>
+              <a:uFillTx/>
+              <a:latin typeface="Calibri"/>
+              <a:ea typeface="+mn-ea"/>
+              <a:cs typeface="+mn-cs"/>
+            </a:endParaRPr>
+          </a:p>
+        </p:txBody>
+      </p:sp>
+      <p:sp>
+        <p:nvSpPr>
+          <p:cNvPr id="192" name="Rectangle 191"/>
+          <p:cNvSpPr/>
+          <p:nvPr/>
+        </p:nvSpPr>
+        <p:spPr>
+          <a:xfrm>
+            <a:off x="7092360" y="3158979"/>
+            <a:ext cx="360000" cy="360000"/>
+          </a:xfrm>
+          <a:prstGeom prst="rect">
+            <a:avLst/>
+          </a:prstGeom>
+          <a:noFill/>
+          <a:ln w="19050" cap="flat" cmpd="sng" algn="ctr">
+            <a:solidFill>
+              <a:srgbClr val="4BACC6">
+                <a:lumMod val="50000"/>
+              </a:srgbClr>
+            </a:solidFill>
+            <a:prstDash val="solid"/>
+          </a:ln>
+          <a:effectLst/>
+        </p:spPr>
+        <p:txBody>
+          <a:bodyPr rtlCol="0" anchor="ctr"/>
+          <a:lstStyle/>
+          <a:p>
+            <a:pPr marL="0" marR="0" lvl="0" indent="0" algn="ctr" defTabSz="914400" eaLnBrk="1" fontAlgn="auto" latinLnBrk="0" hangingPunct="1">
+              <a:lnSpc>
+                <a:spcPct val="100000"/>
+              </a:lnSpc>
+              <a:spcBef>
+                <a:spcPts val="0"/>
+              </a:spcBef>
+              <a:spcAft>
+                <a:spcPts val="0"/>
+              </a:spcAft>
+              <a:buClrTx/>
+              <a:buSzTx/>
+              <a:buFontTx/>
+              <a:buNone/>
+              <a:tabLst/>
+              <a:defRPr/>
+            </a:pPr>
+            <a:r>
+              <a:rPr kumimoji="0" lang="fr-FR" sz="1200" b="1" i="0" u="none" strike="noStrike" kern="0" cap="none" spc="0" normalizeH="0" baseline="0" noProof="0" dirty="0" smtClean="0">
+                <a:ln>
+                  <a:noFill/>
+                </a:ln>
+                <a:solidFill>
+                  <a:sysClr val="windowText" lastClr="000000"/>
+                </a:solidFill>
+                <a:effectLst/>
+                <a:uLnTx/>
+                <a:uFillTx/>
+                <a:latin typeface="Calibri"/>
+                <a:ea typeface="+mn-ea"/>
+                <a:cs typeface="+mn-cs"/>
+              </a:rPr>
+              <a:t>13</a:t>
+            </a:r>
+            <a:endParaRPr kumimoji="0" lang="fr-FR" sz="1200" b="1" i="0" u="none" strike="noStrike" kern="0" cap="none" spc="0" normalizeH="0" baseline="0" noProof="0" dirty="0" smtClean="0">
+              <a:ln>
+                <a:noFill/>
+              </a:ln>
+              <a:solidFill>
+                <a:sysClr val="windowText" lastClr="000000"/>
+              </a:solidFill>
+              <a:effectLst/>
+              <a:uLnTx/>
+              <a:uFillTx/>
+              <a:latin typeface="Calibri"/>
+              <a:ea typeface="+mn-ea"/>
+              <a:cs typeface="+mn-cs"/>
+            </a:endParaRPr>
+          </a:p>
+        </p:txBody>
+      </p:sp>
+      <p:sp>
+        <p:nvSpPr>
+          <p:cNvPr id="193" name="Rectangle 192"/>
+          <p:cNvSpPr/>
+          <p:nvPr/>
+        </p:nvSpPr>
+        <p:spPr>
+          <a:xfrm>
+            <a:off x="7812360" y="3158979"/>
+            <a:ext cx="360000" cy="360000"/>
+          </a:xfrm>
+          <a:prstGeom prst="rect">
+            <a:avLst/>
+          </a:prstGeom>
+          <a:noFill/>
+          <a:ln w="19050" cap="flat" cmpd="sng" algn="ctr">
+            <a:solidFill>
+              <a:srgbClr val="4BACC6">
+                <a:lumMod val="50000"/>
+              </a:srgbClr>
+            </a:solidFill>
+            <a:prstDash val="solid"/>
+          </a:ln>
+          <a:effectLst/>
+        </p:spPr>
+        <p:txBody>
+          <a:bodyPr rtlCol="0" anchor="ctr"/>
+          <a:lstStyle/>
+          <a:p>
+            <a:pPr marL="0" marR="0" lvl="0" indent="0" algn="ctr" defTabSz="914400" eaLnBrk="1" fontAlgn="auto" latinLnBrk="0" hangingPunct="1">
+              <a:lnSpc>
+                <a:spcPct val="100000"/>
+              </a:lnSpc>
+              <a:spcBef>
+                <a:spcPts val="0"/>
+              </a:spcBef>
+              <a:spcAft>
+                <a:spcPts val="0"/>
+              </a:spcAft>
+              <a:buClrTx/>
+              <a:buSzTx/>
+              <a:buFontTx/>
+              <a:buNone/>
+              <a:tabLst/>
+              <a:defRPr/>
+            </a:pPr>
+            <a:r>
+              <a:rPr kumimoji="0" lang="fr-FR" sz="1200" b="0" i="0" u="none" strike="noStrike" kern="0" cap="none" spc="0" normalizeH="0" baseline="0" noProof="0" dirty="0" smtClean="0">
+                <a:ln>
+                  <a:noFill/>
+                </a:ln>
+                <a:solidFill>
+                  <a:sysClr val="windowText" lastClr="000000"/>
+                </a:solidFill>
+                <a:effectLst/>
+                <a:uLnTx/>
+                <a:uFillTx/>
+                <a:latin typeface="Calibri"/>
+                <a:ea typeface="+mn-ea"/>
+                <a:cs typeface="+mn-cs"/>
+              </a:rPr>
+              <a:t>17</a:t>
+            </a:r>
+          </a:p>
+        </p:txBody>
+      </p:sp>
+      <p:sp>
+        <p:nvSpPr>
+          <p:cNvPr id="194" name="Rectangle 193"/>
+          <p:cNvSpPr/>
+          <p:nvPr/>
+        </p:nvSpPr>
+        <p:spPr>
+          <a:xfrm>
+            <a:off x="8532360" y="3158979"/>
+            <a:ext cx="360000" cy="360000"/>
+          </a:xfrm>
+          <a:prstGeom prst="rect">
+            <a:avLst/>
+          </a:prstGeom>
+          <a:noFill/>
+          <a:ln w="19050" cap="flat" cmpd="sng" algn="ctr">
+            <a:solidFill>
+              <a:srgbClr val="4BACC6">
+                <a:lumMod val="50000"/>
+              </a:srgbClr>
+            </a:solidFill>
+            <a:prstDash val="solid"/>
+          </a:ln>
+          <a:effectLst/>
+        </p:spPr>
+        <p:txBody>
+          <a:bodyPr rtlCol="0" anchor="ctr"/>
+          <a:lstStyle/>
+          <a:p>
+            <a:pPr marL="0" marR="0" lvl="0" indent="0" algn="ctr" defTabSz="914400" eaLnBrk="1" fontAlgn="auto" latinLnBrk="0" hangingPunct="1">
+              <a:lnSpc>
+                <a:spcPct val="100000"/>
+              </a:lnSpc>
+              <a:spcBef>
+                <a:spcPts val="0"/>
+              </a:spcBef>
+              <a:spcAft>
+                <a:spcPts val="0"/>
+              </a:spcAft>
+              <a:buClrTx/>
+              <a:buSzTx/>
+              <a:buFontTx/>
+              <a:buNone/>
+              <a:tabLst/>
+              <a:defRPr/>
+            </a:pPr>
+            <a:r>
+              <a:rPr kumimoji="0" lang="fr-FR" sz="1200" b="0" i="0" u="none" strike="noStrike" kern="0" cap="none" spc="0" normalizeH="0" baseline="0" noProof="0" dirty="0" smtClean="0">
+                <a:ln>
+                  <a:noFill/>
+                </a:ln>
+                <a:solidFill>
+                  <a:sysClr val="windowText" lastClr="000000"/>
+                </a:solidFill>
+                <a:effectLst/>
+                <a:uLnTx/>
+                <a:uFillTx/>
+                <a:latin typeface="Calibri"/>
+                <a:ea typeface="+mn-ea"/>
+                <a:cs typeface="+mn-cs"/>
+              </a:rPr>
+              <a:t>20</a:t>
+            </a:r>
+          </a:p>
+        </p:txBody>
+      </p:sp>
+      <p:sp>
+        <p:nvSpPr>
+          <p:cNvPr id="195" name="Rectangle 194"/>
+          <p:cNvSpPr/>
+          <p:nvPr/>
+        </p:nvSpPr>
+        <p:spPr>
+          <a:xfrm>
+            <a:off x="8172360" y="3158979"/>
+            <a:ext cx="360000" cy="360000"/>
+          </a:xfrm>
+          <a:prstGeom prst="rect">
+            <a:avLst/>
+          </a:prstGeom>
+          <a:noFill/>
+          <a:ln w="19050" cap="flat" cmpd="sng" algn="ctr">
+            <a:solidFill>
+              <a:srgbClr val="4BACC6">
+                <a:lumMod val="50000"/>
+              </a:srgbClr>
+            </a:solidFill>
+            <a:prstDash val="solid"/>
+          </a:ln>
+          <a:effectLst/>
+        </p:spPr>
+        <p:txBody>
+          <a:bodyPr rtlCol="0" anchor="ctr"/>
+          <a:lstStyle/>
+          <a:p>
+            <a:pPr marL="0" marR="0" lvl="0" indent="0" algn="ctr" defTabSz="914400" eaLnBrk="1" fontAlgn="auto" latinLnBrk="0" hangingPunct="1">
+              <a:lnSpc>
+                <a:spcPct val="100000"/>
+              </a:lnSpc>
+              <a:spcBef>
+                <a:spcPts val="0"/>
+              </a:spcBef>
+              <a:spcAft>
+                <a:spcPts val="0"/>
+              </a:spcAft>
+              <a:buClrTx/>
+              <a:buSzTx/>
+              <a:buFontTx/>
+              <a:buNone/>
+              <a:tabLst/>
+              <a:defRPr/>
+            </a:pPr>
+            <a:r>
+              <a:rPr kumimoji="0" lang="fr-FR" sz="1200" b="0" i="0" u="none" strike="noStrike" kern="0" cap="none" spc="0" normalizeH="0" baseline="0" noProof="0" dirty="0" smtClean="0">
+                <a:ln>
+                  <a:noFill/>
+                </a:ln>
+                <a:solidFill>
+                  <a:sysClr val="windowText" lastClr="000000"/>
+                </a:solidFill>
+                <a:effectLst/>
+                <a:uLnTx/>
+                <a:uFillTx/>
+                <a:latin typeface="Calibri"/>
+                <a:ea typeface="+mn-ea"/>
+                <a:cs typeface="+mn-cs"/>
+              </a:rPr>
+              <a:t>20</a:t>
+            </a:r>
+          </a:p>
+        </p:txBody>
+      </p:sp>
+      <p:sp>
+        <p:nvSpPr>
+          <p:cNvPr id="196" name="Rectangle 195"/>
+          <p:cNvSpPr/>
+          <p:nvPr/>
+        </p:nvSpPr>
+        <p:spPr>
+          <a:xfrm>
+            <a:off x="7452360" y="3158979"/>
+            <a:ext cx="360000" cy="360000"/>
+          </a:xfrm>
+          <a:prstGeom prst="rect">
+            <a:avLst/>
+          </a:prstGeom>
+          <a:noFill/>
+          <a:ln w="19050" cap="flat" cmpd="sng" algn="ctr">
+            <a:solidFill>
+              <a:srgbClr val="4BACC6">
+                <a:lumMod val="50000"/>
+              </a:srgbClr>
+            </a:solidFill>
+            <a:prstDash val="solid"/>
+          </a:ln>
+          <a:effectLst/>
+        </p:spPr>
+        <p:txBody>
+          <a:bodyPr rtlCol="0" anchor="ctr"/>
+          <a:lstStyle/>
+          <a:p>
+            <a:pPr marL="0" marR="0" lvl="0" indent="0" algn="ctr" defTabSz="914400" eaLnBrk="1" fontAlgn="auto" latinLnBrk="0" hangingPunct="1">
+              <a:lnSpc>
+                <a:spcPct val="100000"/>
+              </a:lnSpc>
+              <a:spcBef>
+                <a:spcPts val="0"/>
+              </a:spcBef>
+              <a:spcAft>
+                <a:spcPts val="0"/>
+              </a:spcAft>
+              <a:buClrTx/>
+              <a:buSzTx/>
+              <a:buFontTx/>
+              <a:buNone/>
+              <a:tabLst/>
+              <a:defRPr/>
+            </a:pPr>
+            <a:r>
+              <a:rPr kumimoji="0" lang="fr-FR" sz="1200" b="0" i="0" u="none" strike="noStrike" kern="0" cap="none" spc="0" normalizeH="0" baseline="0" noProof="0" dirty="0" smtClean="0">
+                <a:ln>
+                  <a:noFill/>
+                </a:ln>
+                <a:solidFill>
+                  <a:sysClr val="windowText" lastClr="000000"/>
+                </a:solidFill>
+                <a:effectLst/>
+                <a:uLnTx/>
+                <a:uFillTx/>
+                <a:latin typeface="Calibri"/>
+                <a:ea typeface="+mn-ea"/>
+                <a:cs typeface="+mn-cs"/>
+              </a:rPr>
+              <a:t>18</a:t>
+            </a:r>
+            <a:endParaRPr kumimoji="0" lang="fr-FR" sz="1200" b="0" i="0" u="none" strike="noStrike" kern="0" cap="none" spc="0" normalizeH="0" baseline="0" noProof="0" dirty="0" smtClean="0">
+              <a:ln>
+                <a:noFill/>
+              </a:ln>
+              <a:solidFill>
+                <a:sysClr val="windowText" lastClr="000000"/>
+              </a:solidFill>
+              <a:effectLst/>
+              <a:uLnTx/>
+              <a:uFillTx/>
+              <a:latin typeface="Calibri"/>
+              <a:ea typeface="+mn-ea"/>
+              <a:cs typeface="+mn-cs"/>
+            </a:endParaRPr>
+          </a:p>
+        </p:txBody>
+      </p:sp>
+      <p:grpSp>
+        <p:nvGrpSpPr>
+          <p:cNvPr id="197" name="Groupe 196"/>
+          <p:cNvGrpSpPr/>
+          <p:nvPr/>
+        </p:nvGrpSpPr>
+        <p:grpSpPr>
+          <a:xfrm>
+            <a:off x="7141555" y="2849032"/>
+            <a:ext cx="261610" cy="276999"/>
+            <a:chOff x="3907577" y="1620360"/>
+            <a:chExt cx="261610" cy="276999"/>
+          </a:xfrm>
+        </p:grpSpPr>
+        <p:sp>
+          <p:nvSpPr>
+            <p:cNvPr id="198" name="Ellipse 197"/>
+            <p:cNvSpPr/>
+            <p:nvPr/>
+          </p:nvSpPr>
+          <p:spPr>
+            <a:xfrm>
+              <a:off x="3941784" y="1664752"/>
+              <a:ext cx="180032" cy="180032"/>
+            </a:xfrm>
+            <a:prstGeom prst="ellipse">
+              <a:avLst/>
+            </a:prstGeom>
+            <a:solidFill>
+              <a:srgbClr val="C0504D">
+                <a:lumMod val="20000"/>
+                <a:lumOff val="80000"/>
+              </a:srgbClr>
+            </a:solidFill>
+            <a:ln w="9525" cap="flat" cmpd="sng" algn="ctr">
+              <a:solidFill>
+                <a:srgbClr val="C00000"/>
+              </a:solidFill>
+              <a:prstDash val="dash"/>
+            </a:ln>
+            <a:effectLst/>
+          </p:spPr>
+          <p:txBody>
+            <a:bodyPr rtlCol="0" anchor="ctr"/>
+            <a:lstStyle/>
+            <a:p>
+              <a:pPr marL="0" marR="0" lvl="0" indent="0" algn="ctr" defTabSz="914400" eaLnBrk="1" fontAlgn="auto" latinLnBrk="0" hangingPunct="1">
+                <a:lnSpc>
+                  <a:spcPct val="100000"/>
+                </a:lnSpc>
+                <a:spcBef>
+                  <a:spcPts val="0"/>
+                </a:spcBef>
+                <a:spcAft>
+                  <a:spcPts val="0"/>
+                </a:spcAft>
+                <a:buClrTx/>
+                <a:buSzTx/>
+                <a:buFontTx/>
+                <a:buNone/>
+                <a:tabLst/>
+                <a:defRPr/>
+              </a:pPr>
+              <a:endParaRPr kumimoji="0" lang="fr-FR" sz="1200" b="0" i="0" u="none" strike="noStrike" kern="0" cap="none" spc="0" normalizeH="0" baseline="0" noProof="0" smtClean="0">
+                <a:ln>
+                  <a:noFill/>
+                </a:ln>
+                <a:solidFill>
+                  <a:sysClr val="windowText" lastClr="000000"/>
+                </a:solidFill>
+                <a:effectLst/>
+                <a:uLnTx/>
+                <a:uFillTx/>
+                <a:latin typeface="Calibri"/>
+                <a:ea typeface="+mn-ea"/>
+                <a:cs typeface="+mn-cs"/>
+              </a:endParaRPr>
+            </a:p>
+          </p:txBody>
+        </p:sp>
+        <p:sp>
+          <p:nvSpPr>
+            <p:cNvPr id="199" name="Rectangle 198"/>
+            <p:cNvSpPr/>
+            <p:nvPr/>
+          </p:nvSpPr>
+          <p:spPr>
+            <a:xfrm>
+              <a:off x="3907577" y="1620360"/>
+              <a:ext cx="261610" cy="276999"/>
+            </a:xfrm>
+            <a:prstGeom prst="rect">
+              <a:avLst/>
+            </a:prstGeom>
+          </p:spPr>
+          <p:txBody>
+            <a:bodyPr wrap="none">
+              <a:spAutoFit/>
+            </a:bodyPr>
+            <a:lstStyle/>
+            <a:p>
+              <a:pPr marL="0" marR="0" lvl="0" indent="0" defTabSz="914400" eaLnBrk="1" fontAlgn="auto" latinLnBrk="0" hangingPunct="1">
+                <a:lnSpc>
+                  <a:spcPct val="100000"/>
+                </a:lnSpc>
+                <a:spcBef>
+                  <a:spcPts val="0"/>
+                </a:spcBef>
+                <a:spcAft>
+                  <a:spcPts val="0"/>
+                </a:spcAft>
+                <a:buClrTx/>
+                <a:buSzTx/>
+                <a:buFontTx/>
+                <a:buNone/>
+                <a:tabLst/>
+                <a:defRPr/>
+              </a:pPr>
+              <a:r>
+                <a:rPr lang="fr-FR" sz="1200" kern="0" dirty="0">
+                  <a:solidFill>
+                    <a:sysClr val="windowText" lastClr="000000"/>
+                  </a:solidFill>
+                </a:rPr>
+                <a:t>5</a:t>
+              </a:r>
+              <a:endParaRPr kumimoji="0" lang="fr-FR" sz="1200" b="0" i="0" u="none" strike="noStrike" kern="0" cap="none" spc="0" normalizeH="0" baseline="0" noProof="0" dirty="0" smtClean="0">
+                <a:ln>
+                  <a:noFill/>
+                </a:ln>
+                <a:solidFill>
+                  <a:sysClr val="windowText" lastClr="000000"/>
+                </a:solidFill>
+                <a:effectLst/>
+                <a:uLnTx/>
+                <a:uFillTx/>
+              </a:endParaRPr>
+            </a:p>
+          </p:txBody>
+        </p:sp>
+      </p:grpSp>
+      <p:grpSp>
+        <p:nvGrpSpPr>
+          <p:cNvPr id="200" name="Groupe 199"/>
+          <p:cNvGrpSpPr/>
+          <p:nvPr/>
+        </p:nvGrpSpPr>
+        <p:grpSpPr>
+          <a:xfrm>
+            <a:off x="5700673" y="4010297"/>
+            <a:ext cx="261610" cy="276999"/>
+            <a:chOff x="3907577" y="1620360"/>
+            <a:chExt cx="261610" cy="276999"/>
+          </a:xfrm>
+        </p:grpSpPr>
+        <p:sp>
+          <p:nvSpPr>
+            <p:cNvPr id="201" name="Ellipse 200"/>
+            <p:cNvSpPr/>
+            <p:nvPr/>
+          </p:nvSpPr>
+          <p:spPr>
+            <a:xfrm>
+              <a:off x="3941784" y="1664752"/>
+              <a:ext cx="180032" cy="180032"/>
+            </a:xfrm>
+            <a:prstGeom prst="ellipse">
+              <a:avLst/>
+            </a:prstGeom>
+            <a:solidFill>
+              <a:srgbClr val="C0504D">
+                <a:lumMod val="20000"/>
+                <a:lumOff val="80000"/>
+              </a:srgbClr>
+            </a:solidFill>
+            <a:ln w="9525" cap="flat" cmpd="sng" algn="ctr">
+              <a:solidFill>
+                <a:srgbClr val="C00000"/>
+              </a:solidFill>
+              <a:prstDash val="dash"/>
+            </a:ln>
+            <a:effectLst/>
+          </p:spPr>
+          <p:txBody>
+            <a:bodyPr rtlCol="0" anchor="ctr"/>
+            <a:lstStyle/>
+            <a:p>
+              <a:pPr marL="0" marR="0" lvl="0" indent="0" algn="ctr" defTabSz="914400" eaLnBrk="1" fontAlgn="auto" latinLnBrk="0" hangingPunct="1">
+                <a:lnSpc>
+                  <a:spcPct val="100000"/>
+                </a:lnSpc>
+                <a:spcBef>
+                  <a:spcPts val="0"/>
+                </a:spcBef>
+                <a:spcAft>
+                  <a:spcPts val="0"/>
+                </a:spcAft>
+                <a:buClrTx/>
+                <a:buSzTx/>
+                <a:buFontTx/>
+                <a:buNone/>
+                <a:tabLst/>
+                <a:defRPr/>
+              </a:pPr>
+              <a:endParaRPr kumimoji="0" lang="fr-FR" sz="1200" b="0" i="0" u="none" strike="noStrike" kern="0" cap="none" spc="0" normalizeH="0" baseline="0" noProof="0" smtClean="0">
+                <a:ln>
+                  <a:noFill/>
+                </a:ln>
+                <a:solidFill>
+                  <a:sysClr val="windowText" lastClr="000000"/>
+                </a:solidFill>
+                <a:effectLst/>
+                <a:uLnTx/>
+                <a:uFillTx/>
+                <a:latin typeface="Calibri"/>
+                <a:ea typeface="+mn-ea"/>
+                <a:cs typeface="+mn-cs"/>
+              </a:endParaRPr>
+            </a:p>
+          </p:txBody>
+        </p:sp>
+        <p:sp>
+          <p:nvSpPr>
+            <p:cNvPr id="202" name="Rectangle 201"/>
+            <p:cNvSpPr/>
+            <p:nvPr/>
+          </p:nvSpPr>
+          <p:spPr>
+            <a:xfrm>
+              <a:off x="3907577" y="1620360"/>
+              <a:ext cx="261610" cy="276999"/>
+            </a:xfrm>
+            <a:prstGeom prst="rect">
+              <a:avLst/>
+            </a:prstGeom>
+          </p:spPr>
+          <p:txBody>
+            <a:bodyPr wrap="none">
+              <a:spAutoFit/>
+            </a:bodyPr>
+            <a:lstStyle/>
+            <a:p>
+              <a:pPr marL="0" marR="0" lvl="0" indent="0" defTabSz="914400" eaLnBrk="1" fontAlgn="auto" latinLnBrk="0" hangingPunct="1">
+                <a:lnSpc>
+                  <a:spcPct val="100000"/>
+                </a:lnSpc>
+                <a:spcBef>
+                  <a:spcPts val="0"/>
+                </a:spcBef>
+                <a:spcAft>
+                  <a:spcPts val="0"/>
+                </a:spcAft>
+                <a:buClrTx/>
+                <a:buSzTx/>
+                <a:buFontTx/>
+                <a:buNone/>
+                <a:tabLst/>
+                <a:defRPr/>
+              </a:pPr>
+              <a:r>
+                <a:rPr lang="fr-FR" sz="1200" kern="0" dirty="0">
+                  <a:solidFill>
+                    <a:sysClr val="windowText" lastClr="000000"/>
+                  </a:solidFill>
+                </a:rPr>
+                <a:t>7</a:t>
+              </a:r>
+              <a:endParaRPr kumimoji="0" lang="fr-FR" sz="1200" b="0" i="0" u="none" strike="noStrike" kern="0" cap="none" spc="0" normalizeH="0" baseline="0" noProof="0" dirty="0" smtClean="0">
+                <a:ln>
+                  <a:noFill/>
+                </a:ln>
+                <a:solidFill>
+                  <a:sysClr val="windowText" lastClr="000000"/>
+                </a:solidFill>
+                <a:effectLst/>
+                <a:uLnTx/>
+                <a:uFillTx/>
+              </a:endParaRPr>
+            </a:p>
+          </p:txBody>
+        </p:sp>
+      </p:grpSp>
+      <p:sp>
+        <p:nvSpPr>
+          <p:cNvPr id="203" name="Rectangle 202"/>
+          <p:cNvSpPr/>
+          <p:nvPr/>
+        </p:nvSpPr>
+        <p:spPr>
+          <a:xfrm>
+            <a:off x="4203481" y="3322008"/>
+            <a:ext cx="749961" cy="186939"/>
+          </a:xfrm>
+          <a:prstGeom prst="rect">
+            <a:avLst/>
+          </a:prstGeom>
+          <a:solidFill>
+            <a:srgbClr val="C0504D">
+              <a:lumMod val="20000"/>
+              <a:lumOff val="80000"/>
+            </a:srgbClr>
+          </a:solidFill>
+          <a:ln w="9525" cap="flat" cmpd="sng" algn="ctr">
+            <a:solidFill>
+              <a:srgbClr val="C00000"/>
+            </a:solidFill>
+            <a:prstDash val="dash"/>
+          </a:ln>
+          <a:effectLst/>
+        </p:spPr>
+        <p:txBody>
+          <a:bodyPr rtlCol="0" anchor="ctr"/>
+          <a:lstStyle/>
+          <a:p>
+            <a:pPr algn="ctr"/>
+            <a:r>
+              <a:rPr lang="fr-FR" sz="1200" b="1" kern="0" dirty="0" smtClean="0">
+                <a:solidFill>
+                  <a:sysClr val="windowText" lastClr="000000"/>
+                </a:solidFill>
+                <a:latin typeface="Calibri"/>
+              </a:rPr>
+              <a:t>QS (4,4)</a:t>
+            </a:r>
+            <a:endParaRPr lang="fr-FR" sz="1200" b="1" kern="0" dirty="0">
+              <a:solidFill>
+                <a:sysClr val="windowText" lastClr="000000"/>
+              </a:solidFill>
+              <a:latin typeface="Calibri"/>
+            </a:endParaRPr>
+          </a:p>
+        </p:txBody>
+      </p:sp>
+      <p:sp>
+        <p:nvSpPr>
+          <p:cNvPr id="204" name="Rectangle 203"/>
+          <p:cNvSpPr/>
+          <p:nvPr/>
+        </p:nvSpPr>
+        <p:spPr>
+          <a:xfrm>
+            <a:off x="5292200" y="3326434"/>
+            <a:ext cx="1078556" cy="192546"/>
+          </a:xfrm>
+          <a:prstGeom prst="rect">
+            <a:avLst/>
+          </a:prstGeom>
+          <a:solidFill>
+            <a:srgbClr val="C0504D">
+              <a:lumMod val="20000"/>
+              <a:lumOff val="80000"/>
+            </a:srgbClr>
+          </a:solidFill>
+          <a:ln w="9525" cap="flat" cmpd="sng" algn="ctr">
+            <a:solidFill>
+              <a:srgbClr val="C00000"/>
+            </a:solidFill>
+            <a:prstDash val="dash"/>
+          </a:ln>
+          <a:effectLst/>
+        </p:spPr>
+        <p:txBody>
+          <a:bodyPr rtlCol="0" anchor="ctr"/>
+          <a:lstStyle/>
+          <a:p>
+            <a:pPr algn="ctr"/>
+            <a:r>
+              <a:rPr lang="fr-FR" sz="1200" b="1" kern="0" dirty="0" smtClean="0">
+                <a:solidFill>
+                  <a:sysClr val="windowText" lastClr="000000"/>
+                </a:solidFill>
+                <a:latin typeface="Calibri"/>
+              </a:rPr>
+              <a:t>QS (6,9)</a:t>
+            </a:r>
+            <a:endParaRPr lang="fr-FR" sz="1200" b="1" kern="0" dirty="0">
+              <a:solidFill>
+                <a:sysClr val="windowText" lastClr="000000"/>
+              </a:solidFill>
+              <a:latin typeface="Calibri"/>
+            </a:endParaRPr>
+          </a:p>
+        </p:txBody>
+      </p:sp>
+      <p:cxnSp>
+        <p:nvCxnSpPr>
+          <p:cNvPr id="205" name="Connecteur droit avec flèche 204"/>
+          <p:cNvCxnSpPr>
+            <a:stCxn id="146" idx="0"/>
+            <a:endCxn id="155" idx="2"/>
+          </p:cNvCxnSpPr>
+          <p:nvPr/>
+        </p:nvCxnSpPr>
+        <p:spPr>
+          <a:xfrm flipH="1" flipV="1">
+            <a:off x="4571338" y="2062290"/>
+            <a:ext cx="720862" cy="539772"/>
+          </a:xfrm>
+          <a:prstGeom prst="straightConnector1">
+            <a:avLst/>
+          </a:prstGeom>
+          <a:noFill/>
+          <a:ln w="19050" cap="flat" cmpd="sng" algn="ctr">
+            <a:solidFill>
+              <a:srgbClr val="C00000"/>
+            </a:solidFill>
+            <a:prstDash val="solid"/>
+            <a:headEnd type="stealth" w="med" len="lg"/>
+            <a:tailEnd type="none" w="med" len="lg"/>
+          </a:ln>
+          <a:effectLst/>
+        </p:spPr>
+      </p:cxnSp>
+      <p:cxnSp>
+        <p:nvCxnSpPr>
+          <p:cNvPr id="208" name="Connecteur droit avec flèche 207"/>
+          <p:cNvCxnSpPr>
+            <a:stCxn id="204" idx="0"/>
+            <a:endCxn id="146" idx="2"/>
+          </p:cNvCxnSpPr>
+          <p:nvPr/>
+        </p:nvCxnSpPr>
+        <p:spPr>
+          <a:xfrm flipH="1" flipV="1">
+            <a:off x="5292200" y="2809677"/>
+            <a:ext cx="539278" cy="516757"/>
+          </a:xfrm>
+          <a:prstGeom prst="straightConnector1">
+            <a:avLst/>
+          </a:prstGeom>
+          <a:noFill/>
+          <a:ln w="19050" cap="flat" cmpd="sng" algn="ctr">
+            <a:solidFill>
+              <a:srgbClr val="C00000"/>
+            </a:solidFill>
+            <a:prstDash val="solid"/>
+            <a:headEnd type="stealth" w="med" len="lg"/>
+            <a:tailEnd type="none" w="med" len="lg"/>
+          </a:ln>
+          <a:effectLst/>
+        </p:spPr>
+      </p:cxnSp>
+      <p:cxnSp>
+        <p:nvCxnSpPr>
+          <p:cNvPr id="211" name="Connecteur droit avec flèche 210"/>
+          <p:cNvCxnSpPr>
+            <a:stCxn id="203" idx="0"/>
+            <a:endCxn id="146" idx="2"/>
+          </p:cNvCxnSpPr>
+          <p:nvPr/>
+        </p:nvCxnSpPr>
+        <p:spPr>
+          <a:xfrm flipV="1">
+            <a:off x="4578462" y="2809677"/>
+            <a:ext cx="713738" cy="512331"/>
+          </a:xfrm>
+          <a:prstGeom prst="straightConnector1">
+            <a:avLst/>
+          </a:prstGeom>
+          <a:noFill/>
+          <a:ln w="19050" cap="flat" cmpd="sng" algn="ctr">
+            <a:solidFill>
+              <a:srgbClr val="C00000"/>
+            </a:solidFill>
+            <a:prstDash val="solid"/>
+            <a:headEnd type="stealth" w="med" len="lg"/>
+            <a:tailEnd type="none" w="med" len="lg"/>
+          </a:ln>
+          <a:effectLst/>
+        </p:spPr>
+      </p:cxnSp>
+      <p:sp>
+        <p:nvSpPr>
+          <p:cNvPr id="214" name="Rectangle 213"/>
+          <p:cNvSpPr/>
+          <p:nvPr/>
+        </p:nvSpPr>
+        <p:spPr>
+          <a:xfrm>
+            <a:off x="7812360" y="3888384"/>
+            <a:ext cx="360000" cy="360000"/>
+          </a:xfrm>
+          <a:prstGeom prst="rect">
+            <a:avLst/>
+          </a:prstGeom>
+          <a:noFill/>
+          <a:ln w="19050" cap="flat" cmpd="sng" algn="ctr">
+            <a:solidFill>
+              <a:srgbClr val="4BACC6">
+                <a:lumMod val="50000"/>
+              </a:srgbClr>
+            </a:solidFill>
+            <a:prstDash val="solid"/>
+          </a:ln>
+          <a:effectLst/>
+        </p:spPr>
+        <p:txBody>
+          <a:bodyPr rtlCol="0" anchor="ctr"/>
+          <a:lstStyle/>
+          <a:p>
+            <a:pPr marL="0" marR="0" lvl="0" indent="0" algn="ctr" defTabSz="914400" eaLnBrk="1" fontAlgn="auto" latinLnBrk="0" hangingPunct="1">
+              <a:lnSpc>
+                <a:spcPct val="100000"/>
+              </a:lnSpc>
+              <a:spcBef>
+                <a:spcPts val="0"/>
+              </a:spcBef>
+              <a:spcAft>
+                <a:spcPts val="0"/>
+              </a:spcAft>
+              <a:buClrTx/>
+              <a:buSzTx/>
+              <a:buFontTx/>
+              <a:buNone/>
+              <a:tabLst/>
+              <a:defRPr/>
+            </a:pPr>
+            <a:r>
+              <a:rPr kumimoji="0" lang="fr-FR" sz="1200" b="1" i="0" u="none" strike="noStrike" kern="0" cap="none" spc="0" normalizeH="0" baseline="0" noProof="0" dirty="0" smtClean="0">
+                <a:ln>
+                  <a:noFill/>
+                </a:ln>
+                <a:solidFill>
+                  <a:sysClr val="windowText" lastClr="000000"/>
+                </a:solidFill>
+                <a:effectLst/>
+                <a:uLnTx/>
+                <a:uFillTx/>
+                <a:latin typeface="Calibri"/>
+                <a:ea typeface="+mn-ea"/>
+                <a:cs typeface="+mn-cs"/>
+              </a:rPr>
+              <a:t>18</a:t>
+            </a:r>
+            <a:endParaRPr kumimoji="0" lang="fr-FR" sz="1200" b="1" i="0" u="none" strike="noStrike" kern="0" cap="none" spc="0" normalizeH="0" baseline="0" noProof="0" dirty="0" smtClean="0">
+              <a:ln>
+                <a:noFill/>
+              </a:ln>
+              <a:solidFill>
+                <a:sysClr val="windowText" lastClr="000000"/>
+              </a:solidFill>
+              <a:effectLst/>
+              <a:uLnTx/>
+              <a:uFillTx/>
+              <a:latin typeface="Calibri"/>
+              <a:ea typeface="+mn-ea"/>
+              <a:cs typeface="+mn-cs"/>
+            </a:endParaRPr>
+          </a:p>
+        </p:txBody>
+      </p:sp>
+      <p:sp>
+        <p:nvSpPr>
+          <p:cNvPr id="215" name="Rectangle 214"/>
+          <p:cNvSpPr/>
+          <p:nvPr/>
+        </p:nvSpPr>
+        <p:spPr>
+          <a:xfrm>
+            <a:off x="8532360" y="3888384"/>
+            <a:ext cx="360000" cy="360000"/>
+          </a:xfrm>
+          <a:prstGeom prst="rect">
+            <a:avLst/>
+          </a:prstGeom>
+          <a:noFill/>
+          <a:ln w="19050" cap="flat" cmpd="sng" algn="ctr">
+            <a:solidFill>
+              <a:srgbClr val="4BACC6">
+                <a:lumMod val="50000"/>
+              </a:srgbClr>
+            </a:solidFill>
+            <a:prstDash val="solid"/>
+          </a:ln>
+          <a:effectLst/>
+        </p:spPr>
+        <p:txBody>
+          <a:bodyPr rtlCol="0" anchor="ctr"/>
+          <a:lstStyle/>
+          <a:p>
+            <a:pPr marL="0" marR="0" lvl="0" indent="0" algn="ctr" defTabSz="914400" eaLnBrk="1" fontAlgn="auto" latinLnBrk="0" hangingPunct="1">
+              <a:lnSpc>
+                <a:spcPct val="100000"/>
+              </a:lnSpc>
+              <a:spcBef>
+                <a:spcPts val="0"/>
+              </a:spcBef>
+              <a:spcAft>
+                <a:spcPts val="0"/>
+              </a:spcAft>
+              <a:buClrTx/>
+              <a:buSzTx/>
+              <a:buFontTx/>
+              <a:buNone/>
+              <a:tabLst/>
+              <a:defRPr/>
+            </a:pPr>
+            <a:r>
+              <a:rPr kumimoji="0" lang="fr-FR" sz="1200" b="0" i="0" u="none" strike="noStrike" kern="0" cap="none" spc="0" normalizeH="0" baseline="0" noProof="0" dirty="0" smtClean="0">
+                <a:ln>
+                  <a:noFill/>
+                </a:ln>
+                <a:solidFill>
+                  <a:sysClr val="windowText" lastClr="000000"/>
+                </a:solidFill>
+                <a:effectLst/>
+                <a:uLnTx/>
+                <a:uFillTx/>
+                <a:latin typeface="Calibri"/>
+                <a:ea typeface="+mn-ea"/>
+                <a:cs typeface="+mn-cs"/>
+              </a:rPr>
+              <a:t>20</a:t>
+            </a:r>
+          </a:p>
+        </p:txBody>
+      </p:sp>
+      <p:sp>
+        <p:nvSpPr>
+          <p:cNvPr id="216" name="Rectangle 215"/>
+          <p:cNvSpPr/>
+          <p:nvPr/>
+        </p:nvSpPr>
+        <p:spPr>
+          <a:xfrm>
+            <a:off x="8172360" y="3888384"/>
+            <a:ext cx="360000" cy="360000"/>
+          </a:xfrm>
+          <a:prstGeom prst="rect">
+            <a:avLst/>
+          </a:prstGeom>
+          <a:noFill/>
+          <a:ln w="19050" cap="flat" cmpd="sng" algn="ctr">
+            <a:solidFill>
+              <a:srgbClr val="4BACC6">
+                <a:lumMod val="50000"/>
+              </a:srgbClr>
+            </a:solidFill>
+            <a:prstDash val="solid"/>
+          </a:ln>
+          <a:effectLst/>
+        </p:spPr>
+        <p:txBody>
+          <a:bodyPr rtlCol="0" anchor="ctr"/>
+          <a:lstStyle/>
+          <a:p>
+            <a:pPr marL="0" marR="0" lvl="0" indent="0" algn="ctr" defTabSz="914400" eaLnBrk="1" fontAlgn="auto" latinLnBrk="0" hangingPunct="1">
+              <a:lnSpc>
+                <a:spcPct val="100000"/>
+              </a:lnSpc>
+              <a:spcBef>
+                <a:spcPts val="0"/>
+              </a:spcBef>
+              <a:spcAft>
+                <a:spcPts val="0"/>
+              </a:spcAft>
+              <a:buClrTx/>
+              <a:buSzTx/>
+              <a:buFontTx/>
+              <a:buNone/>
+              <a:tabLst/>
+              <a:defRPr/>
+            </a:pPr>
+            <a:r>
+              <a:rPr kumimoji="0" lang="fr-FR" sz="1200" b="0" i="0" u="none" strike="noStrike" kern="0" cap="none" spc="0" normalizeH="0" baseline="0" noProof="0" dirty="0" smtClean="0">
+                <a:ln>
+                  <a:noFill/>
+                </a:ln>
+                <a:solidFill>
+                  <a:sysClr val="windowText" lastClr="000000"/>
+                </a:solidFill>
+                <a:effectLst/>
+                <a:uLnTx/>
+                <a:uFillTx/>
+                <a:latin typeface="Calibri"/>
+                <a:ea typeface="+mn-ea"/>
+                <a:cs typeface="+mn-cs"/>
+              </a:rPr>
+              <a:t>20</a:t>
+            </a:r>
+          </a:p>
+        </p:txBody>
+      </p:sp>
+      <p:sp>
+        <p:nvSpPr>
+          <p:cNvPr id="217" name="Rectangle 216"/>
+          <p:cNvSpPr/>
+          <p:nvPr/>
+        </p:nvSpPr>
+        <p:spPr>
+          <a:xfrm>
+            <a:off x="7452360" y="3888384"/>
+            <a:ext cx="360000" cy="360000"/>
+          </a:xfrm>
+          <a:prstGeom prst="rect">
+            <a:avLst/>
+          </a:prstGeom>
+          <a:noFill/>
+          <a:ln w="19050" cap="flat" cmpd="sng" algn="ctr">
+            <a:solidFill>
+              <a:srgbClr val="4BACC6">
+                <a:lumMod val="50000"/>
+              </a:srgbClr>
+            </a:solidFill>
+            <a:prstDash val="solid"/>
+          </a:ln>
+          <a:effectLst/>
+        </p:spPr>
+        <p:txBody>
+          <a:bodyPr rtlCol="0" anchor="ctr"/>
+          <a:lstStyle/>
+          <a:p>
+            <a:pPr marL="0" marR="0" lvl="0" indent="0" algn="ctr" defTabSz="914400" eaLnBrk="1" fontAlgn="auto" latinLnBrk="0" hangingPunct="1">
+              <a:lnSpc>
+                <a:spcPct val="100000"/>
+              </a:lnSpc>
+              <a:spcBef>
+                <a:spcPts val="0"/>
+              </a:spcBef>
+              <a:spcAft>
+                <a:spcPts val="0"/>
+              </a:spcAft>
+              <a:buClrTx/>
+              <a:buSzTx/>
+              <a:buFontTx/>
+              <a:buNone/>
+              <a:tabLst/>
+              <a:defRPr/>
+            </a:pPr>
+            <a:r>
+              <a:rPr kumimoji="0" lang="fr-FR" sz="1200" b="0" i="0" u="none" strike="noStrike" kern="0" cap="none" spc="0" normalizeH="0" baseline="0" noProof="0" dirty="0" smtClean="0">
+                <a:ln>
+                  <a:noFill/>
+                </a:ln>
+                <a:solidFill>
+                  <a:sysClr val="windowText" lastClr="000000"/>
+                </a:solidFill>
+                <a:effectLst/>
+                <a:uLnTx/>
+                <a:uFillTx/>
+                <a:latin typeface="Calibri"/>
+                <a:ea typeface="+mn-ea"/>
+                <a:cs typeface="+mn-cs"/>
+              </a:rPr>
+              <a:t>17</a:t>
+            </a:r>
+            <a:endParaRPr kumimoji="0" lang="fr-FR" sz="1200" b="0" i="0" u="none" strike="noStrike" kern="0" cap="none" spc="0" normalizeH="0" baseline="0" noProof="0" dirty="0" smtClean="0">
+              <a:ln>
+                <a:noFill/>
+              </a:ln>
+              <a:solidFill>
+                <a:sysClr val="windowText" lastClr="000000"/>
+              </a:solidFill>
+              <a:effectLst/>
+              <a:uLnTx/>
+              <a:uFillTx/>
+              <a:latin typeface="Calibri"/>
+              <a:ea typeface="+mn-ea"/>
+              <a:cs typeface="+mn-cs"/>
+            </a:endParaRPr>
+          </a:p>
+        </p:txBody>
+      </p:sp>
+      <p:grpSp>
+        <p:nvGrpSpPr>
+          <p:cNvPr id="218" name="Groupe 217"/>
+          <p:cNvGrpSpPr/>
+          <p:nvPr/>
+        </p:nvGrpSpPr>
+        <p:grpSpPr>
+          <a:xfrm>
+            <a:off x="7861555" y="3583752"/>
+            <a:ext cx="261610" cy="276999"/>
+            <a:chOff x="3907577" y="1620360"/>
+            <a:chExt cx="261610" cy="276999"/>
+          </a:xfrm>
+        </p:grpSpPr>
+        <p:sp>
+          <p:nvSpPr>
+            <p:cNvPr id="219" name="Ellipse 218"/>
+            <p:cNvSpPr/>
+            <p:nvPr/>
+          </p:nvSpPr>
+          <p:spPr>
+            <a:xfrm>
+              <a:off x="3941784" y="1664752"/>
+              <a:ext cx="180032" cy="180032"/>
+            </a:xfrm>
+            <a:prstGeom prst="ellipse">
+              <a:avLst/>
+            </a:prstGeom>
+            <a:solidFill>
+              <a:srgbClr val="C0504D">
+                <a:lumMod val="20000"/>
+                <a:lumOff val="80000"/>
+              </a:srgbClr>
+            </a:solidFill>
+            <a:ln w="9525" cap="flat" cmpd="sng" algn="ctr">
+              <a:solidFill>
+                <a:srgbClr val="C00000"/>
+              </a:solidFill>
+              <a:prstDash val="dash"/>
+            </a:ln>
+            <a:effectLst/>
+          </p:spPr>
+          <p:txBody>
+            <a:bodyPr rtlCol="0" anchor="ctr"/>
+            <a:lstStyle/>
+            <a:p>
+              <a:pPr marL="0" marR="0" lvl="0" indent="0" algn="ctr" defTabSz="914400" eaLnBrk="1" fontAlgn="auto" latinLnBrk="0" hangingPunct="1">
+                <a:lnSpc>
+                  <a:spcPct val="100000"/>
+                </a:lnSpc>
+                <a:spcBef>
+                  <a:spcPts val="0"/>
+                </a:spcBef>
+                <a:spcAft>
+                  <a:spcPts val="0"/>
+                </a:spcAft>
+                <a:buClrTx/>
+                <a:buSzTx/>
+                <a:buFontTx/>
+                <a:buNone/>
+                <a:tabLst/>
+                <a:defRPr/>
+              </a:pPr>
+              <a:endParaRPr kumimoji="0" lang="fr-FR" sz="1200" b="0" i="0" u="none" strike="noStrike" kern="0" cap="none" spc="0" normalizeH="0" baseline="0" noProof="0" smtClean="0">
+                <a:ln>
+                  <a:noFill/>
+                </a:ln>
+                <a:solidFill>
+                  <a:sysClr val="windowText" lastClr="000000"/>
+                </a:solidFill>
+                <a:effectLst/>
+                <a:uLnTx/>
+                <a:uFillTx/>
+                <a:latin typeface="Calibri"/>
+                <a:ea typeface="+mn-ea"/>
+                <a:cs typeface="+mn-cs"/>
+              </a:endParaRPr>
+            </a:p>
+          </p:txBody>
+        </p:sp>
+        <p:sp>
+          <p:nvSpPr>
+            <p:cNvPr id="220" name="Rectangle 219"/>
+            <p:cNvSpPr/>
+            <p:nvPr/>
+          </p:nvSpPr>
+          <p:spPr>
+            <a:xfrm>
+              <a:off x="3907577" y="1620360"/>
+              <a:ext cx="261610" cy="276999"/>
+            </a:xfrm>
+            <a:prstGeom prst="rect">
+              <a:avLst/>
+            </a:prstGeom>
+          </p:spPr>
+          <p:txBody>
+            <a:bodyPr wrap="none">
+              <a:spAutoFit/>
+            </a:bodyPr>
+            <a:lstStyle/>
+            <a:p>
+              <a:pPr marL="0" marR="0" lvl="0" indent="0" defTabSz="914400" eaLnBrk="1" fontAlgn="auto" latinLnBrk="0" hangingPunct="1">
+                <a:lnSpc>
+                  <a:spcPct val="100000"/>
+                </a:lnSpc>
+                <a:spcBef>
+                  <a:spcPts val="0"/>
+                </a:spcBef>
+                <a:spcAft>
+                  <a:spcPts val="0"/>
+                </a:spcAft>
+                <a:buClrTx/>
+                <a:buSzTx/>
+                <a:buFontTx/>
+                <a:buNone/>
+                <a:tabLst/>
+                <a:defRPr/>
+              </a:pPr>
+              <a:r>
+                <a:rPr lang="fr-FR" sz="1200" kern="0" noProof="0" dirty="0" smtClean="0">
+                  <a:solidFill>
+                    <a:sysClr val="windowText" lastClr="000000"/>
+                  </a:solidFill>
+                </a:rPr>
+                <a:t>7</a:t>
+              </a:r>
+              <a:endParaRPr kumimoji="0" lang="fr-FR" sz="1200" b="0" i="0" u="none" strike="noStrike" kern="0" cap="none" spc="0" normalizeH="0" baseline="0" noProof="0" dirty="0" smtClean="0">
+                <a:ln>
+                  <a:noFill/>
+                </a:ln>
+                <a:solidFill>
+                  <a:sysClr val="windowText" lastClr="000000"/>
+                </a:solidFill>
+                <a:effectLst/>
+                <a:uLnTx/>
+                <a:uFillTx/>
+              </a:endParaRPr>
+            </a:p>
+          </p:txBody>
+        </p:sp>
+      </p:grpSp>
+      <p:sp>
+        <p:nvSpPr>
+          <p:cNvPr id="221" name="Rectangle 220"/>
+          <p:cNvSpPr/>
+          <p:nvPr/>
+        </p:nvSpPr>
+        <p:spPr>
+          <a:xfrm>
+            <a:off x="4929685" y="4037409"/>
+            <a:ext cx="722435" cy="195522"/>
+          </a:xfrm>
+          <a:prstGeom prst="rect">
+            <a:avLst/>
+          </a:prstGeom>
+          <a:solidFill>
+            <a:srgbClr val="C0504D">
+              <a:lumMod val="20000"/>
+              <a:lumOff val="80000"/>
+            </a:srgbClr>
+          </a:solidFill>
+          <a:ln w="9525" cap="flat" cmpd="sng" algn="ctr">
+            <a:solidFill>
+              <a:srgbClr val="C00000"/>
+            </a:solidFill>
+            <a:prstDash val="dash"/>
+          </a:ln>
+          <a:effectLst/>
+        </p:spPr>
+        <p:txBody>
+          <a:bodyPr rtlCol="0" anchor="ctr"/>
+          <a:lstStyle/>
+          <a:p>
+            <a:pPr algn="ctr"/>
+            <a:r>
+              <a:rPr lang="fr-FR" sz="1200" b="1" kern="0" dirty="0" smtClean="0">
+                <a:solidFill>
+                  <a:sysClr val="windowText" lastClr="000000"/>
+                </a:solidFill>
+                <a:latin typeface="Calibri"/>
+              </a:rPr>
+              <a:t>QS (6,6)</a:t>
+            </a:r>
+            <a:endParaRPr lang="fr-FR" sz="1200" b="1" kern="0" dirty="0">
+              <a:solidFill>
+                <a:sysClr val="windowText" lastClr="000000"/>
+              </a:solidFill>
+              <a:latin typeface="Calibri"/>
+            </a:endParaRPr>
+          </a:p>
+        </p:txBody>
+      </p:sp>
+      <p:sp>
+        <p:nvSpPr>
+          <p:cNvPr id="222" name="Rectangle 221"/>
+          <p:cNvSpPr/>
+          <p:nvPr/>
+        </p:nvSpPr>
+        <p:spPr>
+          <a:xfrm>
+            <a:off x="6019797" y="4045154"/>
+            <a:ext cx="722435" cy="195522"/>
+          </a:xfrm>
+          <a:prstGeom prst="rect">
+            <a:avLst/>
+          </a:prstGeom>
+          <a:solidFill>
+            <a:srgbClr val="C0504D">
+              <a:lumMod val="20000"/>
+              <a:lumOff val="80000"/>
+            </a:srgbClr>
+          </a:solidFill>
+          <a:ln w="9525" cap="flat" cmpd="sng" algn="ctr">
+            <a:solidFill>
+              <a:srgbClr val="C00000"/>
+            </a:solidFill>
+            <a:prstDash val="dash"/>
+          </a:ln>
+          <a:effectLst/>
+        </p:spPr>
+        <p:txBody>
+          <a:bodyPr rtlCol="0" anchor="ctr"/>
+          <a:lstStyle/>
+          <a:p>
+            <a:pPr algn="ctr"/>
+            <a:r>
+              <a:rPr lang="fr-FR" sz="1200" b="1" kern="0" dirty="0" smtClean="0">
+                <a:solidFill>
+                  <a:sysClr val="windowText" lastClr="000000"/>
+                </a:solidFill>
+                <a:latin typeface="Calibri"/>
+              </a:rPr>
+              <a:t>QS (8,9)</a:t>
+            </a:r>
+            <a:endParaRPr lang="fr-FR" sz="1200" b="1" kern="0" dirty="0">
+              <a:solidFill>
+                <a:sysClr val="windowText" lastClr="000000"/>
+              </a:solidFill>
+              <a:latin typeface="Calibri"/>
+            </a:endParaRPr>
+          </a:p>
+        </p:txBody>
+      </p:sp>
+      <p:cxnSp>
+        <p:nvCxnSpPr>
+          <p:cNvPr id="223" name="Connecteur droit avec flèche 222"/>
+          <p:cNvCxnSpPr>
+            <a:stCxn id="222" idx="0"/>
+            <a:endCxn id="204" idx="2"/>
+          </p:cNvCxnSpPr>
+          <p:nvPr/>
+        </p:nvCxnSpPr>
+        <p:spPr>
+          <a:xfrm flipH="1" flipV="1">
+            <a:off x="5831478" y="3518980"/>
+            <a:ext cx="549537" cy="526174"/>
+          </a:xfrm>
+          <a:prstGeom prst="straightConnector1">
+            <a:avLst/>
+          </a:prstGeom>
+          <a:noFill/>
+          <a:ln w="19050" cap="flat" cmpd="sng" algn="ctr">
+            <a:solidFill>
+              <a:srgbClr val="C00000"/>
+            </a:solidFill>
+            <a:prstDash val="solid"/>
+            <a:headEnd type="stealth" w="med" len="lg"/>
+            <a:tailEnd type="none" w="med" len="lg"/>
+          </a:ln>
+          <a:effectLst/>
+        </p:spPr>
+      </p:cxnSp>
+      <p:cxnSp>
+        <p:nvCxnSpPr>
+          <p:cNvPr id="226" name="Connecteur droit avec flèche 225"/>
+          <p:cNvCxnSpPr>
+            <a:stCxn id="221" idx="0"/>
+            <a:endCxn id="204" idx="2"/>
+          </p:cNvCxnSpPr>
+          <p:nvPr/>
+        </p:nvCxnSpPr>
+        <p:spPr>
+          <a:xfrm flipV="1">
+            <a:off x="5290903" y="3518980"/>
+            <a:ext cx="540575" cy="518429"/>
+          </a:xfrm>
+          <a:prstGeom prst="straightConnector1">
+            <a:avLst/>
+          </a:prstGeom>
+          <a:noFill/>
+          <a:ln w="19050" cap="flat" cmpd="sng" algn="ctr">
+            <a:solidFill>
+              <a:srgbClr val="C00000"/>
+            </a:solidFill>
+            <a:prstDash val="solid"/>
+            <a:headEnd type="stealth" w="med" len="lg"/>
+            <a:tailEnd type="none" w="med" len="lg"/>
+          </a:ln>
+          <a:effectLst/>
+        </p:spPr>
+      </p:cxnSp>
+      <p:grpSp>
+        <p:nvGrpSpPr>
+          <p:cNvPr id="229" name="Groupe 228"/>
+          <p:cNvGrpSpPr/>
+          <p:nvPr/>
+        </p:nvGrpSpPr>
+        <p:grpSpPr>
+          <a:xfrm>
+            <a:off x="7248783" y="2339596"/>
+            <a:ext cx="261610" cy="276999"/>
+            <a:chOff x="3907577" y="1620360"/>
+            <a:chExt cx="261610" cy="276999"/>
+          </a:xfrm>
+        </p:grpSpPr>
+        <p:sp>
+          <p:nvSpPr>
+            <p:cNvPr id="230" name="Ellipse 229"/>
+            <p:cNvSpPr/>
+            <p:nvPr/>
+          </p:nvSpPr>
+          <p:spPr>
+            <a:xfrm>
+              <a:off x="3941784" y="1664752"/>
+              <a:ext cx="180032" cy="180032"/>
+            </a:xfrm>
+            <a:prstGeom prst="ellipse">
+              <a:avLst/>
+            </a:prstGeom>
+            <a:solidFill>
+              <a:srgbClr val="C0504D">
+                <a:lumMod val="20000"/>
+                <a:lumOff val="80000"/>
+              </a:srgbClr>
+            </a:solidFill>
+            <a:ln w="9525" cap="flat" cmpd="sng" algn="ctr">
+              <a:solidFill>
+                <a:srgbClr val="C00000"/>
+              </a:solidFill>
+              <a:prstDash val="dash"/>
+            </a:ln>
+            <a:effectLst/>
+          </p:spPr>
+          <p:txBody>
+            <a:bodyPr rtlCol="0" anchor="ctr"/>
+            <a:lstStyle/>
+            <a:p>
+              <a:pPr marL="0" marR="0" lvl="0" indent="0" algn="ctr" defTabSz="914400" eaLnBrk="1" fontAlgn="auto" latinLnBrk="0" hangingPunct="1">
+                <a:lnSpc>
+                  <a:spcPct val="100000"/>
+                </a:lnSpc>
+                <a:spcBef>
+                  <a:spcPts val="0"/>
+                </a:spcBef>
+                <a:spcAft>
+                  <a:spcPts val="0"/>
+                </a:spcAft>
+                <a:buClrTx/>
+                <a:buSzTx/>
+                <a:buFontTx/>
+                <a:buNone/>
+                <a:tabLst/>
+                <a:defRPr/>
+              </a:pPr>
+              <a:endParaRPr kumimoji="0" lang="fr-FR" sz="1200" b="0" i="0" u="none" strike="noStrike" kern="0" cap="none" spc="0" normalizeH="0" baseline="0" noProof="0" smtClean="0">
+                <a:ln>
+                  <a:noFill/>
+                </a:ln>
+                <a:solidFill>
+                  <a:sysClr val="windowText" lastClr="000000"/>
+                </a:solidFill>
+                <a:effectLst/>
+                <a:uLnTx/>
+                <a:uFillTx/>
+                <a:latin typeface="Calibri"/>
+                <a:ea typeface="+mn-ea"/>
+                <a:cs typeface="+mn-cs"/>
+              </a:endParaRPr>
+            </a:p>
+          </p:txBody>
+        </p:sp>
+        <p:sp>
+          <p:nvSpPr>
+            <p:cNvPr id="231" name="Rectangle 230"/>
+            <p:cNvSpPr/>
+            <p:nvPr/>
+          </p:nvSpPr>
+          <p:spPr>
+            <a:xfrm>
+              <a:off x="3907577" y="1620360"/>
+              <a:ext cx="261610" cy="276999"/>
+            </a:xfrm>
+            <a:prstGeom prst="rect">
+              <a:avLst/>
+            </a:prstGeom>
+          </p:spPr>
+          <p:txBody>
+            <a:bodyPr wrap="none">
+              <a:spAutoFit/>
+            </a:bodyPr>
+            <a:lstStyle/>
+            <a:p>
+              <a:pPr marL="0" marR="0" lvl="0" indent="0" defTabSz="914400" eaLnBrk="1" fontAlgn="auto" latinLnBrk="0" hangingPunct="1">
+                <a:lnSpc>
+                  <a:spcPct val="100000"/>
+                </a:lnSpc>
+                <a:spcBef>
+                  <a:spcPts val="0"/>
+                </a:spcBef>
+                <a:spcAft>
+                  <a:spcPts val="0"/>
+                </a:spcAft>
+                <a:buClrTx/>
+                <a:buSzTx/>
+                <a:buFontTx/>
+                <a:buNone/>
+                <a:tabLst/>
+                <a:defRPr/>
+              </a:pPr>
+              <a:r>
+                <a:rPr kumimoji="0" lang="fr-FR" sz="1200" b="0" i="0" u="none" strike="noStrike" kern="0" cap="none" spc="0" normalizeH="0" baseline="0" noProof="0" dirty="0" smtClean="0">
+                  <a:ln>
+                    <a:noFill/>
+                  </a:ln>
+                  <a:solidFill>
+                    <a:sysClr val="windowText" lastClr="000000"/>
+                  </a:solidFill>
+                  <a:effectLst/>
+                  <a:uLnTx/>
+                  <a:uFillTx/>
+                </a:rPr>
+                <a:t>3</a:t>
+              </a:r>
+              <a:endParaRPr kumimoji="0" lang="fr-FR" sz="1200" b="0" i="0" u="none" strike="noStrike" kern="0" cap="none" spc="0" normalizeH="0" baseline="0" noProof="0" dirty="0" smtClean="0">
+                <a:ln>
+                  <a:noFill/>
+                </a:ln>
+                <a:solidFill>
+                  <a:sysClr val="windowText" lastClr="000000"/>
+                </a:solidFill>
+                <a:effectLst/>
+                <a:uLnTx/>
+                <a:uFillTx/>
+              </a:endParaRPr>
+            </a:p>
+          </p:txBody>
+        </p:sp>
+      </p:grpSp>
+      <p:grpSp>
+        <p:nvGrpSpPr>
+          <p:cNvPr id="232" name="Groupe 231"/>
+          <p:cNvGrpSpPr/>
+          <p:nvPr/>
+        </p:nvGrpSpPr>
+        <p:grpSpPr>
+          <a:xfrm>
+            <a:off x="6266745" y="4736177"/>
+            <a:ext cx="261610" cy="276999"/>
+            <a:chOff x="3907577" y="1620360"/>
+            <a:chExt cx="261610" cy="276999"/>
+          </a:xfrm>
+        </p:grpSpPr>
+        <p:sp>
+          <p:nvSpPr>
+            <p:cNvPr id="233" name="Ellipse 232"/>
+            <p:cNvSpPr/>
+            <p:nvPr/>
+          </p:nvSpPr>
+          <p:spPr>
+            <a:xfrm>
+              <a:off x="3941784" y="1664752"/>
+              <a:ext cx="180032" cy="180032"/>
+            </a:xfrm>
+            <a:prstGeom prst="ellipse">
+              <a:avLst/>
+            </a:prstGeom>
+            <a:solidFill>
+              <a:srgbClr val="C0504D">
+                <a:lumMod val="20000"/>
+                <a:lumOff val="80000"/>
+              </a:srgbClr>
+            </a:solidFill>
+            <a:ln w="9525" cap="flat" cmpd="sng" algn="ctr">
+              <a:solidFill>
+                <a:srgbClr val="C00000"/>
+              </a:solidFill>
+              <a:prstDash val="dash"/>
+            </a:ln>
+            <a:effectLst/>
+          </p:spPr>
+          <p:txBody>
+            <a:bodyPr rtlCol="0" anchor="ctr"/>
+            <a:lstStyle/>
+            <a:p>
+              <a:pPr marL="0" marR="0" lvl="0" indent="0" algn="ctr" defTabSz="914400" eaLnBrk="1" fontAlgn="auto" latinLnBrk="0" hangingPunct="1">
+                <a:lnSpc>
+                  <a:spcPct val="100000"/>
+                </a:lnSpc>
+                <a:spcBef>
+                  <a:spcPts val="0"/>
+                </a:spcBef>
+                <a:spcAft>
+                  <a:spcPts val="0"/>
+                </a:spcAft>
+                <a:buClrTx/>
+                <a:buSzTx/>
+                <a:buFontTx/>
+                <a:buNone/>
+                <a:tabLst/>
+                <a:defRPr/>
+              </a:pPr>
+              <a:endParaRPr kumimoji="0" lang="fr-FR" sz="1200" b="0" i="0" u="none" strike="noStrike" kern="0" cap="none" spc="0" normalizeH="0" baseline="0" noProof="0" smtClean="0">
+                <a:ln>
+                  <a:noFill/>
+                </a:ln>
+                <a:solidFill>
+                  <a:sysClr val="windowText" lastClr="000000"/>
+                </a:solidFill>
+                <a:effectLst/>
+                <a:uLnTx/>
+                <a:uFillTx/>
+                <a:latin typeface="Calibri"/>
+                <a:ea typeface="+mn-ea"/>
+                <a:cs typeface="+mn-cs"/>
+              </a:endParaRPr>
+            </a:p>
+          </p:txBody>
+        </p:sp>
+        <p:sp>
+          <p:nvSpPr>
+            <p:cNvPr id="234" name="Rectangle 233"/>
+            <p:cNvSpPr/>
+            <p:nvPr/>
+          </p:nvSpPr>
+          <p:spPr>
+            <a:xfrm>
+              <a:off x="3907577" y="1620360"/>
+              <a:ext cx="261610" cy="276999"/>
+            </a:xfrm>
+            <a:prstGeom prst="rect">
+              <a:avLst/>
+            </a:prstGeom>
+          </p:spPr>
+          <p:txBody>
+            <a:bodyPr wrap="none">
+              <a:spAutoFit/>
+            </a:bodyPr>
+            <a:lstStyle/>
+            <a:p>
+              <a:pPr marL="0" marR="0" lvl="0" indent="0" defTabSz="914400" eaLnBrk="1" fontAlgn="auto" latinLnBrk="0" hangingPunct="1">
+                <a:lnSpc>
+                  <a:spcPct val="100000"/>
+                </a:lnSpc>
+                <a:spcBef>
+                  <a:spcPts val="0"/>
+                </a:spcBef>
+                <a:spcAft>
+                  <a:spcPts val="0"/>
+                </a:spcAft>
+                <a:buClrTx/>
+                <a:buSzTx/>
+                <a:buFontTx/>
+                <a:buNone/>
+                <a:tabLst/>
+                <a:defRPr/>
+              </a:pPr>
+              <a:r>
+                <a:rPr kumimoji="0" lang="fr-FR" sz="1200" b="0" i="0" u="none" strike="noStrike" kern="0" cap="none" spc="0" normalizeH="0" baseline="0" noProof="0" dirty="0" smtClean="0">
+                  <a:ln>
+                    <a:noFill/>
+                  </a:ln>
+                  <a:solidFill>
+                    <a:sysClr val="windowText" lastClr="000000"/>
+                  </a:solidFill>
+                  <a:effectLst/>
+                  <a:uLnTx/>
+                  <a:uFillTx/>
+                </a:rPr>
+                <a:t>8</a:t>
+              </a:r>
+              <a:endParaRPr kumimoji="0" lang="fr-FR" sz="1200" b="0" i="0" u="none" strike="noStrike" kern="0" cap="none" spc="0" normalizeH="0" baseline="0" noProof="0" dirty="0" smtClean="0">
+                <a:ln>
+                  <a:noFill/>
+                </a:ln>
+                <a:solidFill>
+                  <a:sysClr val="windowText" lastClr="000000"/>
+                </a:solidFill>
+                <a:effectLst/>
+                <a:uLnTx/>
+                <a:uFillTx/>
+              </a:endParaRPr>
+            </a:p>
+          </p:txBody>
+        </p:sp>
+      </p:grpSp>
+      <p:sp>
+        <p:nvSpPr>
+          <p:cNvPr id="235" name="Rectangle 234"/>
+          <p:cNvSpPr/>
+          <p:nvPr/>
+        </p:nvSpPr>
+        <p:spPr>
+          <a:xfrm>
+            <a:off x="5495757" y="4763289"/>
+            <a:ext cx="722435" cy="195522"/>
+          </a:xfrm>
+          <a:prstGeom prst="rect">
+            <a:avLst/>
+          </a:prstGeom>
+          <a:solidFill>
+            <a:srgbClr val="C0504D">
+              <a:lumMod val="20000"/>
+              <a:lumOff val="80000"/>
+            </a:srgbClr>
+          </a:solidFill>
+          <a:ln w="9525" cap="flat" cmpd="sng" algn="ctr">
+            <a:solidFill>
+              <a:srgbClr val="C00000"/>
+            </a:solidFill>
+            <a:prstDash val="dash"/>
+          </a:ln>
+          <a:effectLst/>
+        </p:spPr>
+        <p:txBody>
+          <a:bodyPr rtlCol="0" anchor="ctr"/>
+          <a:lstStyle/>
+          <a:p>
+            <a:pPr algn="ctr"/>
+            <a:r>
+              <a:rPr lang="fr-FR" sz="1200" b="1" kern="0" dirty="0" smtClean="0">
+                <a:solidFill>
+                  <a:sysClr val="windowText" lastClr="000000"/>
+                </a:solidFill>
+                <a:latin typeface="Calibri"/>
+              </a:rPr>
+              <a:t>QS (8,7)</a:t>
+            </a:r>
+            <a:endParaRPr lang="fr-FR" sz="1200" b="1" kern="0" dirty="0">
+              <a:solidFill>
+                <a:sysClr val="windowText" lastClr="000000"/>
+              </a:solidFill>
+              <a:latin typeface="Calibri"/>
+            </a:endParaRPr>
+          </a:p>
+        </p:txBody>
+      </p:sp>
+      <p:sp>
+        <p:nvSpPr>
+          <p:cNvPr id="236" name="Rectangle 235"/>
+          <p:cNvSpPr/>
+          <p:nvPr/>
+        </p:nvSpPr>
+        <p:spPr>
+          <a:xfrm>
+            <a:off x="6585869" y="4771034"/>
+            <a:ext cx="722435" cy="195522"/>
+          </a:xfrm>
+          <a:prstGeom prst="rect">
+            <a:avLst/>
+          </a:prstGeom>
+          <a:solidFill>
+            <a:srgbClr val="C0504D">
+              <a:lumMod val="20000"/>
+              <a:lumOff val="80000"/>
+            </a:srgbClr>
+          </a:solidFill>
+          <a:ln w="9525" cap="flat" cmpd="sng" algn="ctr">
+            <a:solidFill>
+              <a:srgbClr val="C00000"/>
+            </a:solidFill>
+            <a:prstDash val="dash"/>
+          </a:ln>
+          <a:effectLst/>
+        </p:spPr>
+        <p:txBody>
+          <a:bodyPr rtlCol="0" anchor="ctr"/>
+          <a:lstStyle/>
+          <a:p>
+            <a:pPr algn="ctr"/>
+            <a:r>
+              <a:rPr lang="fr-FR" sz="1200" b="1" kern="0" dirty="0" smtClean="0">
+                <a:solidFill>
+                  <a:sysClr val="windowText" lastClr="000000"/>
+                </a:solidFill>
+                <a:latin typeface="Calibri"/>
+              </a:rPr>
+              <a:t>QS (9,9)</a:t>
+            </a:r>
+            <a:endParaRPr lang="fr-FR" sz="1200" b="1" kern="0" dirty="0">
+              <a:solidFill>
+                <a:sysClr val="windowText" lastClr="000000"/>
+              </a:solidFill>
+              <a:latin typeface="Calibri"/>
+            </a:endParaRPr>
+          </a:p>
+        </p:txBody>
+      </p:sp>
+      <p:cxnSp>
+        <p:nvCxnSpPr>
+          <p:cNvPr id="237" name="Connecteur droit avec flèche 236"/>
+          <p:cNvCxnSpPr>
+            <a:stCxn id="236" idx="0"/>
+            <a:endCxn id="222" idx="2"/>
+          </p:cNvCxnSpPr>
+          <p:nvPr/>
+        </p:nvCxnSpPr>
+        <p:spPr>
+          <a:xfrm flipH="1" flipV="1">
+            <a:off x="6381015" y="4240676"/>
+            <a:ext cx="566072" cy="530358"/>
+          </a:xfrm>
+          <a:prstGeom prst="straightConnector1">
+            <a:avLst/>
+          </a:prstGeom>
+          <a:noFill/>
+          <a:ln w="19050" cap="flat" cmpd="sng" algn="ctr">
+            <a:solidFill>
+              <a:srgbClr val="C00000"/>
+            </a:solidFill>
+            <a:prstDash val="solid"/>
+            <a:headEnd type="stealth" w="med" len="lg"/>
+            <a:tailEnd type="none" w="med" len="lg"/>
+          </a:ln>
+          <a:effectLst/>
+        </p:spPr>
+      </p:cxnSp>
+      <p:cxnSp>
+        <p:nvCxnSpPr>
+          <p:cNvPr id="241" name="Connecteur droit avec flèche 240"/>
+          <p:cNvCxnSpPr>
+            <a:stCxn id="235" idx="0"/>
+            <a:endCxn id="222" idx="2"/>
+          </p:cNvCxnSpPr>
+          <p:nvPr/>
+        </p:nvCxnSpPr>
+        <p:spPr>
+          <a:xfrm flipV="1">
+            <a:off x="5856975" y="4240676"/>
+            <a:ext cx="524040" cy="522613"/>
+          </a:xfrm>
+          <a:prstGeom prst="straightConnector1">
+            <a:avLst/>
+          </a:prstGeom>
+          <a:noFill/>
+          <a:ln w="19050" cap="flat" cmpd="sng" algn="ctr">
+            <a:solidFill>
+              <a:srgbClr val="C00000"/>
+            </a:solidFill>
+            <a:prstDash val="solid"/>
+            <a:headEnd type="stealth" w="med" len="lg"/>
+            <a:tailEnd type="none" w="med" len="lg"/>
+          </a:ln>
+          <a:effectLst/>
+        </p:spPr>
+      </p:cxnSp>
+    </p:spTree>
+    <p:extLst>
+      <p:ext uri="{BB962C8B-B14F-4D97-AF65-F5344CB8AC3E}">
+        <p14:creationId xmlns:p14="http://schemas.microsoft.com/office/powerpoint/2010/main" val="1136568323"/>
+      </p:ext>
+    </p:extLst>
+  </p:cSld>
+  <p:clrMapOvr>
+    <a:masterClrMapping/>
+  </p:clrMapOvr>
+  <p:timing>
+    <p:tnLst>
+      <p:par>
+        <p:cTn id="1" dur="indefinite" restart="never" nodeType="tmRoot"/>
+      </p:par>
+    </p:tnLst>
+  </p:timing>
 </p:sld>
 </file>
 

--- a/P_05_AlgorithmiqueProgrammation/03_Tris/Presentation/P_05_01_Tris_Cours_PPT.pptx
+++ b/P_05_AlgorithmiqueProgrammation/03_Tris/Presentation/P_05_01_Tris_Cours_PPT.pptx
@@ -5,12 +5,13 @@
     <p:sldMasterId id="2147483684" r:id="rId1"/>
   </p:sldMasterIdLst>
   <p:notesMasterIdLst>
-    <p:notesMasterId r:id="rId5"/>
+    <p:notesMasterId r:id="rId6"/>
   </p:notesMasterIdLst>
   <p:sldIdLst>
     <p:sldId id="256" r:id="rId2"/>
-    <p:sldId id="258" r:id="rId3"/>
-    <p:sldId id="259" r:id="rId4"/>
+    <p:sldId id="260" r:id="rId3"/>
+    <p:sldId id="258" r:id="rId4"/>
+    <p:sldId id="259" r:id="rId5"/>
   </p:sldIdLst>
   <p:sldSz cx="9144000" cy="6858000" type="screen4x3"/>
   <p:notesSz cx="6858000" cy="9144000"/>
@@ -115,6 +116,7 @@
         <p14:section name="Section par défaut" id="{C9B3DD92-045B-4322-9572-161E3425DD55}">
           <p14:sldIdLst>
             <p14:sldId id="256"/>
+            <p14:sldId id="260"/>
             <p14:sldId id="258"/>
             <p14:sldId id="259"/>
           </p14:sldIdLst>
@@ -208,7 +210,7 @@
             <a:fld id="{E494A05E-DEA9-4CEA-A63B-3593EEF3AC45}" type="datetimeFigureOut">
               <a:rPr lang="fr-FR" smtClean="0"/>
               <a:pPr/>
-              <a:t>28/11/2015</a:t>
+              <a:t>07/11/2016</a:t>
             </a:fld>
             <a:endParaRPr lang="fr-FR"/>
           </a:p>
@@ -795,7 +797,7 @@
           <a:p>
             <a:fld id="{666DB9C4-33D9-4CC9-BF68-2FC9448BEA54}" type="datetime1">
               <a:rPr lang="fr-FR" smtClean="0"/>
-              <a:t>28/11/2015</a:t>
+              <a:t>07/11/2016</a:t>
             </a:fld>
             <a:endParaRPr lang="fr-FR"/>
           </a:p>
@@ -1166,7 +1168,7 @@
           <a:p>
             <a:fld id="{C44CCEEF-0BEE-44EF-8EE6-CB89CEBDF4CF}" type="datetime1">
               <a:rPr lang="fr-FR" smtClean="0"/>
-              <a:t>28/11/2015</a:t>
+              <a:t>07/11/2016</a:t>
             </a:fld>
             <a:endParaRPr lang="fr-FR"/>
           </a:p>
@@ -1346,7 +1348,7 @@
           <a:p>
             <a:fld id="{4A68BD7E-5C33-462D-B5C8-DCFC2CFE92EF}" type="datetime1">
               <a:rPr lang="fr-FR" smtClean="0"/>
-              <a:t>28/11/2015</a:t>
+              <a:t>07/11/2016</a:t>
             </a:fld>
             <a:endParaRPr lang="fr-FR"/>
           </a:p>
@@ -1597,7 +1599,7 @@
           <a:p>
             <a:fld id="{E9F62A25-B9B2-4A4A-9395-5CB3610C55DF}" type="datetime1">
               <a:rPr lang="fr-FR" smtClean="0"/>
-              <a:t>28/11/2015</a:t>
+              <a:t>07/11/2016</a:t>
             </a:fld>
             <a:endParaRPr lang="fr-FR"/>
           </a:p>
@@ -1924,7 +1926,7 @@
           <a:p>
             <a:fld id="{78953BA0-3035-45CC-9DD6-183659F60DCC}" type="datetime1">
               <a:rPr lang="fr-FR" smtClean="0"/>
-              <a:t>28/11/2015</a:t>
+              <a:t>07/11/2016</a:t>
             </a:fld>
             <a:endParaRPr lang="fr-FR"/>
           </a:p>
@@ -2149,7 +2151,7 @@
           <a:p>
             <a:fld id="{0661844C-EB6A-4F96-931A-BEA9A179187A}" type="datetime1">
               <a:rPr lang="fr-FR" smtClean="0"/>
-              <a:t>28/11/2015</a:t>
+              <a:t>07/11/2016</a:t>
             </a:fld>
             <a:endParaRPr lang="fr-FR"/>
           </a:p>
@@ -2506,7 +2508,7 @@
           <a:p>
             <a:fld id="{C3762782-D9AD-4B1A-9FDE-196418976B36}" type="datetime1">
               <a:rPr lang="fr-FR" smtClean="0"/>
-              <a:t>28/11/2015</a:t>
+              <a:t>07/11/2016</a:t>
             </a:fld>
             <a:endParaRPr lang="fr-FR"/>
           </a:p>
@@ -2743,7 +2745,7 @@
           <a:p>
             <a:fld id="{94DF8D9A-275F-4F41-A4A1-321F01319026}" type="datetime1">
               <a:rPr lang="fr-FR" smtClean="0"/>
-              <a:t>28/11/2015</a:t>
+              <a:t>07/11/2016</a:t>
             </a:fld>
             <a:endParaRPr lang="fr-FR"/>
           </a:p>
@@ -2888,7 +2890,7 @@
           <a:p>
             <a:fld id="{60AF81D4-0C44-4B42-B543-3D9C16A4B9BA}" type="datetime1">
               <a:rPr lang="fr-FR" smtClean="0"/>
-              <a:t>28/11/2015</a:t>
+              <a:t>07/11/2016</a:t>
             </a:fld>
             <a:endParaRPr lang="fr-FR"/>
           </a:p>
@@ -3170,7 +3172,7 @@
           <a:p>
             <a:fld id="{74BE6F46-C828-4BE6-A282-F6AF0D9CCDF8}" type="datetime1">
               <a:rPr lang="fr-FR" smtClean="0"/>
-              <a:t>28/11/2015</a:t>
+              <a:t>07/11/2016</a:t>
             </a:fld>
             <a:endParaRPr lang="fr-FR"/>
           </a:p>
@@ -3582,7 +3584,7 @@
           <a:p>
             <a:fld id="{697C827A-06DA-4BFB-8EC1-0429C6CBCD9F}" type="datetime1">
               <a:rPr lang="fr-FR" smtClean="0"/>
-              <a:t>28/11/2015</a:t>
+              <a:t>07/11/2016</a:t>
             </a:fld>
             <a:endParaRPr lang="fr-FR"/>
           </a:p>
@@ -3925,7 +3927,7 @@
           <a:p>
             <a:fld id="{C6BDCD86-ECBB-440A-8B46-037724BAB242}" type="datetime1">
               <a:rPr lang="fr-FR" smtClean="0"/>
-              <a:t>28/11/2015</a:t>
+              <a:t>07/11/2016</a:t>
             </a:fld>
             <a:endParaRPr lang="fr-FR"/>
           </a:p>
@@ -4859,23 +4861,18 @@
             <p:ph type="title"/>
           </p:nvPr>
         </p:nvSpPr>
-        <p:spPr>
-          <a:xfrm>
-            <a:off x="457200" y="152400"/>
-            <a:ext cx="5987008" cy="990600"/>
-          </a:xfrm>
-        </p:spPr>
+        <p:spPr/>
         <p:txBody>
           <a:bodyPr/>
           <a:lstStyle/>
           <a:p>
             <a:r>
               <a:rPr lang="fr-FR" dirty="0" smtClean="0"/>
-              <a:t>Le Tri </a:t>
-            </a:r>
-            <a:r>
-              <a:rPr lang="fr-FR" dirty="0" smtClean="0"/>
-              <a:t>rapide – Première segmentation</a:t>
+              <a:t>Tri par insertion </a:t>
+            </a:r>
+            <a:r>
+              <a:rPr lang="fr-FR" smtClean="0"/>
+              <a:t>: méthode 1</a:t>
             </a:r>
             <a:endParaRPr lang="fr-FR" dirty="0"/>
           </a:p>
@@ -4923,6 +4920,5659 @@
               <a:rPr lang="fr-FR" smtClean="0"/>
               <a:pPr/>
               <a:t>2</a:t>
+            </a:fld>
+            <a:endParaRPr lang="fr-FR"/>
+          </a:p>
+        </p:txBody>
+      </p:sp>
+      <p:sp>
+        <p:nvSpPr>
+          <p:cNvPr id="5" name="Espace réservé du contenu 4"/>
+          <p:cNvSpPr>
+            <a:spLocks noGrp="1"/>
+          </p:cNvSpPr>
+          <p:nvPr>
+            <p:ph sz="quarter" idx="1"/>
+          </p:nvPr>
+        </p:nvSpPr>
+        <p:spPr>
+          <a:xfrm>
+            <a:off x="457200" y="1196752"/>
+            <a:ext cx="6491064" cy="3240360"/>
+          </a:xfrm>
+        </p:spPr>
+        <p:txBody>
+          <a:bodyPr/>
+          <a:lstStyle/>
+          <a:p>
+            <a:r>
+              <a:rPr lang="fr-FR" dirty="0" smtClean="0"/>
+              <a:t>On ne bouge pas le premier élément, on commence au second. </a:t>
+            </a:r>
+          </a:p>
+          <a:p>
+            <a:pPr lvl="1"/>
+            <a:r>
+              <a:rPr lang="fr-FR" dirty="0" smtClean="0"/>
+              <a:t>On cherche la position du second élément en le comparant aux éléments précédents</a:t>
+            </a:r>
+          </a:p>
+          <a:p>
+            <a:pPr lvl="2"/>
+            <a:r>
+              <a:rPr lang="fr-FR" dirty="0" smtClean="0"/>
+              <a:t>Test sur l’indice et test sur la valeur</a:t>
+            </a:r>
+          </a:p>
+          <a:p>
+            <a:pPr lvl="1"/>
+            <a:r>
+              <a:rPr lang="fr-FR" dirty="0" smtClean="0"/>
+              <a:t>Une fois que la position est trouvée, on fait glisser les éléments vers la droite. </a:t>
+            </a:r>
+          </a:p>
+          <a:p>
+            <a:pPr lvl="1"/>
+            <a:r>
+              <a:rPr lang="fr-FR" dirty="0" smtClean="0"/>
+              <a:t>On insère l’élément.</a:t>
+            </a:r>
+          </a:p>
+          <a:p>
+            <a:pPr lvl="2"/>
+            <a:endParaRPr lang="fr-FR" dirty="0" smtClean="0"/>
+          </a:p>
+        </p:txBody>
+      </p:sp>
+      <p:grpSp>
+        <p:nvGrpSpPr>
+          <p:cNvPr id="19" name="Groupe 18"/>
+          <p:cNvGrpSpPr/>
+          <p:nvPr/>
+        </p:nvGrpSpPr>
+        <p:grpSpPr>
+          <a:xfrm>
+            <a:off x="7236296" y="1279743"/>
+            <a:ext cx="1800000" cy="720000"/>
+            <a:chOff x="3680007" y="1353715"/>
+            <a:chExt cx="1800000" cy="720000"/>
+          </a:xfrm>
+        </p:grpSpPr>
+        <p:sp>
+          <p:nvSpPr>
+            <p:cNvPr id="6" name="Ellipse 5"/>
+            <p:cNvSpPr/>
+            <p:nvPr/>
+          </p:nvSpPr>
+          <p:spPr>
+            <a:xfrm>
+              <a:off x="4113069" y="1436541"/>
+              <a:ext cx="208486" cy="208486"/>
+            </a:xfrm>
+            <a:prstGeom prst="ellipse">
+              <a:avLst/>
+            </a:prstGeom>
+            <a:solidFill>
+              <a:srgbClr val="4BACC6">
+                <a:lumMod val="20000"/>
+                <a:lumOff val="80000"/>
+              </a:srgbClr>
+            </a:solidFill>
+            <a:ln w="9525" cap="flat" cmpd="sng" algn="ctr">
+              <a:solidFill>
+                <a:srgbClr val="4BACC6">
+                  <a:lumMod val="50000"/>
+                </a:srgbClr>
+              </a:solidFill>
+              <a:prstDash val="dash"/>
+            </a:ln>
+            <a:effectLst/>
+          </p:spPr>
+          <p:txBody>
+            <a:bodyPr rtlCol="0" anchor="ctr"/>
+            <a:lstStyle/>
+            <a:p>
+              <a:pPr marL="0" marR="0" lvl="0" indent="0" algn="ctr" defTabSz="914400" eaLnBrk="1" fontAlgn="auto" latinLnBrk="0" hangingPunct="1">
+                <a:lnSpc>
+                  <a:spcPct val="100000"/>
+                </a:lnSpc>
+                <a:spcBef>
+                  <a:spcPts val="0"/>
+                </a:spcBef>
+                <a:spcAft>
+                  <a:spcPts val="0"/>
+                </a:spcAft>
+                <a:buClrTx/>
+                <a:buSzTx/>
+                <a:buFontTx/>
+                <a:buNone/>
+                <a:tabLst/>
+                <a:defRPr/>
+              </a:pPr>
+              <a:endParaRPr kumimoji="0" lang="fr-FR" sz="1200" b="0" i="0" u="none" strike="noStrike" kern="0" cap="none" spc="0" normalizeH="0" baseline="0" noProof="0" smtClean="0">
+                <a:ln>
+                  <a:noFill/>
+                </a:ln>
+                <a:solidFill>
+                  <a:sysClr val="windowText" lastClr="000000"/>
+                </a:solidFill>
+                <a:effectLst/>
+                <a:uLnTx/>
+                <a:uFillTx/>
+                <a:latin typeface="Calibri"/>
+                <a:ea typeface="+mn-ea"/>
+                <a:cs typeface="+mn-cs"/>
+              </a:endParaRPr>
+            </a:p>
+          </p:txBody>
+        </p:sp>
+        <p:sp>
+          <p:nvSpPr>
+            <p:cNvPr id="7" name="Rectangle 6"/>
+            <p:cNvSpPr/>
+            <p:nvPr/>
+          </p:nvSpPr>
+          <p:spPr>
+            <a:xfrm>
+              <a:off x="3680007" y="1713715"/>
+              <a:ext cx="360000" cy="360000"/>
+            </a:xfrm>
+            <a:prstGeom prst="rect">
+              <a:avLst/>
+            </a:prstGeom>
+            <a:noFill/>
+            <a:ln w="19050" cap="flat" cmpd="sng" algn="ctr">
+              <a:solidFill>
+                <a:srgbClr val="FF0000"/>
+              </a:solidFill>
+              <a:prstDash val="solid"/>
+            </a:ln>
+            <a:effectLst/>
+          </p:spPr>
+          <p:txBody>
+            <a:bodyPr rtlCol="0" anchor="ctr"/>
+            <a:lstStyle/>
+            <a:p>
+              <a:pPr marL="0" marR="0" lvl="0" indent="0" algn="ctr" defTabSz="914400" eaLnBrk="1" fontAlgn="auto" latinLnBrk="0" hangingPunct="1">
+                <a:lnSpc>
+                  <a:spcPct val="100000"/>
+                </a:lnSpc>
+                <a:spcBef>
+                  <a:spcPts val="0"/>
+                </a:spcBef>
+                <a:spcAft>
+                  <a:spcPts val="0"/>
+                </a:spcAft>
+                <a:buClrTx/>
+                <a:buSzTx/>
+                <a:buFontTx/>
+                <a:buNone/>
+                <a:tabLst/>
+                <a:defRPr/>
+              </a:pPr>
+              <a:r>
+                <a:rPr kumimoji="0" lang="fr-FR" sz="1200" i="0" u="none" strike="noStrike" kern="0" cap="none" spc="0" normalizeH="0" baseline="0" noProof="0" dirty="0" smtClean="0">
+                  <a:ln>
+                    <a:noFill/>
+                  </a:ln>
+                  <a:solidFill>
+                    <a:sysClr val="windowText" lastClr="000000"/>
+                  </a:solidFill>
+                  <a:effectLst/>
+                  <a:uLnTx/>
+                  <a:uFillTx/>
+                  <a:latin typeface="Calibri"/>
+                  <a:ea typeface="+mn-ea"/>
+                  <a:cs typeface="+mn-cs"/>
+                </a:rPr>
+                <a:t>5</a:t>
+              </a:r>
+            </a:p>
+          </p:txBody>
+        </p:sp>
+        <p:sp>
+          <p:nvSpPr>
+            <p:cNvPr id="8" name="Rectangle 7"/>
+            <p:cNvSpPr/>
+            <p:nvPr/>
+          </p:nvSpPr>
+          <p:spPr>
+            <a:xfrm>
+              <a:off x="4040007" y="1713715"/>
+              <a:ext cx="360000" cy="360000"/>
+            </a:xfrm>
+            <a:prstGeom prst="rect">
+              <a:avLst/>
+            </a:prstGeom>
+            <a:noFill/>
+            <a:ln w="19050" cap="flat" cmpd="sng" algn="ctr">
+              <a:solidFill>
+                <a:srgbClr val="FF0000"/>
+              </a:solidFill>
+              <a:prstDash val="solid"/>
+            </a:ln>
+            <a:effectLst/>
+          </p:spPr>
+          <p:txBody>
+            <a:bodyPr rtlCol="0" anchor="ctr"/>
+            <a:lstStyle/>
+            <a:p>
+              <a:pPr marL="0" marR="0" lvl="0" indent="0" algn="ctr" defTabSz="914400" eaLnBrk="1" fontAlgn="auto" latinLnBrk="0" hangingPunct="1">
+                <a:lnSpc>
+                  <a:spcPct val="100000"/>
+                </a:lnSpc>
+                <a:spcBef>
+                  <a:spcPts val="0"/>
+                </a:spcBef>
+                <a:spcAft>
+                  <a:spcPts val="0"/>
+                </a:spcAft>
+                <a:buClrTx/>
+                <a:buSzTx/>
+                <a:buFontTx/>
+                <a:buNone/>
+                <a:tabLst/>
+                <a:defRPr/>
+              </a:pPr>
+              <a:r>
+                <a:rPr lang="fr-FR" sz="1200" kern="0" dirty="0" smtClean="0">
+                  <a:solidFill>
+                    <a:sysClr val="windowText" lastClr="000000"/>
+                  </a:solidFill>
+                  <a:latin typeface="Calibri"/>
+                </a:rPr>
+                <a:t>8</a:t>
+              </a:r>
+              <a:endParaRPr kumimoji="0" lang="fr-FR" sz="1200" b="0" i="0" u="none" strike="noStrike" kern="0" cap="none" spc="0" normalizeH="0" baseline="0" noProof="0" dirty="0" smtClean="0">
+                <a:ln>
+                  <a:noFill/>
+                </a:ln>
+                <a:solidFill>
+                  <a:sysClr val="windowText" lastClr="000000"/>
+                </a:solidFill>
+                <a:effectLst/>
+                <a:uLnTx/>
+                <a:uFillTx/>
+                <a:latin typeface="Calibri"/>
+                <a:ea typeface="+mn-ea"/>
+                <a:cs typeface="+mn-cs"/>
+              </a:endParaRPr>
+            </a:p>
+          </p:txBody>
+        </p:sp>
+        <p:sp>
+          <p:nvSpPr>
+            <p:cNvPr id="9" name="Rectangle 8"/>
+            <p:cNvSpPr/>
+            <p:nvPr/>
+          </p:nvSpPr>
+          <p:spPr>
+            <a:xfrm>
+              <a:off x="4400007" y="1713715"/>
+              <a:ext cx="360000" cy="360000"/>
+            </a:xfrm>
+            <a:prstGeom prst="rect">
+              <a:avLst/>
+            </a:prstGeom>
+            <a:noFill/>
+            <a:ln w="19050" cap="flat" cmpd="sng" algn="ctr">
+              <a:solidFill>
+                <a:srgbClr val="4BACC6">
+                  <a:lumMod val="50000"/>
+                </a:srgbClr>
+              </a:solidFill>
+              <a:prstDash val="solid"/>
+            </a:ln>
+            <a:effectLst/>
+          </p:spPr>
+          <p:txBody>
+            <a:bodyPr rtlCol="0" anchor="ctr"/>
+            <a:lstStyle/>
+            <a:p>
+              <a:pPr marL="0" marR="0" lvl="0" indent="0" algn="ctr" defTabSz="914400" eaLnBrk="1" fontAlgn="auto" latinLnBrk="0" hangingPunct="1">
+                <a:lnSpc>
+                  <a:spcPct val="100000"/>
+                </a:lnSpc>
+                <a:spcBef>
+                  <a:spcPts val="0"/>
+                </a:spcBef>
+                <a:spcAft>
+                  <a:spcPts val="0"/>
+                </a:spcAft>
+                <a:buClrTx/>
+                <a:buSzTx/>
+                <a:buFontTx/>
+                <a:buNone/>
+                <a:tabLst/>
+                <a:defRPr/>
+              </a:pPr>
+              <a:r>
+                <a:rPr kumimoji="0" lang="fr-FR" sz="1200" b="0" i="0" u="none" strike="noStrike" kern="0" cap="none" spc="0" normalizeH="0" baseline="0" noProof="0" dirty="0" smtClean="0">
+                  <a:ln>
+                    <a:noFill/>
+                  </a:ln>
+                  <a:solidFill>
+                    <a:sysClr val="windowText" lastClr="000000"/>
+                  </a:solidFill>
+                  <a:effectLst/>
+                  <a:uLnTx/>
+                  <a:uFillTx/>
+                  <a:latin typeface="Calibri"/>
+                  <a:ea typeface="+mn-ea"/>
+                  <a:cs typeface="+mn-cs"/>
+                </a:rPr>
+                <a:t>3</a:t>
+              </a:r>
+              <a:endParaRPr kumimoji="0" lang="fr-FR" sz="1200" b="0" i="0" u="none" strike="noStrike" kern="0" cap="none" spc="0" normalizeH="0" baseline="0" noProof="0" dirty="0" smtClean="0">
+                <a:ln>
+                  <a:noFill/>
+                </a:ln>
+                <a:solidFill>
+                  <a:sysClr val="windowText" lastClr="000000"/>
+                </a:solidFill>
+                <a:effectLst/>
+                <a:uLnTx/>
+                <a:uFillTx/>
+                <a:latin typeface="Calibri"/>
+                <a:ea typeface="+mn-ea"/>
+                <a:cs typeface="+mn-cs"/>
+              </a:endParaRPr>
+            </a:p>
+          </p:txBody>
+        </p:sp>
+        <p:sp>
+          <p:nvSpPr>
+            <p:cNvPr id="10" name="Rectangle 9"/>
+            <p:cNvSpPr/>
+            <p:nvPr/>
+          </p:nvSpPr>
+          <p:spPr>
+            <a:xfrm>
+              <a:off x="4760007" y="1713715"/>
+              <a:ext cx="360000" cy="360000"/>
+            </a:xfrm>
+            <a:prstGeom prst="rect">
+              <a:avLst/>
+            </a:prstGeom>
+            <a:noFill/>
+            <a:ln w="19050" cap="flat" cmpd="sng" algn="ctr">
+              <a:solidFill>
+                <a:srgbClr val="4BACC6">
+                  <a:lumMod val="50000"/>
+                </a:srgbClr>
+              </a:solidFill>
+              <a:prstDash val="solid"/>
+            </a:ln>
+            <a:effectLst/>
+          </p:spPr>
+          <p:txBody>
+            <a:bodyPr rtlCol="0" anchor="ctr"/>
+            <a:lstStyle/>
+            <a:p>
+              <a:pPr marL="0" marR="0" lvl="0" indent="0" algn="ctr" defTabSz="914400" eaLnBrk="1" fontAlgn="auto" latinLnBrk="0" hangingPunct="1">
+                <a:lnSpc>
+                  <a:spcPct val="100000"/>
+                </a:lnSpc>
+                <a:spcBef>
+                  <a:spcPts val="0"/>
+                </a:spcBef>
+                <a:spcAft>
+                  <a:spcPts val="0"/>
+                </a:spcAft>
+                <a:buClrTx/>
+                <a:buSzTx/>
+                <a:buFontTx/>
+                <a:buNone/>
+                <a:tabLst/>
+                <a:defRPr/>
+              </a:pPr>
+              <a:r>
+                <a:rPr kumimoji="0" lang="fr-FR" sz="1200" b="0" i="0" u="none" strike="noStrike" kern="0" cap="none" spc="0" normalizeH="0" baseline="0" noProof="0" dirty="0" smtClean="0">
+                  <a:ln>
+                    <a:noFill/>
+                  </a:ln>
+                  <a:solidFill>
+                    <a:sysClr val="windowText" lastClr="000000"/>
+                  </a:solidFill>
+                  <a:effectLst/>
+                  <a:uLnTx/>
+                  <a:uFillTx/>
+                  <a:latin typeface="Calibri"/>
+                  <a:ea typeface="+mn-ea"/>
+                  <a:cs typeface="+mn-cs"/>
+                </a:rPr>
+                <a:t>2</a:t>
+              </a:r>
+              <a:endParaRPr kumimoji="0" lang="fr-FR" sz="1200" b="0" i="0" u="none" strike="noStrike" kern="0" cap="none" spc="0" normalizeH="0" baseline="0" noProof="0" dirty="0" smtClean="0">
+                <a:ln>
+                  <a:noFill/>
+                </a:ln>
+                <a:solidFill>
+                  <a:sysClr val="windowText" lastClr="000000"/>
+                </a:solidFill>
+                <a:effectLst/>
+                <a:uLnTx/>
+                <a:uFillTx/>
+                <a:latin typeface="Calibri"/>
+                <a:ea typeface="+mn-ea"/>
+                <a:cs typeface="+mn-cs"/>
+              </a:endParaRPr>
+            </a:p>
+          </p:txBody>
+        </p:sp>
+        <p:sp>
+          <p:nvSpPr>
+            <p:cNvPr id="11" name="Rectangle 10"/>
+            <p:cNvSpPr/>
+            <p:nvPr/>
+          </p:nvSpPr>
+          <p:spPr>
+            <a:xfrm>
+              <a:off x="5120007" y="1713715"/>
+              <a:ext cx="360000" cy="360000"/>
+            </a:xfrm>
+            <a:prstGeom prst="rect">
+              <a:avLst/>
+            </a:prstGeom>
+            <a:noFill/>
+            <a:ln w="19050" cap="flat" cmpd="sng" algn="ctr">
+              <a:solidFill>
+                <a:srgbClr val="4BACC6">
+                  <a:lumMod val="50000"/>
+                </a:srgbClr>
+              </a:solidFill>
+              <a:prstDash val="solid"/>
+            </a:ln>
+            <a:effectLst/>
+          </p:spPr>
+          <p:txBody>
+            <a:bodyPr rtlCol="0" anchor="ctr"/>
+            <a:lstStyle/>
+            <a:p>
+              <a:pPr marL="0" marR="0" lvl="0" indent="0" algn="ctr" defTabSz="914400" eaLnBrk="1" fontAlgn="auto" latinLnBrk="0" hangingPunct="1">
+                <a:lnSpc>
+                  <a:spcPct val="100000"/>
+                </a:lnSpc>
+                <a:spcBef>
+                  <a:spcPts val="0"/>
+                </a:spcBef>
+                <a:spcAft>
+                  <a:spcPts val="0"/>
+                </a:spcAft>
+                <a:buClrTx/>
+                <a:buSzTx/>
+                <a:buFontTx/>
+                <a:buNone/>
+                <a:tabLst/>
+                <a:defRPr/>
+              </a:pPr>
+              <a:r>
+                <a:rPr kumimoji="0" lang="fr-FR" sz="1200" b="0" i="0" u="none" strike="noStrike" kern="0" cap="none" spc="0" normalizeH="0" baseline="0" noProof="0" dirty="0" smtClean="0">
+                  <a:ln>
+                    <a:noFill/>
+                  </a:ln>
+                  <a:solidFill>
+                    <a:sysClr val="windowText" lastClr="000000"/>
+                  </a:solidFill>
+                  <a:effectLst/>
+                  <a:uLnTx/>
+                  <a:uFillTx/>
+                  <a:latin typeface="Calibri"/>
+                  <a:ea typeface="+mn-ea"/>
+                  <a:cs typeface="+mn-cs"/>
+                </a:rPr>
+                <a:t>9</a:t>
+              </a:r>
+              <a:endParaRPr kumimoji="0" lang="fr-FR" sz="1200" b="0" i="0" u="none" strike="noStrike" kern="0" cap="none" spc="0" normalizeH="0" baseline="0" noProof="0" dirty="0" smtClean="0">
+                <a:ln>
+                  <a:noFill/>
+                </a:ln>
+                <a:solidFill>
+                  <a:sysClr val="windowText" lastClr="000000"/>
+                </a:solidFill>
+                <a:effectLst/>
+                <a:uLnTx/>
+                <a:uFillTx/>
+                <a:latin typeface="Calibri"/>
+                <a:ea typeface="+mn-ea"/>
+                <a:cs typeface="+mn-cs"/>
+              </a:endParaRPr>
+            </a:p>
+          </p:txBody>
+        </p:sp>
+        <p:sp>
+          <p:nvSpPr>
+            <p:cNvPr id="13" name="Rectangle 12"/>
+            <p:cNvSpPr/>
+            <p:nvPr/>
+          </p:nvSpPr>
+          <p:spPr>
+            <a:xfrm>
+              <a:off x="3680007" y="1353715"/>
+              <a:ext cx="360000" cy="360000"/>
+            </a:xfrm>
+            <a:prstGeom prst="rect">
+              <a:avLst/>
+            </a:prstGeom>
+            <a:noFill/>
+            <a:ln w="19050" cap="flat" cmpd="sng" algn="ctr">
+              <a:noFill/>
+              <a:prstDash val="solid"/>
+            </a:ln>
+            <a:effectLst/>
+          </p:spPr>
+          <p:txBody>
+            <a:bodyPr rtlCol="0" anchor="ctr"/>
+            <a:lstStyle/>
+            <a:p>
+              <a:pPr marL="0" marR="0" lvl="0" indent="0" algn="ctr" defTabSz="914400" eaLnBrk="1" fontAlgn="auto" latinLnBrk="0" hangingPunct="1">
+                <a:lnSpc>
+                  <a:spcPct val="100000"/>
+                </a:lnSpc>
+                <a:spcBef>
+                  <a:spcPts val="0"/>
+                </a:spcBef>
+                <a:spcAft>
+                  <a:spcPts val="0"/>
+                </a:spcAft>
+                <a:buClrTx/>
+                <a:buSzTx/>
+                <a:buFontTx/>
+                <a:buNone/>
+                <a:tabLst/>
+                <a:defRPr/>
+              </a:pPr>
+              <a:r>
+                <a:rPr kumimoji="0" lang="fr-FR" sz="1200" b="0" i="0" u="none" strike="noStrike" kern="0" cap="none" spc="0" normalizeH="0" baseline="0" noProof="0" dirty="0" smtClean="0">
+                  <a:ln>
+                    <a:noFill/>
+                  </a:ln>
+                  <a:solidFill>
+                    <a:sysClr val="windowText" lastClr="000000"/>
+                  </a:solidFill>
+                  <a:effectLst/>
+                  <a:uLnTx/>
+                  <a:uFillTx/>
+                  <a:latin typeface="Calibri"/>
+                  <a:ea typeface="+mn-ea"/>
+                  <a:cs typeface="+mn-cs"/>
+                </a:rPr>
+                <a:t>0</a:t>
+              </a:r>
+            </a:p>
+          </p:txBody>
+        </p:sp>
+        <p:sp>
+          <p:nvSpPr>
+            <p:cNvPr id="14" name="Rectangle 13"/>
+            <p:cNvSpPr/>
+            <p:nvPr/>
+          </p:nvSpPr>
+          <p:spPr>
+            <a:xfrm>
+              <a:off x="4040007" y="1353715"/>
+              <a:ext cx="360000" cy="360000"/>
+            </a:xfrm>
+            <a:prstGeom prst="rect">
+              <a:avLst/>
+            </a:prstGeom>
+            <a:noFill/>
+            <a:ln w="19050" cap="flat" cmpd="sng" algn="ctr">
+              <a:noFill/>
+              <a:prstDash val="solid"/>
+            </a:ln>
+            <a:effectLst/>
+          </p:spPr>
+          <p:txBody>
+            <a:bodyPr rtlCol="0" anchor="ctr"/>
+            <a:lstStyle/>
+            <a:p>
+              <a:pPr marL="0" marR="0" lvl="0" indent="0" algn="ctr" defTabSz="914400" eaLnBrk="1" fontAlgn="auto" latinLnBrk="0" hangingPunct="1">
+                <a:lnSpc>
+                  <a:spcPct val="100000"/>
+                </a:lnSpc>
+                <a:spcBef>
+                  <a:spcPts val="0"/>
+                </a:spcBef>
+                <a:spcAft>
+                  <a:spcPts val="0"/>
+                </a:spcAft>
+                <a:buClrTx/>
+                <a:buSzTx/>
+                <a:buFontTx/>
+                <a:buNone/>
+                <a:tabLst/>
+                <a:defRPr/>
+              </a:pPr>
+              <a:r>
+                <a:rPr kumimoji="0" lang="fr-FR" sz="1200" b="0" i="0" u="none" strike="noStrike" kern="0" cap="none" spc="0" normalizeH="0" baseline="0" noProof="0" dirty="0" smtClean="0">
+                  <a:ln>
+                    <a:noFill/>
+                  </a:ln>
+                  <a:solidFill>
+                    <a:sysClr val="windowText" lastClr="000000"/>
+                  </a:solidFill>
+                  <a:effectLst/>
+                  <a:uLnTx/>
+                  <a:uFillTx/>
+                  <a:latin typeface="Calibri"/>
+                  <a:ea typeface="+mn-ea"/>
+                  <a:cs typeface="+mn-cs"/>
+                </a:rPr>
+                <a:t>1</a:t>
+              </a:r>
+            </a:p>
+          </p:txBody>
+        </p:sp>
+        <p:sp>
+          <p:nvSpPr>
+            <p:cNvPr id="15" name="Rectangle 14"/>
+            <p:cNvSpPr/>
+            <p:nvPr/>
+          </p:nvSpPr>
+          <p:spPr>
+            <a:xfrm>
+              <a:off x="4400007" y="1353715"/>
+              <a:ext cx="360000" cy="360000"/>
+            </a:xfrm>
+            <a:prstGeom prst="rect">
+              <a:avLst/>
+            </a:prstGeom>
+            <a:noFill/>
+            <a:ln w="19050" cap="flat" cmpd="sng" algn="ctr">
+              <a:noFill/>
+              <a:prstDash val="solid"/>
+            </a:ln>
+            <a:effectLst/>
+          </p:spPr>
+          <p:txBody>
+            <a:bodyPr rtlCol="0" anchor="ctr"/>
+            <a:lstStyle/>
+            <a:p>
+              <a:pPr marL="0" marR="0" lvl="0" indent="0" algn="ctr" defTabSz="914400" eaLnBrk="1" fontAlgn="auto" latinLnBrk="0" hangingPunct="1">
+                <a:lnSpc>
+                  <a:spcPct val="100000"/>
+                </a:lnSpc>
+                <a:spcBef>
+                  <a:spcPts val="0"/>
+                </a:spcBef>
+                <a:spcAft>
+                  <a:spcPts val="0"/>
+                </a:spcAft>
+                <a:buClrTx/>
+                <a:buSzTx/>
+                <a:buFontTx/>
+                <a:buNone/>
+                <a:tabLst/>
+                <a:defRPr/>
+              </a:pPr>
+              <a:r>
+                <a:rPr kumimoji="0" lang="fr-FR" sz="1200" b="0" i="0" u="none" strike="noStrike" kern="0" cap="none" spc="0" normalizeH="0" baseline="0" noProof="0" dirty="0" smtClean="0">
+                  <a:ln>
+                    <a:noFill/>
+                  </a:ln>
+                  <a:solidFill>
+                    <a:sysClr val="windowText" lastClr="000000"/>
+                  </a:solidFill>
+                  <a:effectLst/>
+                  <a:uLnTx/>
+                  <a:uFillTx/>
+                  <a:latin typeface="Calibri"/>
+                  <a:ea typeface="+mn-ea"/>
+                  <a:cs typeface="+mn-cs"/>
+                </a:rPr>
+                <a:t>2</a:t>
+              </a:r>
+            </a:p>
+          </p:txBody>
+        </p:sp>
+        <p:sp>
+          <p:nvSpPr>
+            <p:cNvPr id="16" name="Rectangle 15"/>
+            <p:cNvSpPr/>
+            <p:nvPr/>
+          </p:nvSpPr>
+          <p:spPr>
+            <a:xfrm>
+              <a:off x="4760007" y="1353715"/>
+              <a:ext cx="360000" cy="360000"/>
+            </a:xfrm>
+            <a:prstGeom prst="rect">
+              <a:avLst/>
+            </a:prstGeom>
+            <a:noFill/>
+            <a:ln w="19050" cap="flat" cmpd="sng" algn="ctr">
+              <a:noFill/>
+              <a:prstDash val="solid"/>
+            </a:ln>
+            <a:effectLst/>
+          </p:spPr>
+          <p:txBody>
+            <a:bodyPr rtlCol="0" anchor="ctr"/>
+            <a:lstStyle/>
+            <a:p>
+              <a:pPr marL="0" marR="0" lvl="0" indent="0" algn="ctr" defTabSz="914400" eaLnBrk="1" fontAlgn="auto" latinLnBrk="0" hangingPunct="1">
+                <a:lnSpc>
+                  <a:spcPct val="100000"/>
+                </a:lnSpc>
+                <a:spcBef>
+                  <a:spcPts val="0"/>
+                </a:spcBef>
+                <a:spcAft>
+                  <a:spcPts val="0"/>
+                </a:spcAft>
+                <a:buClrTx/>
+                <a:buSzTx/>
+                <a:buFontTx/>
+                <a:buNone/>
+                <a:tabLst/>
+                <a:defRPr/>
+              </a:pPr>
+              <a:r>
+                <a:rPr kumimoji="0" lang="fr-FR" sz="1200" b="0" i="0" u="none" strike="noStrike" kern="0" cap="none" spc="0" normalizeH="0" baseline="0" noProof="0" dirty="0" smtClean="0">
+                  <a:ln>
+                    <a:noFill/>
+                  </a:ln>
+                  <a:solidFill>
+                    <a:sysClr val="windowText" lastClr="000000"/>
+                  </a:solidFill>
+                  <a:effectLst/>
+                  <a:uLnTx/>
+                  <a:uFillTx/>
+                  <a:latin typeface="Calibri"/>
+                  <a:ea typeface="+mn-ea"/>
+                  <a:cs typeface="+mn-cs"/>
+                </a:rPr>
+                <a:t>3</a:t>
+              </a:r>
+            </a:p>
+          </p:txBody>
+        </p:sp>
+        <p:sp>
+          <p:nvSpPr>
+            <p:cNvPr id="17" name="Rectangle 16"/>
+            <p:cNvSpPr/>
+            <p:nvPr/>
+          </p:nvSpPr>
+          <p:spPr>
+            <a:xfrm>
+              <a:off x="5120007" y="1353715"/>
+              <a:ext cx="360000" cy="360000"/>
+            </a:xfrm>
+            <a:prstGeom prst="rect">
+              <a:avLst/>
+            </a:prstGeom>
+            <a:noFill/>
+            <a:ln w="19050" cap="flat" cmpd="sng" algn="ctr">
+              <a:noFill/>
+              <a:prstDash val="solid"/>
+            </a:ln>
+            <a:effectLst/>
+          </p:spPr>
+          <p:txBody>
+            <a:bodyPr rtlCol="0" anchor="ctr"/>
+            <a:lstStyle/>
+            <a:p>
+              <a:pPr marL="0" marR="0" lvl="0" indent="0" algn="ctr" defTabSz="914400" eaLnBrk="1" fontAlgn="auto" latinLnBrk="0" hangingPunct="1">
+                <a:lnSpc>
+                  <a:spcPct val="100000"/>
+                </a:lnSpc>
+                <a:spcBef>
+                  <a:spcPts val="0"/>
+                </a:spcBef>
+                <a:spcAft>
+                  <a:spcPts val="0"/>
+                </a:spcAft>
+                <a:buClrTx/>
+                <a:buSzTx/>
+                <a:buFontTx/>
+                <a:buNone/>
+                <a:tabLst/>
+                <a:defRPr/>
+              </a:pPr>
+              <a:r>
+                <a:rPr kumimoji="0" lang="fr-FR" sz="1200" b="0" i="0" u="none" strike="noStrike" kern="0" cap="none" spc="0" normalizeH="0" baseline="0" noProof="0" dirty="0" smtClean="0">
+                  <a:ln>
+                    <a:noFill/>
+                  </a:ln>
+                  <a:solidFill>
+                    <a:sysClr val="windowText" lastClr="000000"/>
+                  </a:solidFill>
+                  <a:effectLst/>
+                  <a:uLnTx/>
+                  <a:uFillTx/>
+                  <a:latin typeface="Calibri"/>
+                  <a:ea typeface="+mn-ea"/>
+                  <a:cs typeface="+mn-cs"/>
+                </a:rPr>
+                <a:t>4</a:t>
+              </a:r>
+            </a:p>
+          </p:txBody>
+        </p:sp>
+      </p:grpSp>
+      <p:sp>
+        <p:nvSpPr>
+          <p:cNvPr id="20" name="Flèche vers le bas 19"/>
+          <p:cNvSpPr/>
+          <p:nvPr/>
+        </p:nvSpPr>
+        <p:spPr>
+          <a:xfrm rot="10800000">
+            <a:off x="7720448" y="2060848"/>
+            <a:ext cx="106306" cy="177178"/>
+          </a:xfrm>
+          <a:prstGeom prst="downArrow">
+            <a:avLst/>
+          </a:prstGeom>
+          <a:noFill/>
+          <a:ln>
+            <a:solidFill>
+              <a:srgbClr val="FF0000"/>
+            </a:solidFill>
+          </a:ln>
+        </p:spPr>
+        <p:style>
+          <a:lnRef idx="2">
+            <a:schemeClr val="accent1">
+              <a:shade val="50000"/>
+            </a:schemeClr>
+          </a:lnRef>
+          <a:fillRef idx="1">
+            <a:schemeClr val="accent1"/>
+          </a:fillRef>
+          <a:effectRef idx="0">
+            <a:schemeClr val="accent1"/>
+          </a:effectRef>
+          <a:fontRef idx="minor">
+            <a:schemeClr val="lt1"/>
+          </a:fontRef>
+        </p:style>
+        <p:txBody>
+          <a:bodyPr rtlCol="0" anchor="ctr"/>
+          <a:lstStyle/>
+          <a:p>
+            <a:pPr algn="ctr"/>
+            <a:endParaRPr lang="fr-FR"/>
+          </a:p>
+        </p:txBody>
+      </p:sp>
+      <p:grpSp>
+        <p:nvGrpSpPr>
+          <p:cNvPr id="21" name="Groupe 20"/>
+          <p:cNvGrpSpPr/>
+          <p:nvPr/>
+        </p:nvGrpSpPr>
+        <p:grpSpPr>
+          <a:xfrm>
+            <a:off x="7236296" y="2320852"/>
+            <a:ext cx="1800000" cy="720000"/>
+            <a:chOff x="3680007" y="1353715"/>
+            <a:chExt cx="1800000" cy="720000"/>
+          </a:xfrm>
+        </p:grpSpPr>
+        <p:sp>
+          <p:nvSpPr>
+            <p:cNvPr id="22" name="Ellipse 21"/>
+            <p:cNvSpPr/>
+            <p:nvPr/>
+          </p:nvSpPr>
+          <p:spPr>
+            <a:xfrm>
+              <a:off x="4113069" y="1436541"/>
+              <a:ext cx="208486" cy="208486"/>
+            </a:xfrm>
+            <a:prstGeom prst="ellipse">
+              <a:avLst/>
+            </a:prstGeom>
+            <a:solidFill>
+              <a:srgbClr val="4BACC6">
+                <a:lumMod val="20000"/>
+                <a:lumOff val="80000"/>
+              </a:srgbClr>
+            </a:solidFill>
+            <a:ln w="9525" cap="flat" cmpd="sng" algn="ctr">
+              <a:solidFill>
+                <a:srgbClr val="4BACC6">
+                  <a:lumMod val="50000"/>
+                </a:srgbClr>
+              </a:solidFill>
+              <a:prstDash val="dash"/>
+            </a:ln>
+            <a:effectLst/>
+          </p:spPr>
+          <p:txBody>
+            <a:bodyPr rtlCol="0" anchor="ctr"/>
+            <a:lstStyle/>
+            <a:p>
+              <a:pPr marL="0" marR="0" lvl="0" indent="0" algn="ctr" defTabSz="914400" eaLnBrk="1" fontAlgn="auto" latinLnBrk="0" hangingPunct="1">
+                <a:lnSpc>
+                  <a:spcPct val="100000"/>
+                </a:lnSpc>
+                <a:spcBef>
+                  <a:spcPts val="0"/>
+                </a:spcBef>
+                <a:spcAft>
+                  <a:spcPts val="0"/>
+                </a:spcAft>
+                <a:buClrTx/>
+                <a:buSzTx/>
+                <a:buFontTx/>
+                <a:buNone/>
+                <a:tabLst/>
+                <a:defRPr/>
+              </a:pPr>
+              <a:endParaRPr kumimoji="0" lang="fr-FR" sz="1200" b="0" i="0" u="none" strike="noStrike" kern="0" cap="none" spc="0" normalizeH="0" baseline="0" noProof="0" smtClean="0">
+                <a:ln>
+                  <a:noFill/>
+                </a:ln>
+                <a:solidFill>
+                  <a:sysClr val="windowText" lastClr="000000"/>
+                </a:solidFill>
+                <a:effectLst/>
+                <a:uLnTx/>
+                <a:uFillTx/>
+                <a:latin typeface="Calibri"/>
+                <a:ea typeface="+mn-ea"/>
+                <a:cs typeface="+mn-cs"/>
+              </a:endParaRPr>
+            </a:p>
+          </p:txBody>
+        </p:sp>
+        <p:sp>
+          <p:nvSpPr>
+            <p:cNvPr id="23" name="Rectangle 22"/>
+            <p:cNvSpPr/>
+            <p:nvPr/>
+          </p:nvSpPr>
+          <p:spPr>
+            <a:xfrm>
+              <a:off x="3680007" y="1713715"/>
+              <a:ext cx="360000" cy="360000"/>
+            </a:xfrm>
+            <a:prstGeom prst="rect">
+              <a:avLst/>
+            </a:prstGeom>
+            <a:noFill/>
+            <a:ln w="19050" cap="flat" cmpd="sng" algn="ctr">
+              <a:solidFill>
+                <a:srgbClr val="FF0000"/>
+              </a:solidFill>
+              <a:prstDash val="solid"/>
+            </a:ln>
+            <a:effectLst/>
+          </p:spPr>
+          <p:txBody>
+            <a:bodyPr rtlCol="0" anchor="ctr"/>
+            <a:lstStyle/>
+            <a:p>
+              <a:pPr marL="0" marR="0" lvl="0" indent="0" algn="ctr" defTabSz="914400" eaLnBrk="1" fontAlgn="auto" latinLnBrk="0" hangingPunct="1">
+                <a:lnSpc>
+                  <a:spcPct val="100000"/>
+                </a:lnSpc>
+                <a:spcBef>
+                  <a:spcPts val="0"/>
+                </a:spcBef>
+                <a:spcAft>
+                  <a:spcPts val="0"/>
+                </a:spcAft>
+                <a:buClrTx/>
+                <a:buSzTx/>
+                <a:buFontTx/>
+                <a:buNone/>
+                <a:tabLst/>
+                <a:defRPr/>
+              </a:pPr>
+              <a:r>
+                <a:rPr kumimoji="0" lang="fr-FR" sz="1200" i="0" u="none" strike="noStrike" kern="0" cap="none" spc="0" normalizeH="0" baseline="0" noProof="0" dirty="0" smtClean="0">
+                  <a:ln>
+                    <a:noFill/>
+                  </a:ln>
+                  <a:solidFill>
+                    <a:srgbClr val="FF0000"/>
+                  </a:solidFill>
+                  <a:effectLst/>
+                  <a:uLnTx/>
+                  <a:uFillTx/>
+                  <a:latin typeface="Calibri"/>
+                  <a:ea typeface="+mn-ea"/>
+                  <a:cs typeface="+mn-cs"/>
+                </a:rPr>
+                <a:t>5</a:t>
+              </a:r>
+            </a:p>
+          </p:txBody>
+        </p:sp>
+        <p:sp>
+          <p:nvSpPr>
+            <p:cNvPr id="25" name="Rectangle 24"/>
+            <p:cNvSpPr/>
+            <p:nvPr/>
+          </p:nvSpPr>
+          <p:spPr>
+            <a:xfrm>
+              <a:off x="4400007" y="1713715"/>
+              <a:ext cx="360000" cy="360000"/>
+            </a:xfrm>
+            <a:prstGeom prst="rect">
+              <a:avLst/>
+            </a:prstGeom>
+            <a:noFill/>
+            <a:ln w="19050" cap="flat" cmpd="sng" algn="ctr">
+              <a:solidFill>
+                <a:srgbClr val="4BACC6">
+                  <a:lumMod val="50000"/>
+                </a:srgbClr>
+              </a:solidFill>
+              <a:prstDash val="solid"/>
+            </a:ln>
+            <a:effectLst/>
+          </p:spPr>
+          <p:txBody>
+            <a:bodyPr rtlCol="0" anchor="ctr"/>
+            <a:lstStyle/>
+            <a:p>
+              <a:pPr marL="0" marR="0" lvl="0" indent="0" algn="ctr" defTabSz="914400" eaLnBrk="1" fontAlgn="auto" latinLnBrk="0" hangingPunct="1">
+                <a:lnSpc>
+                  <a:spcPct val="100000"/>
+                </a:lnSpc>
+                <a:spcBef>
+                  <a:spcPts val="0"/>
+                </a:spcBef>
+                <a:spcAft>
+                  <a:spcPts val="0"/>
+                </a:spcAft>
+                <a:buClrTx/>
+                <a:buSzTx/>
+                <a:buFontTx/>
+                <a:buNone/>
+                <a:tabLst/>
+                <a:defRPr/>
+              </a:pPr>
+              <a:r>
+                <a:rPr kumimoji="0" lang="fr-FR" sz="1200" b="0" i="0" u="none" strike="noStrike" kern="0" cap="none" spc="0" normalizeH="0" baseline="0" noProof="0" dirty="0" smtClean="0">
+                  <a:ln>
+                    <a:noFill/>
+                  </a:ln>
+                  <a:solidFill>
+                    <a:sysClr val="windowText" lastClr="000000"/>
+                  </a:solidFill>
+                  <a:effectLst/>
+                  <a:uLnTx/>
+                  <a:uFillTx/>
+                  <a:latin typeface="Calibri"/>
+                  <a:ea typeface="+mn-ea"/>
+                  <a:cs typeface="+mn-cs"/>
+                </a:rPr>
+                <a:t>3</a:t>
+              </a:r>
+              <a:endParaRPr kumimoji="0" lang="fr-FR" sz="1200" b="0" i="0" u="none" strike="noStrike" kern="0" cap="none" spc="0" normalizeH="0" baseline="0" noProof="0" dirty="0" smtClean="0">
+                <a:ln>
+                  <a:noFill/>
+                </a:ln>
+                <a:solidFill>
+                  <a:sysClr val="windowText" lastClr="000000"/>
+                </a:solidFill>
+                <a:effectLst/>
+                <a:uLnTx/>
+                <a:uFillTx/>
+                <a:latin typeface="Calibri"/>
+                <a:ea typeface="+mn-ea"/>
+                <a:cs typeface="+mn-cs"/>
+              </a:endParaRPr>
+            </a:p>
+          </p:txBody>
+        </p:sp>
+        <p:sp>
+          <p:nvSpPr>
+            <p:cNvPr id="26" name="Rectangle 25"/>
+            <p:cNvSpPr/>
+            <p:nvPr/>
+          </p:nvSpPr>
+          <p:spPr>
+            <a:xfrm>
+              <a:off x="4760007" y="1713715"/>
+              <a:ext cx="360000" cy="360000"/>
+            </a:xfrm>
+            <a:prstGeom prst="rect">
+              <a:avLst/>
+            </a:prstGeom>
+            <a:noFill/>
+            <a:ln w="19050" cap="flat" cmpd="sng" algn="ctr">
+              <a:solidFill>
+                <a:srgbClr val="4BACC6">
+                  <a:lumMod val="50000"/>
+                </a:srgbClr>
+              </a:solidFill>
+              <a:prstDash val="solid"/>
+            </a:ln>
+            <a:effectLst/>
+          </p:spPr>
+          <p:txBody>
+            <a:bodyPr rtlCol="0" anchor="ctr"/>
+            <a:lstStyle/>
+            <a:p>
+              <a:pPr marL="0" marR="0" lvl="0" indent="0" algn="ctr" defTabSz="914400" eaLnBrk="1" fontAlgn="auto" latinLnBrk="0" hangingPunct="1">
+                <a:lnSpc>
+                  <a:spcPct val="100000"/>
+                </a:lnSpc>
+                <a:spcBef>
+                  <a:spcPts val="0"/>
+                </a:spcBef>
+                <a:spcAft>
+                  <a:spcPts val="0"/>
+                </a:spcAft>
+                <a:buClrTx/>
+                <a:buSzTx/>
+                <a:buFontTx/>
+                <a:buNone/>
+                <a:tabLst/>
+                <a:defRPr/>
+              </a:pPr>
+              <a:r>
+                <a:rPr kumimoji="0" lang="fr-FR" sz="1200" b="0" i="0" u="none" strike="noStrike" kern="0" cap="none" spc="0" normalizeH="0" baseline="0" noProof="0" dirty="0" smtClean="0">
+                  <a:ln>
+                    <a:noFill/>
+                  </a:ln>
+                  <a:solidFill>
+                    <a:sysClr val="windowText" lastClr="000000"/>
+                  </a:solidFill>
+                  <a:effectLst/>
+                  <a:uLnTx/>
+                  <a:uFillTx/>
+                  <a:latin typeface="Calibri"/>
+                  <a:ea typeface="+mn-ea"/>
+                  <a:cs typeface="+mn-cs"/>
+                </a:rPr>
+                <a:t>2</a:t>
+              </a:r>
+              <a:endParaRPr kumimoji="0" lang="fr-FR" sz="1200" b="0" i="0" u="none" strike="noStrike" kern="0" cap="none" spc="0" normalizeH="0" baseline="0" noProof="0" dirty="0" smtClean="0">
+                <a:ln>
+                  <a:noFill/>
+                </a:ln>
+                <a:solidFill>
+                  <a:sysClr val="windowText" lastClr="000000"/>
+                </a:solidFill>
+                <a:effectLst/>
+                <a:uLnTx/>
+                <a:uFillTx/>
+                <a:latin typeface="Calibri"/>
+                <a:ea typeface="+mn-ea"/>
+                <a:cs typeface="+mn-cs"/>
+              </a:endParaRPr>
+            </a:p>
+          </p:txBody>
+        </p:sp>
+        <p:sp>
+          <p:nvSpPr>
+            <p:cNvPr id="27" name="Rectangle 26"/>
+            <p:cNvSpPr/>
+            <p:nvPr/>
+          </p:nvSpPr>
+          <p:spPr>
+            <a:xfrm>
+              <a:off x="5120007" y="1713715"/>
+              <a:ext cx="360000" cy="360000"/>
+            </a:xfrm>
+            <a:prstGeom prst="rect">
+              <a:avLst/>
+            </a:prstGeom>
+            <a:noFill/>
+            <a:ln w="19050" cap="flat" cmpd="sng" algn="ctr">
+              <a:solidFill>
+                <a:srgbClr val="4BACC6">
+                  <a:lumMod val="50000"/>
+                </a:srgbClr>
+              </a:solidFill>
+              <a:prstDash val="solid"/>
+            </a:ln>
+            <a:effectLst/>
+          </p:spPr>
+          <p:txBody>
+            <a:bodyPr rtlCol="0" anchor="ctr"/>
+            <a:lstStyle/>
+            <a:p>
+              <a:pPr marL="0" marR="0" lvl="0" indent="0" algn="ctr" defTabSz="914400" eaLnBrk="1" fontAlgn="auto" latinLnBrk="0" hangingPunct="1">
+                <a:lnSpc>
+                  <a:spcPct val="100000"/>
+                </a:lnSpc>
+                <a:spcBef>
+                  <a:spcPts val="0"/>
+                </a:spcBef>
+                <a:spcAft>
+                  <a:spcPts val="0"/>
+                </a:spcAft>
+                <a:buClrTx/>
+                <a:buSzTx/>
+                <a:buFontTx/>
+                <a:buNone/>
+                <a:tabLst/>
+                <a:defRPr/>
+              </a:pPr>
+              <a:r>
+                <a:rPr kumimoji="0" lang="fr-FR" sz="1200" b="0" i="0" u="none" strike="noStrike" kern="0" cap="none" spc="0" normalizeH="0" baseline="0" noProof="0" dirty="0" smtClean="0">
+                  <a:ln>
+                    <a:noFill/>
+                  </a:ln>
+                  <a:solidFill>
+                    <a:sysClr val="windowText" lastClr="000000"/>
+                  </a:solidFill>
+                  <a:effectLst/>
+                  <a:uLnTx/>
+                  <a:uFillTx/>
+                  <a:latin typeface="Calibri"/>
+                  <a:ea typeface="+mn-ea"/>
+                  <a:cs typeface="+mn-cs"/>
+                </a:rPr>
+                <a:t>9</a:t>
+              </a:r>
+              <a:endParaRPr kumimoji="0" lang="fr-FR" sz="1200" b="0" i="0" u="none" strike="noStrike" kern="0" cap="none" spc="0" normalizeH="0" baseline="0" noProof="0" dirty="0" smtClean="0">
+                <a:ln>
+                  <a:noFill/>
+                </a:ln>
+                <a:solidFill>
+                  <a:sysClr val="windowText" lastClr="000000"/>
+                </a:solidFill>
+                <a:effectLst/>
+                <a:uLnTx/>
+                <a:uFillTx/>
+                <a:latin typeface="Calibri"/>
+                <a:ea typeface="+mn-ea"/>
+                <a:cs typeface="+mn-cs"/>
+              </a:endParaRPr>
+            </a:p>
+          </p:txBody>
+        </p:sp>
+        <p:sp>
+          <p:nvSpPr>
+            <p:cNvPr id="28" name="Rectangle 27"/>
+            <p:cNvSpPr/>
+            <p:nvPr/>
+          </p:nvSpPr>
+          <p:spPr>
+            <a:xfrm>
+              <a:off x="3680007" y="1353715"/>
+              <a:ext cx="360000" cy="360000"/>
+            </a:xfrm>
+            <a:prstGeom prst="rect">
+              <a:avLst/>
+            </a:prstGeom>
+            <a:noFill/>
+            <a:ln w="19050" cap="flat" cmpd="sng" algn="ctr">
+              <a:noFill/>
+              <a:prstDash val="solid"/>
+            </a:ln>
+            <a:effectLst/>
+          </p:spPr>
+          <p:txBody>
+            <a:bodyPr rtlCol="0" anchor="ctr"/>
+            <a:lstStyle/>
+            <a:p>
+              <a:pPr marL="0" marR="0" lvl="0" indent="0" algn="ctr" defTabSz="914400" eaLnBrk="1" fontAlgn="auto" latinLnBrk="0" hangingPunct="1">
+                <a:lnSpc>
+                  <a:spcPct val="100000"/>
+                </a:lnSpc>
+                <a:spcBef>
+                  <a:spcPts val="0"/>
+                </a:spcBef>
+                <a:spcAft>
+                  <a:spcPts val="0"/>
+                </a:spcAft>
+                <a:buClrTx/>
+                <a:buSzTx/>
+                <a:buFontTx/>
+                <a:buNone/>
+                <a:tabLst/>
+                <a:defRPr/>
+              </a:pPr>
+              <a:r>
+                <a:rPr kumimoji="0" lang="fr-FR" sz="1200" b="0" i="0" u="none" strike="noStrike" kern="0" cap="none" spc="0" normalizeH="0" baseline="0" noProof="0" dirty="0" smtClean="0">
+                  <a:ln>
+                    <a:noFill/>
+                  </a:ln>
+                  <a:solidFill>
+                    <a:sysClr val="windowText" lastClr="000000"/>
+                  </a:solidFill>
+                  <a:effectLst/>
+                  <a:uLnTx/>
+                  <a:uFillTx/>
+                  <a:latin typeface="Calibri"/>
+                  <a:ea typeface="+mn-ea"/>
+                  <a:cs typeface="+mn-cs"/>
+                </a:rPr>
+                <a:t>0</a:t>
+              </a:r>
+            </a:p>
+          </p:txBody>
+        </p:sp>
+        <p:sp>
+          <p:nvSpPr>
+            <p:cNvPr id="29" name="Rectangle 28"/>
+            <p:cNvSpPr/>
+            <p:nvPr/>
+          </p:nvSpPr>
+          <p:spPr>
+            <a:xfrm>
+              <a:off x="4040007" y="1353715"/>
+              <a:ext cx="360000" cy="360000"/>
+            </a:xfrm>
+            <a:prstGeom prst="rect">
+              <a:avLst/>
+            </a:prstGeom>
+            <a:noFill/>
+            <a:ln w="19050" cap="flat" cmpd="sng" algn="ctr">
+              <a:noFill/>
+              <a:prstDash val="solid"/>
+            </a:ln>
+            <a:effectLst/>
+          </p:spPr>
+          <p:txBody>
+            <a:bodyPr rtlCol="0" anchor="ctr"/>
+            <a:lstStyle/>
+            <a:p>
+              <a:pPr marL="0" marR="0" lvl="0" indent="0" algn="ctr" defTabSz="914400" eaLnBrk="1" fontAlgn="auto" latinLnBrk="0" hangingPunct="1">
+                <a:lnSpc>
+                  <a:spcPct val="100000"/>
+                </a:lnSpc>
+                <a:spcBef>
+                  <a:spcPts val="0"/>
+                </a:spcBef>
+                <a:spcAft>
+                  <a:spcPts val="0"/>
+                </a:spcAft>
+                <a:buClrTx/>
+                <a:buSzTx/>
+                <a:buFontTx/>
+                <a:buNone/>
+                <a:tabLst/>
+                <a:defRPr/>
+              </a:pPr>
+              <a:r>
+                <a:rPr kumimoji="0" lang="fr-FR" sz="1200" b="0" i="0" u="none" strike="noStrike" kern="0" cap="none" spc="0" normalizeH="0" baseline="0" noProof="0" dirty="0" smtClean="0">
+                  <a:ln>
+                    <a:noFill/>
+                  </a:ln>
+                  <a:solidFill>
+                    <a:sysClr val="windowText" lastClr="000000"/>
+                  </a:solidFill>
+                  <a:effectLst/>
+                  <a:uLnTx/>
+                  <a:uFillTx/>
+                  <a:latin typeface="Calibri"/>
+                  <a:ea typeface="+mn-ea"/>
+                  <a:cs typeface="+mn-cs"/>
+                </a:rPr>
+                <a:t>1</a:t>
+              </a:r>
+            </a:p>
+          </p:txBody>
+        </p:sp>
+        <p:sp>
+          <p:nvSpPr>
+            <p:cNvPr id="30" name="Rectangle 29"/>
+            <p:cNvSpPr/>
+            <p:nvPr/>
+          </p:nvSpPr>
+          <p:spPr>
+            <a:xfrm>
+              <a:off x="4400007" y="1353715"/>
+              <a:ext cx="360000" cy="360000"/>
+            </a:xfrm>
+            <a:prstGeom prst="rect">
+              <a:avLst/>
+            </a:prstGeom>
+            <a:noFill/>
+            <a:ln w="19050" cap="flat" cmpd="sng" algn="ctr">
+              <a:noFill/>
+              <a:prstDash val="solid"/>
+            </a:ln>
+            <a:effectLst/>
+          </p:spPr>
+          <p:txBody>
+            <a:bodyPr rtlCol="0" anchor="ctr"/>
+            <a:lstStyle/>
+            <a:p>
+              <a:pPr marL="0" marR="0" lvl="0" indent="0" algn="ctr" defTabSz="914400" eaLnBrk="1" fontAlgn="auto" latinLnBrk="0" hangingPunct="1">
+                <a:lnSpc>
+                  <a:spcPct val="100000"/>
+                </a:lnSpc>
+                <a:spcBef>
+                  <a:spcPts val="0"/>
+                </a:spcBef>
+                <a:spcAft>
+                  <a:spcPts val="0"/>
+                </a:spcAft>
+                <a:buClrTx/>
+                <a:buSzTx/>
+                <a:buFontTx/>
+                <a:buNone/>
+                <a:tabLst/>
+                <a:defRPr/>
+              </a:pPr>
+              <a:r>
+                <a:rPr kumimoji="0" lang="fr-FR" sz="1200" b="0" i="0" u="none" strike="noStrike" kern="0" cap="none" spc="0" normalizeH="0" baseline="0" noProof="0" dirty="0" smtClean="0">
+                  <a:ln>
+                    <a:noFill/>
+                  </a:ln>
+                  <a:solidFill>
+                    <a:sysClr val="windowText" lastClr="000000"/>
+                  </a:solidFill>
+                  <a:effectLst/>
+                  <a:uLnTx/>
+                  <a:uFillTx/>
+                  <a:latin typeface="Calibri"/>
+                  <a:ea typeface="+mn-ea"/>
+                  <a:cs typeface="+mn-cs"/>
+                </a:rPr>
+                <a:t>2</a:t>
+              </a:r>
+            </a:p>
+          </p:txBody>
+        </p:sp>
+        <p:sp>
+          <p:nvSpPr>
+            <p:cNvPr id="31" name="Rectangle 30"/>
+            <p:cNvSpPr/>
+            <p:nvPr/>
+          </p:nvSpPr>
+          <p:spPr>
+            <a:xfrm>
+              <a:off x="4760007" y="1353715"/>
+              <a:ext cx="360000" cy="360000"/>
+            </a:xfrm>
+            <a:prstGeom prst="rect">
+              <a:avLst/>
+            </a:prstGeom>
+            <a:noFill/>
+            <a:ln w="19050" cap="flat" cmpd="sng" algn="ctr">
+              <a:noFill/>
+              <a:prstDash val="solid"/>
+            </a:ln>
+            <a:effectLst/>
+          </p:spPr>
+          <p:txBody>
+            <a:bodyPr rtlCol="0" anchor="ctr"/>
+            <a:lstStyle/>
+            <a:p>
+              <a:pPr marL="0" marR="0" lvl="0" indent="0" algn="ctr" defTabSz="914400" eaLnBrk="1" fontAlgn="auto" latinLnBrk="0" hangingPunct="1">
+                <a:lnSpc>
+                  <a:spcPct val="100000"/>
+                </a:lnSpc>
+                <a:spcBef>
+                  <a:spcPts val="0"/>
+                </a:spcBef>
+                <a:spcAft>
+                  <a:spcPts val="0"/>
+                </a:spcAft>
+                <a:buClrTx/>
+                <a:buSzTx/>
+                <a:buFontTx/>
+                <a:buNone/>
+                <a:tabLst/>
+                <a:defRPr/>
+              </a:pPr>
+              <a:r>
+                <a:rPr kumimoji="0" lang="fr-FR" sz="1200" b="0" i="0" u="none" strike="noStrike" kern="0" cap="none" spc="0" normalizeH="0" baseline="0" noProof="0" dirty="0" smtClean="0">
+                  <a:ln>
+                    <a:noFill/>
+                  </a:ln>
+                  <a:solidFill>
+                    <a:sysClr val="windowText" lastClr="000000"/>
+                  </a:solidFill>
+                  <a:effectLst/>
+                  <a:uLnTx/>
+                  <a:uFillTx/>
+                  <a:latin typeface="Calibri"/>
+                  <a:ea typeface="+mn-ea"/>
+                  <a:cs typeface="+mn-cs"/>
+                </a:rPr>
+                <a:t>3</a:t>
+              </a:r>
+            </a:p>
+          </p:txBody>
+        </p:sp>
+        <p:sp>
+          <p:nvSpPr>
+            <p:cNvPr id="32" name="Rectangle 31"/>
+            <p:cNvSpPr/>
+            <p:nvPr/>
+          </p:nvSpPr>
+          <p:spPr>
+            <a:xfrm>
+              <a:off x="5120007" y="1353715"/>
+              <a:ext cx="360000" cy="360000"/>
+            </a:xfrm>
+            <a:prstGeom prst="rect">
+              <a:avLst/>
+            </a:prstGeom>
+            <a:noFill/>
+            <a:ln w="19050" cap="flat" cmpd="sng" algn="ctr">
+              <a:noFill/>
+              <a:prstDash val="solid"/>
+            </a:ln>
+            <a:effectLst/>
+          </p:spPr>
+          <p:txBody>
+            <a:bodyPr rtlCol="0" anchor="ctr"/>
+            <a:lstStyle/>
+            <a:p>
+              <a:pPr marL="0" marR="0" lvl="0" indent="0" algn="ctr" defTabSz="914400" eaLnBrk="1" fontAlgn="auto" latinLnBrk="0" hangingPunct="1">
+                <a:lnSpc>
+                  <a:spcPct val="100000"/>
+                </a:lnSpc>
+                <a:spcBef>
+                  <a:spcPts val="0"/>
+                </a:spcBef>
+                <a:spcAft>
+                  <a:spcPts val="0"/>
+                </a:spcAft>
+                <a:buClrTx/>
+                <a:buSzTx/>
+                <a:buFontTx/>
+                <a:buNone/>
+                <a:tabLst/>
+                <a:defRPr/>
+              </a:pPr>
+              <a:r>
+                <a:rPr kumimoji="0" lang="fr-FR" sz="1200" b="0" i="0" u="none" strike="noStrike" kern="0" cap="none" spc="0" normalizeH="0" baseline="0" noProof="0" dirty="0" smtClean="0">
+                  <a:ln>
+                    <a:noFill/>
+                  </a:ln>
+                  <a:solidFill>
+                    <a:sysClr val="windowText" lastClr="000000"/>
+                  </a:solidFill>
+                  <a:effectLst/>
+                  <a:uLnTx/>
+                  <a:uFillTx/>
+                  <a:latin typeface="Calibri"/>
+                  <a:ea typeface="+mn-ea"/>
+                  <a:cs typeface="+mn-cs"/>
+                </a:rPr>
+                <a:t>4</a:t>
+              </a:r>
+            </a:p>
+          </p:txBody>
+        </p:sp>
+        <p:sp>
+          <p:nvSpPr>
+            <p:cNvPr id="24" name="Rectangle 23"/>
+            <p:cNvSpPr/>
+            <p:nvPr/>
+          </p:nvSpPr>
+          <p:spPr>
+            <a:xfrm>
+              <a:off x="4040007" y="1713715"/>
+              <a:ext cx="360000" cy="360000"/>
+            </a:xfrm>
+            <a:prstGeom prst="rect">
+              <a:avLst/>
+            </a:prstGeom>
+            <a:noFill/>
+            <a:ln w="19050" cap="flat" cmpd="sng" algn="ctr">
+              <a:solidFill>
+                <a:srgbClr val="FF0000"/>
+              </a:solidFill>
+              <a:prstDash val="solid"/>
+            </a:ln>
+            <a:effectLst/>
+          </p:spPr>
+          <p:txBody>
+            <a:bodyPr rtlCol="0" anchor="ctr"/>
+            <a:lstStyle/>
+            <a:p>
+              <a:pPr marL="0" marR="0" lvl="0" indent="0" algn="ctr" defTabSz="914400" eaLnBrk="1" fontAlgn="auto" latinLnBrk="0" hangingPunct="1">
+                <a:lnSpc>
+                  <a:spcPct val="100000"/>
+                </a:lnSpc>
+                <a:spcBef>
+                  <a:spcPts val="0"/>
+                </a:spcBef>
+                <a:spcAft>
+                  <a:spcPts val="0"/>
+                </a:spcAft>
+                <a:buClrTx/>
+                <a:buSzTx/>
+                <a:buFontTx/>
+                <a:buNone/>
+                <a:tabLst/>
+                <a:defRPr/>
+              </a:pPr>
+              <a:r>
+                <a:rPr lang="fr-FR" sz="1200" kern="0" dirty="0" smtClean="0">
+                  <a:solidFill>
+                    <a:srgbClr val="FF0000"/>
+                  </a:solidFill>
+                  <a:latin typeface="Calibri"/>
+                </a:rPr>
+                <a:t>5</a:t>
+              </a:r>
+              <a:endParaRPr kumimoji="0" lang="fr-FR" sz="1200" b="0" i="0" u="none" strike="noStrike" kern="0" cap="none" spc="0" normalizeH="0" baseline="0" noProof="0" dirty="0" smtClean="0">
+                <a:ln>
+                  <a:noFill/>
+                </a:ln>
+                <a:solidFill>
+                  <a:srgbClr val="FF0000"/>
+                </a:solidFill>
+                <a:effectLst/>
+                <a:uLnTx/>
+                <a:uFillTx/>
+                <a:latin typeface="Calibri"/>
+              </a:endParaRPr>
+            </a:p>
+          </p:txBody>
+        </p:sp>
+      </p:grpSp>
+      <p:grpSp>
+        <p:nvGrpSpPr>
+          <p:cNvPr id="33" name="Groupe 32"/>
+          <p:cNvGrpSpPr/>
+          <p:nvPr/>
+        </p:nvGrpSpPr>
+        <p:grpSpPr>
+          <a:xfrm>
+            <a:off x="7236296" y="3212976"/>
+            <a:ext cx="1800000" cy="720000"/>
+            <a:chOff x="3680007" y="1353715"/>
+            <a:chExt cx="1800000" cy="720000"/>
+          </a:xfrm>
+        </p:grpSpPr>
+        <p:sp>
+          <p:nvSpPr>
+            <p:cNvPr id="34" name="Ellipse 33"/>
+            <p:cNvSpPr/>
+            <p:nvPr/>
+          </p:nvSpPr>
+          <p:spPr>
+            <a:xfrm>
+              <a:off x="4113069" y="1436541"/>
+              <a:ext cx="208486" cy="208486"/>
+            </a:xfrm>
+            <a:prstGeom prst="ellipse">
+              <a:avLst/>
+            </a:prstGeom>
+            <a:solidFill>
+              <a:srgbClr val="4BACC6">
+                <a:lumMod val="20000"/>
+                <a:lumOff val="80000"/>
+              </a:srgbClr>
+            </a:solidFill>
+            <a:ln w="9525" cap="flat" cmpd="sng" algn="ctr">
+              <a:solidFill>
+                <a:srgbClr val="4BACC6">
+                  <a:lumMod val="50000"/>
+                </a:srgbClr>
+              </a:solidFill>
+              <a:prstDash val="dash"/>
+            </a:ln>
+            <a:effectLst/>
+          </p:spPr>
+          <p:txBody>
+            <a:bodyPr rtlCol="0" anchor="ctr"/>
+            <a:lstStyle/>
+            <a:p>
+              <a:pPr marL="0" marR="0" lvl="0" indent="0" algn="ctr" defTabSz="914400" eaLnBrk="1" fontAlgn="auto" latinLnBrk="0" hangingPunct="1">
+                <a:lnSpc>
+                  <a:spcPct val="100000"/>
+                </a:lnSpc>
+                <a:spcBef>
+                  <a:spcPts val="0"/>
+                </a:spcBef>
+                <a:spcAft>
+                  <a:spcPts val="0"/>
+                </a:spcAft>
+                <a:buClrTx/>
+                <a:buSzTx/>
+                <a:buFontTx/>
+                <a:buNone/>
+                <a:tabLst/>
+                <a:defRPr/>
+              </a:pPr>
+              <a:endParaRPr kumimoji="0" lang="fr-FR" sz="1200" b="0" i="0" u="none" strike="noStrike" kern="0" cap="none" spc="0" normalizeH="0" baseline="0" noProof="0" smtClean="0">
+                <a:ln>
+                  <a:noFill/>
+                </a:ln>
+                <a:solidFill>
+                  <a:sysClr val="windowText" lastClr="000000"/>
+                </a:solidFill>
+                <a:effectLst/>
+                <a:uLnTx/>
+                <a:uFillTx/>
+                <a:latin typeface="Calibri"/>
+                <a:ea typeface="+mn-ea"/>
+                <a:cs typeface="+mn-cs"/>
+              </a:endParaRPr>
+            </a:p>
+          </p:txBody>
+        </p:sp>
+        <p:sp>
+          <p:nvSpPr>
+            <p:cNvPr id="35" name="Rectangle 34"/>
+            <p:cNvSpPr/>
+            <p:nvPr/>
+          </p:nvSpPr>
+          <p:spPr>
+            <a:xfrm>
+              <a:off x="3680007" y="1713715"/>
+              <a:ext cx="360000" cy="360000"/>
+            </a:xfrm>
+            <a:prstGeom prst="rect">
+              <a:avLst/>
+            </a:prstGeom>
+            <a:noFill/>
+            <a:ln w="19050" cap="flat" cmpd="sng" algn="ctr">
+              <a:solidFill>
+                <a:srgbClr val="FF0000"/>
+              </a:solidFill>
+              <a:prstDash val="solid"/>
+            </a:ln>
+            <a:effectLst/>
+          </p:spPr>
+          <p:txBody>
+            <a:bodyPr rtlCol="0" anchor="ctr"/>
+            <a:lstStyle/>
+            <a:p>
+              <a:pPr marL="0" marR="0" lvl="0" indent="0" algn="ctr" defTabSz="914400" eaLnBrk="1" fontAlgn="auto" latinLnBrk="0" hangingPunct="1">
+                <a:lnSpc>
+                  <a:spcPct val="100000"/>
+                </a:lnSpc>
+                <a:spcBef>
+                  <a:spcPts val="0"/>
+                </a:spcBef>
+                <a:spcAft>
+                  <a:spcPts val="0"/>
+                </a:spcAft>
+                <a:buClrTx/>
+                <a:buSzTx/>
+                <a:buFontTx/>
+                <a:buNone/>
+                <a:tabLst/>
+                <a:defRPr/>
+              </a:pPr>
+              <a:r>
+                <a:rPr kumimoji="0" lang="fr-FR" sz="1200" i="0" u="none" strike="noStrike" kern="0" cap="none" spc="0" normalizeH="0" baseline="0" noProof="0" dirty="0" smtClean="0">
+                  <a:ln>
+                    <a:noFill/>
+                  </a:ln>
+                  <a:solidFill>
+                    <a:sysClr val="windowText" lastClr="000000"/>
+                  </a:solidFill>
+                  <a:effectLst/>
+                  <a:uLnTx/>
+                  <a:uFillTx/>
+                  <a:latin typeface="Calibri"/>
+                  <a:ea typeface="+mn-ea"/>
+                  <a:cs typeface="+mn-cs"/>
+                </a:rPr>
+                <a:t>5</a:t>
+              </a:r>
+            </a:p>
+          </p:txBody>
+        </p:sp>
+        <p:sp>
+          <p:nvSpPr>
+            <p:cNvPr id="36" name="Rectangle 35"/>
+            <p:cNvSpPr/>
+            <p:nvPr/>
+          </p:nvSpPr>
+          <p:spPr>
+            <a:xfrm>
+              <a:off x="4400007" y="1713715"/>
+              <a:ext cx="360000" cy="360000"/>
+            </a:xfrm>
+            <a:prstGeom prst="rect">
+              <a:avLst/>
+            </a:prstGeom>
+            <a:noFill/>
+            <a:ln w="19050" cap="flat" cmpd="sng" algn="ctr">
+              <a:solidFill>
+                <a:srgbClr val="4BACC6">
+                  <a:lumMod val="50000"/>
+                </a:srgbClr>
+              </a:solidFill>
+              <a:prstDash val="solid"/>
+            </a:ln>
+            <a:effectLst/>
+          </p:spPr>
+          <p:txBody>
+            <a:bodyPr rtlCol="0" anchor="ctr"/>
+            <a:lstStyle/>
+            <a:p>
+              <a:pPr marL="0" marR="0" lvl="0" indent="0" algn="ctr" defTabSz="914400" eaLnBrk="1" fontAlgn="auto" latinLnBrk="0" hangingPunct="1">
+                <a:lnSpc>
+                  <a:spcPct val="100000"/>
+                </a:lnSpc>
+                <a:spcBef>
+                  <a:spcPts val="0"/>
+                </a:spcBef>
+                <a:spcAft>
+                  <a:spcPts val="0"/>
+                </a:spcAft>
+                <a:buClrTx/>
+                <a:buSzTx/>
+                <a:buFontTx/>
+                <a:buNone/>
+                <a:tabLst/>
+                <a:defRPr/>
+              </a:pPr>
+              <a:r>
+                <a:rPr kumimoji="0" lang="fr-FR" sz="1200" b="0" i="0" u="none" strike="noStrike" kern="0" cap="none" spc="0" normalizeH="0" baseline="0" noProof="0" dirty="0" smtClean="0">
+                  <a:ln>
+                    <a:noFill/>
+                  </a:ln>
+                  <a:solidFill>
+                    <a:sysClr val="windowText" lastClr="000000"/>
+                  </a:solidFill>
+                  <a:effectLst/>
+                  <a:uLnTx/>
+                  <a:uFillTx/>
+                  <a:latin typeface="Calibri"/>
+                  <a:ea typeface="+mn-ea"/>
+                  <a:cs typeface="+mn-cs"/>
+                </a:rPr>
+                <a:t>3</a:t>
+              </a:r>
+              <a:endParaRPr kumimoji="0" lang="fr-FR" sz="1200" b="0" i="0" u="none" strike="noStrike" kern="0" cap="none" spc="0" normalizeH="0" baseline="0" noProof="0" dirty="0" smtClean="0">
+                <a:ln>
+                  <a:noFill/>
+                </a:ln>
+                <a:solidFill>
+                  <a:sysClr val="windowText" lastClr="000000"/>
+                </a:solidFill>
+                <a:effectLst/>
+                <a:uLnTx/>
+                <a:uFillTx/>
+                <a:latin typeface="Calibri"/>
+                <a:ea typeface="+mn-ea"/>
+                <a:cs typeface="+mn-cs"/>
+              </a:endParaRPr>
+            </a:p>
+          </p:txBody>
+        </p:sp>
+        <p:sp>
+          <p:nvSpPr>
+            <p:cNvPr id="37" name="Rectangle 36"/>
+            <p:cNvSpPr/>
+            <p:nvPr/>
+          </p:nvSpPr>
+          <p:spPr>
+            <a:xfrm>
+              <a:off x="4760007" y="1713715"/>
+              <a:ext cx="360000" cy="360000"/>
+            </a:xfrm>
+            <a:prstGeom prst="rect">
+              <a:avLst/>
+            </a:prstGeom>
+            <a:noFill/>
+            <a:ln w="19050" cap="flat" cmpd="sng" algn="ctr">
+              <a:solidFill>
+                <a:srgbClr val="4BACC6">
+                  <a:lumMod val="50000"/>
+                </a:srgbClr>
+              </a:solidFill>
+              <a:prstDash val="solid"/>
+            </a:ln>
+            <a:effectLst/>
+          </p:spPr>
+          <p:txBody>
+            <a:bodyPr rtlCol="0" anchor="ctr"/>
+            <a:lstStyle/>
+            <a:p>
+              <a:pPr marL="0" marR="0" lvl="0" indent="0" algn="ctr" defTabSz="914400" eaLnBrk="1" fontAlgn="auto" latinLnBrk="0" hangingPunct="1">
+                <a:lnSpc>
+                  <a:spcPct val="100000"/>
+                </a:lnSpc>
+                <a:spcBef>
+                  <a:spcPts val="0"/>
+                </a:spcBef>
+                <a:spcAft>
+                  <a:spcPts val="0"/>
+                </a:spcAft>
+                <a:buClrTx/>
+                <a:buSzTx/>
+                <a:buFontTx/>
+                <a:buNone/>
+                <a:tabLst/>
+                <a:defRPr/>
+              </a:pPr>
+              <a:r>
+                <a:rPr kumimoji="0" lang="fr-FR" sz="1200" b="0" i="0" u="none" strike="noStrike" kern="0" cap="none" spc="0" normalizeH="0" baseline="0" noProof="0" dirty="0" smtClean="0">
+                  <a:ln>
+                    <a:noFill/>
+                  </a:ln>
+                  <a:solidFill>
+                    <a:sysClr val="windowText" lastClr="000000"/>
+                  </a:solidFill>
+                  <a:effectLst/>
+                  <a:uLnTx/>
+                  <a:uFillTx/>
+                  <a:latin typeface="Calibri"/>
+                  <a:ea typeface="+mn-ea"/>
+                  <a:cs typeface="+mn-cs"/>
+                </a:rPr>
+                <a:t>2</a:t>
+              </a:r>
+              <a:endParaRPr kumimoji="0" lang="fr-FR" sz="1200" b="0" i="0" u="none" strike="noStrike" kern="0" cap="none" spc="0" normalizeH="0" baseline="0" noProof="0" dirty="0" smtClean="0">
+                <a:ln>
+                  <a:noFill/>
+                </a:ln>
+                <a:solidFill>
+                  <a:sysClr val="windowText" lastClr="000000"/>
+                </a:solidFill>
+                <a:effectLst/>
+                <a:uLnTx/>
+                <a:uFillTx/>
+                <a:latin typeface="Calibri"/>
+                <a:ea typeface="+mn-ea"/>
+                <a:cs typeface="+mn-cs"/>
+              </a:endParaRPr>
+            </a:p>
+          </p:txBody>
+        </p:sp>
+        <p:sp>
+          <p:nvSpPr>
+            <p:cNvPr id="38" name="Rectangle 37"/>
+            <p:cNvSpPr/>
+            <p:nvPr/>
+          </p:nvSpPr>
+          <p:spPr>
+            <a:xfrm>
+              <a:off x="5120007" y="1713715"/>
+              <a:ext cx="360000" cy="360000"/>
+            </a:xfrm>
+            <a:prstGeom prst="rect">
+              <a:avLst/>
+            </a:prstGeom>
+            <a:noFill/>
+            <a:ln w="19050" cap="flat" cmpd="sng" algn="ctr">
+              <a:solidFill>
+                <a:srgbClr val="4BACC6">
+                  <a:lumMod val="50000"/>
+                </a:srgbClr>
+              </a:solidFill>
+              <a:prstDash val="solid"/>
+            </a:ln>
+            <a:effectLst/>
+          </p:spPr>
+          <p:txBody>
+            <a:bodyPr rtlCol="0" anchor="ctr"/>
+            <a:lstStyle/>
+            <a:p>
+              <a:pPr marL="0" marR="0" lvl="0" indent="0" algn="ctr" defTabSz="914400" eaLnBrk="1" fontAlgn="auto" latinLnBrk="0" hangingPunct="1">
+                <a:lnSpc>
+                  <a:spcPct val="100000"/>
+                </a:lnSpc>
+                <a:spcBef>
+                  <a:spcPts val="0"/>
+                </a:spcBef>
+                <a:spcAft>
+                  <a:spcPts val="0"/>
+                </a:spcAft>
+                <a:buClrTx/>
+                <a:buSzTx/>
+                <a:buFontTx/>
+                <a:buNone/>
+                <a:tabLst/>
+                <a:defRPr/>
+              </a:pPr>
+              <a:r>
+                <a:rPr kumimoji="0" lang="fr-FR" sz="1200" b="0" i="0" u="none" strike="noStrike" kern="0" cap="none" spc="0" normalizeH="0" baseline="0" noProof="0" dirty="0" smtClean="0">
+                  <a:ln>
+                    <a:noFill/>
+                  </a:ln>
+                  <a:solidFill>
+                    <a:sysClr val="windowText" lastClr="000000"/>
+                  </a:solidFill>
+                  <a:effectLst/>
+                  <a:uLnTx/>
+                  <a:uFillTx/>
+                  <a:latin typeface="Calibri"/>
+                  <a:ea typeface="+mn-ea"/>
+                  <a:cs typeface="+mn-cs"/>
+                </a:rPr>
+                <a:t>9</a:t>
+              </a:r>
+              <a:endParaRPr kumimoji="0" lang="fr-FR" sz="1200" b="0" i="0" u="none" strike="noStrike" kern="0" cap="none" spc="0" normalizeH="0" baseline="0" noProof="0" dirty="0" smtClean="0">
+                <a:ln>
+                  <a:noFill/>
+                </a:ln>
+                <a:solidFill>
+                  <a:sysClr val="windowText" lastClr="000000"/>
+                </a:solidFill>
+                <a:effectLst/>
+                <a:uLnTx/>
+                <a:uFillTx/>
+                <a:latin typeface="Calibri"/>
+                <a:ea typeface="+mn-ea"/>
+                <a:cs typeface="+mn-cs"/>
+              </a:endParaRPr>
+            </a:p>
+          </p:txBody>
+        </p:sp>
+        <p:sp>
+          <p:nvSpPr>
+            <p:cNvPr id="39" name="Rectangle 38"/>
+            <p:cNvSpPr/>
+            <p:nvPr/>
+          </p:nvSpPr>
+          <p:spPr>
+            <a:xfrm>
+              <a:off x="3680007" y="1353715"/>
+              <a:ext cx="360000" cy="360000"/>
+            </a:xfrm>
+            <a:prstGeom prst="rect">
+              <a:avLst/>
+            </a:prstGeom>
+            <a:noFill/>
+            <a:ln w="19050" cap="flat" cmpd="sng" algn="ctr">
+              <a:noFill/>
+              <a:prstDash val="solid"/>
+            </a:ln>
+            <a:effectLst/>
+          </p:spPr>
+          <p:txBody>
+            <a:bodyPr rtlCol="0" anchor="ctr"/>
+            <a:lstStyle/>
+            <a:p>
+              <a:pPr marL="0" marR="0" lvl="0" indent="0" algn="ctr" defTabSz="914400" eaLnBrk="1" fontAlgn="auto" latinLnBrk="0" hangingPunct="1">
+                <a:lnSpc>
+                  <a:spcPct val="100000"/>
+                </a:lnSpc>
+                <a:spcBef>
+                  <a:spcPts val="0"/>
+                </a:spcBef>
+                <a:spcAft>
+                  <a:spcPts val="0"/>
+                </a:spcAft>
+                <a:buClrTx/>
+                <a:buSzTx/>
+                <a:buFontTx/>
+                <a:buNone/>
+                <a:tabLst/>
+                <a:defRPr/>
+              </a:pPr>
+              <a:r>
+                <a:rPr kumimoji="0" lang="fr-FR" sz="1200" b="0" i="0" u="none" strike="noStrike" kern="0" cap="none" spc="0" normalizeH="0" baseline="0" noProof="0" dirty="0" smtClean="0">
+                  <a:ln>
+                    <a:noFill/>
+                  </a:ln>
+                  <a:solidFill>
+                    <a:sysClr val="windowText" lastClr="000000"/>
+                  </a:solidFill>
+                  <a:effectLst/>
+                  <a:uLnTx/>
+                  <a:uFillTx/>
+                  <a:latin typeface="Calibri"/>
+                  <a:ea typeface="+mn-ea"/>
+                  <a:cs typeface="+mn-cs"/>
+                </a:rPr>
+                <a:t>0</a:t>
+              </a:r>
+            </a:p>
+          </p:txBody>
+        </p:sp>
+        <p:sp>
+          <p:nvSpPr>
+            <p:cNvPr id="40" name="Rectangle 39"/>
+            <p:cNvSpPr/>
+            <p:nvPr/>
+          </p:nvSpPr>
+          <p:spPr>
+            <a:xfrm>
+              <a:off x="4040007" y="1353715"/>
+              <a:ext cx="360000" cy="360000"/>
+            </a:xfrm>
+            <a:prstGeom prst="rect">
+              <a:avLst/>
+            </a:prstGeom>
+            <a:noFill/>
+            <a:ln w="19050" cap="flat" cmpd="sng" algn="ctr">
+              <a:noFill/>
+              <a:prstDash val="solid"/>
+            </a:ln>
+            <a:effectLst/>
+          </p:spPr>
+          <p:txBody>
+            <a:bodyPr rtlCol="0" anchor="ctr"/>
+            <a:lstStyle/>
+            <a:p>
+              <a:pPr marL="0" marR="0" lvl="0" indent="0" algn="ctr" defTabSz="914400" eaLnBrk="1" fontAlgn="auto" latinLnBrk="0" hangingPunct="1">
+                <a:lnSpc>
+                  <a:spcPct val="100000"/>
+                </a:lnSpc>
+                <a:spcBef>
+                  <a:spcPts val="0"/>
+                </a:spcBef>
+                <a:spcAft>
+                  <a:spcPts val="0"/>
+                </a:spcAft>
+                <a:buClrTx/>
+                <a:buSzTx/>
+                <a:buFontTx/>
+                <a:buNone/>
+                <a:tabLst/>
+                <a:defRPr/>
+              </a:pPr>
+              <a:r>
+                <a:rPr kumimoji="0" lang="fr-FR" sz="1200" b="0" i="0" u="none" strike="noStrike" kern="0" cap="none" spc="0" normalizeH="0" baseline="0" noProof="0" dirty="0" smtClean="0">
+                  <a:ln>
+                    <a:noFill/>
+                  </a:ln>
+                  <a:solidFill>
+                    <a:sysClr val="windowText" lastClr="000000"/>
+                  </a:solidFill>
+                  <a:effectLst/>
+                  <a:uLnTx/>
+                  <a:uFillTx/>
+                  <a:latin typeface="Calibri"/>
+                  <a:ea typeface="+mn-ea"/>
+                  <a:cs typeface="+mn-cs"/>
+                </a:rPr>
+                <a:t>1</a:t>
+              </a:r>
+            </a:p>
+          </p:txBody>
+        </p:sp>
+        <p:sp>
+          <p:nvSpPr>
+            <p:cNvPr id="41" name="Rectangle 40"/>
+            <p:cNvSpPr/>
+            <p:nvPr/>
+          </p:nvSpPr>
+          <p:spPr>
+            <a:xfrm>
+              <a:off x="4400007" y="1353715"/>
+              <a:ext cx="360000" cy="360000"/>
+            </a:xfrm>
+            <a:prstGeom prst="rect">
+              <a:avLst/>
+            </a:prstGeom>
+            <a:noFill/>
+            <a:ln w="19050" cap="flat" cmpd="sng" algn="ctr">
+              <a:noFill/>
+              <a:prstDash val="solid"/>
+            </a:ln>
+            <a:effectLst/>
+          </p:spPr>
+          <p:txBody>
+            <a:bodyPr rtlCol="0" anchor="ctr"/>
+            <a:lstStyle/>
+            <a:p>
+              <a:pPr marL="0" marR="0" lvl="0" indent="0" algn="ctr" defTabSz="914400" eaLnBrk="1" fontAlgn="auto" latinLnBrk="0" hangingPunct="1">
+                <a:lnSpc>
+                  <a:spcPct val="100000"/>
+                </a:lnSpc>
+                <a:spcBef>
+                  <a:spcPts val="0"/>
+                </a:spcBef>
+                <a:spcAft>
+                  <a:spcPts val="0"/>
+                </a:spcAft>
+                <a:buClrTx/>
+                <a:buSzTx/>
+                <a:buFontTx/>
+                <a:buNone/>
+                <a:tabLst/>
+                <a:defRPr/>
+              </a:pPr>
+              <a:r>
+                <a:rPr kumimoji="0" lang="fr-FR" sz="1200" b="0" i="0" u="none" strike="noStrike" kern="0" cap="none" spc="0" normalizeH="0" baseline="0" noProof="0" dirty="0" smtClean="0">
+                  <a:ln>
+                    <a:noFill/>
+                  </a:ln>
+                  <a:solidFill>
+                    <a:sysClr val="windowText" lastClr="000000"/>
+                  </a:solidFill>
+                  <a:effectLst/>
+                  <a:uLnTx/>
+                  <a:uFillTx/>
+                  <a:latin typeface="Calibri"/>
+                  <a:ea typeface="+mn-ea"/>
+                  <a:cs typeface="+mn-cs"/>
+                </a:rPr>
+                <a:t>2</a:t>
+              </a:r>
+            </a:p>
+          </p:txBody>
+        </p:sp>
+        <p:sp>
+          <p:nvSpPr>
+            <p:cNvPr id="42" name="Rectangle 41"/>
+            <p:cNvSpPr/>
+            <p:nvPr/>
+          </p:nvSpPr>
+          <p:spPr>
+            <a:xfrm>
+              <a:off x="4760007" y="1353715"/>
+              <a:ext cx="360000" cy="360000"/>
+            </a:xfrm>
+            <a:prstGeom prst="rect">
+              <a:avLst/>
+            </a:prstGeom>
+            <a:noFill/>
+            <a:ln w="19050" cap="flat" cmpd="sng" algn="ctr">
+              <a:noFill/>
+              <a:prstDash val="solid"/>
+            </a:ln>
+            <a:effectLst/>
+          </p:spPr>
+          <p:txBody>
+            <a:bodyPr rtlCol="0" anchor="ctr"/>
+            <a:lstStyle/>
+            <a:p>
+              <a:pPr marL="0" marR="0" lvl="0" indent="0" algn="ctr" defTabSz="914400" eaLnBrk="1" fontAlgn="auto" latinLnBrk="0" hangingPunct="1">
+                <a:lnSpc>
+                  <a:spcPct val="100000"/>
+                </a:lnSpc>
+                <a:spcBef>
+                  <a:spcPts val="0"/>
+                </a:spcBef>
+                <a:spcAft>
+                  <a:spcPts val="0"/>
+                </a:spcAft>
+                <a:buClrTx/>
+                <a:buSzTx/>
+                <a:buFontTx/>
+                <a:buNone/>
+                <a:tabLst/>
+                <a:defRPr/>
+              </a:pPr>
+              <a:r>
+                <a:rPr kumimoji="0" lang="fr-FR" sz="1200" b="0" i="0" u="none" strike="noStrike" kern="0" cap="none" spc="0" normalizeH="0" baseline="0" noProof="0" dirty="0" smtClean="0">
+                  <a:ln>
+                    <a:noFill/>
+                  </a:ln>
+                  <a:solidFill>
+                    <a:sysClr val="windowText" lastClr="000000"/>
+                  </a:solidFill>
+                  <a:effectLst/>
+                  <a:uLnTx/>
+                  <a:uFillTx/>
+                  <a:latin typeface="Calibri"/>
+                  <a:ea typeface="+mn-ea"/>
+                  <a:cs typeface="+mn-cs"/>
+                </a:rPr>
+                <a:t>3</a:t>
+              </a:r>
+            </a:p>
+          </p:txBody>
+        </p:sp>
+        <p:sp>
+          <p:nvSpPr>
+            <p:cNvPr id="43" name="Rectangle 42"/>
+            <p:cNvSpPr/>
+            <p:nvPr/>
+          </p:nvSpPr>
+          <p:spPr>
+            <a:xfrm>
+              <a:off x="5120007" y="1353715"/>
+              <a:ext cx="360000" cy="360000"/>
+            </a:xfrm>
+            <a:prstGeom prst="rect">
+              <a:avLst/>
+            </a:prstGeom>
+            <a:noFill/>
+            <a:ln w="19050" cap="flat" cmpd="sng" algn="ctr">
+              <a:noFill/>
+              <a:prstDash val="solid"/>
+            </a:ln>
+            <a:effectLst/>
+          </p:spPr>
+          <p:txBody>
+            <a:bodyPr rtlCol="0" anchor="ctr"/>
+            <a:lstStyle/>
+            <a:p>
+              <a:pPr marL="0" marR="0" lvl="0" indent="0" algn="ctr" defTabSz="914400" eaLnBrk="1" fontAlgn="auto" latinLnBrk="0" hangingPunct="1">
+                <a:lnSpc>
+                  <a:spcPct val="100000"/>
+                </a:lnSpc>
+                <a:spcBef>
+                  <a:spcPts val="0"/>
+                </a:spcBef>
+                <a:spcAft>
+                  <a:spcPts val="0"/>
+                </a:spcAft>
+                <a:buClrTx/>
+                <a:buSzTx/>
+                <a:buFontTx/>
+                <a:buNone/>
+                <a:tabLst/>
+                <a:defRPr/>
+              </a:pPr>
+              <a:r>
+                <a:rPr kumimoji="0" lang="fr-FR" sz="1200" b="0" i="0" u="none" strike="noStrike" kern="0" cap="none" spc="0" normalizeH="0" baseline="0" noProof="0" dirty="0" smtClean="0">
+                  <a:ln>
+                    <a:noFill/>
+                  </a:ln>
+                  <a:solidFill>
+                    <a:sysClr val="windowText" lastClr="000000"/>
+                  </a:solidFill>
+                  <a:effectLst/>
+                  <a:uLnTx/>
+                  <a:uFillTx/>
+                  <a:latin typeface="Calibri"/>
+                  <a:ea typeface="+mn-ea"/>
+                  <a:cs typeface="+mn-cs"/>
+                </a:rPr>
+                <a:t>4</a:t>
+              </a:r>
+            </a:p>
+          </p:txBody>
+        </p:sp>
+        <p:sp>
+          <p:nvSpPr>
+            <p:cNvPr id="44" name="Rectangle 43"/>
+            <p:cNvSpPr/>
+            <p:nvPr/>
+          </p:nvSpPr>
+          <p:spPr>
+            <a:xfrm>
+              <a:off x="4040007" y="1713715"/>
+              <a:ext cx="360000" cy="360000"/>
+            </a:xfrm>
+            <a:prstGeom prst="rect">
+              <a:avLst/>
+            </a:prstGeom>
+            <a:noFill/>
+            <a:ln w="19050" cap="flat" cmpd="sng" algn="ctr">
+              <a:solidFill>
+                <a:srgbClr val="FF0000"/>
+              </a:solidFill>
+              <a:prstDash val="solid"/>
+            </a:ln>
+            <a:effectLst/>
+          </p:spPr>
+          <p:txBody>
+            <a:bodyPr rtlCol="0" anchor="ctr"/>
+            <a:lstStyle/>
+            <a:p>
+              <a:pPr marL="0" marR="0" lvl="0" indent="0" algn="ctr" defTabSz="914400" eaLnBrk="1" fontAlgn="auto" latinLnBrk="0" hangingPunct="1">
+                <a:lnSpc>
+                  <a:spcPct val="100000"/>
+                </a:lnSpc>
+                <a:spcBef>
+                  <a:spcPts val="0"/>
+                </a:spcBef>
+                <a:spcAft>
+                  <a:spcPts val="0"/>
+                </a:spcAft>
+                <a:buClrTx/>
+                <a:buSzTx/>
+                <a:buFontTx/>
+                <a:buNone/>
+                <a:tabLst/>
+                <a:defRPr/>
+              </a:pPr>
+              <a:r>
+                <a:rPr lang="fr-FR" sz="1200" kern="0" noProof="0" dirty="0">
+                  <a:solidFill>
+                    <a:srgbClr val="FF0000"/>
+                  </a:solidFill>
+                  <a:latin typeface="Calibri"/>
+                </a:rPr>
+                <a:t>8</a:t>
+              </a:r>
+              <a:endParaRPr kumimoji="0" lang="fr-FR" sz="1200" b="0" i="0" u="none" strike="noStrike" kern="0" cap="none" spc="0" normalizeH="0" baseline="0" noProof="0" dirty="0" smtClean="0">
+                <a:ln>
+                  <a:noFill/>
+                </a:ln>
+                <a:solidFill>
+                  <a:srgbClr val="FF0000"/>
+                </a:solidFill>
+                <a:effectLst/>
+                <a:uLnTx/>
+                <a:uFillTx/>
+                <a:latin typeface="Calibri"/>
+              </a:endParaRPr>
+            </a:p>
+          </p:txBody>
+        </p:sp>
+      </p:grpSp>
+      <p:sp>
+        <p:nvSpPr>
+          <p:cNvPr id="46" name="Ellipse 45"/>
+          <p:cNvSpPr/>
+          <p:nvPr/>
+        </p:nvSpPr>
+        <p:spPr>
+          <a:xfrm>
+            <a:off x="327277" y="4879978"/>
+            <a:ext cx="208486" cy="208486"/>
+          </a:xfrm>
+          <a:prstGeom prst="ellipse">
+            <a:avLst/>
+          </a:prstGeom>
+          <a:solidFill>
+            <a:srgbClr val="4BACC6">
+              <a:lumMod val="20000"/>
+              <a:lumOff val="80000"/>
+            </a:srgbClr>
+          </a:solidFill>
+          <a:ln w="9525" cap="flat" cmpd="sng" algn="ctr">
+            <a:solidFill>
+              <a:srgbClr val="4BACC6">
+                <a:lumMod val="50000"/>
+              </a:srgbClr>
+            </a:solidFill>
+            <a:prstDash val="dash"/>
+          </a:ln>
+          <a:effectLst/>
+        </p:spPr>
+        <p:txBody>
+          <a:bodyPr rtlCol="0" anchor="ctr"/>
+          <a:lstStyle/>
+          <a:p>
+            <a:pPr marL="0" marR="0" lvl="0" indent="0" algn="ctr" defTabSz="914400" eaLnBrk="1" fontAlgn="auto" latinLnBrk="0" hangingPunct="1">
+              <a:lnSpc>
+                <a:spcPct val="100000"/>
+              </a:lnSpc>
+              <a:spcBef>
+                <a:spcPts val="0"/>
+              </a:spcBef>
+              <a:spcAft>
+                <a:spcPts val="0"/>
+              </a:spcAft>
+              <a:buClrTx/>
+              <a:buSzTx/>
+              <a:buFontTx/>
+              <a:buNone/>
+              <a:tabLst/>
+              <a:defRPr/>
+            </a:pPr>
+            <a:endParaRPr kumimoji="0" lang="fr-FR" sz="1200" b="0" i="0" u="none" strike="noStrike" kern="0" cap="none" spc="0" normalizeH="0" baseline="0" noProof="0" smtClean="0">
+              <a:ln>
+                <a:noFill/>
+              </a:ln>
+              <a:solidFill>
+                <a:sysClr val="windowText" lastClr="000000"/>
+              </a:solidFill>
+              <a:effectLst/>
+              <a:uLnTx/>
+              <a:uFillTx/>
+              <a:latin typeface="Calibri"/>
+              <a:ea typeface="+mn-ea"/>
+              <a:cs typeface="+mn-cs"/>
+            </a:endParaRPr>
+          </a:p>
+        </p:txBody>
+      </p:sp>
+      <p:sp>
+        <p:nvSpPr>
+          <p:cNvPr id="47" name="Rectangle 46"/>
+          <p:cNvSpPr/>
+          <p:nvPr/>
+        </p:nvSpPr>
+        <p:spPr>
+          <a:xfrm>
+            <a:off x="251520" y="5157152"/>
+            <a:ext cx="360000" cy="360000"/>
+          </a:xfrm>
+          <a:prstGeom prst="rect">
+            <a:avLst/>
+          </a:prstGeom>
+          <a:noFill/>
+          <a:ln w="19050" cap="flat" cmpd="sng" algn="ctr">
+            <a:solidFill>
+              <a:srgbClr val="FF0000"/>
+            </a:solidFill>
+            <a:prstDash val="solid"/>
+          </a:ln>
+          <a:effectLst/>
+        </p:spPr>
+        <p:txBody>
+          <a:bodyPr rtlCol="0" anchor="ctr"/>
+          <a:lstStyle/>
+          <a:p>
+            <a:pPr marL="0" marR="0" lvl="0" indent="0" algn="ctr" defTabSz="914400" eaLnBrk="1" fontAlgn="auto" latinLnBrk="0" hangingPunct="1">
+              <a:lnSpc>
+                <a:spcPct val="100000"/>
+              </a:lnSpc>
+              <a:spcBef>
+                <a:spcPts val="0"/>
+              </a:spcBef>
+              <a:spcAft>
+                <a:spcPts val="0"/>
+              </a:spcAft>
+              <a:buClrTx/>
+              <a:buSzTx/>
+              <a:buFontTx/>
+              <a:buNone/>
+              <a:tabLst/>
+              <a:defRPr/>
+            </a:pPr>
+            <a:r>
+              <a:rPr kumimoji="0" lang="fr-FR" sz="1200" i="0" u="none" strike="noStrike" kern="0" cap="none" spc="0" normalizeH="0" baseline="0" noProof="0" dirty="0" smtClean="0">
+                <a:ln>
+                  <a:noFill/>
+                </a:ln>
+                <a:solidFill>
+                  <a:sysClr val="windowText" lastClr="000000"/>
+                </a:solidFill>
+                <a:effectLst/>
+                <a:uLnTx/>
+                <a:uFillTx/>
+                <a:latin typeface="Calibri"/>
+                <a:ea typeface="+mn-ea"/>
+                <a:cs typeface="+mn-cs"/>
+              </a:rPr>
+              <a:t>5</a:t>
+            </a:r>
+          </a:p>
+        </p:txBody>
+      </p:sp>
+      <p:sp>
+        <p:nvSpPr>
+          <p:cNvPr id="49" name="Rectangle 48"/>
+          <p:cNvSpPr/>
+          <p:nvPr/>
+        </p:nvSpPr>
+        <p:spPr>
+          <a:xfrm>
+            <a:off x="1331520" y="5157152"/>
+            <a:ext cx="360000" cy="360000"/>
+          </a:xfrm>
+          <a:prstGeom prst="rect">
+            <a:avLst/>
+          </a:prstGeom>
+          <a:noFill/>
+          <a:ln w="19050" cap="flat" cmpd="sng" algn="ctr">
+            <a:solidFill>
+              <a:srgbClr val="4BACC6">
+                <a:lumMod val="50000"/>
+              </a:srgbClr>
+            </a:solidFill>
+            <a:prstDash val="solid"/>
+          </a:ln>
+          <a:effectLst/>
+        </p:spPr>
+        <p:txBody>
+          <a:bodyPr rtlCol="0" anchor="ctr"/>
+          <a:lstStyle/>
+          <a:p>
+            <a:pPr marL="0" marR="0" lvl="0" indent="0" algn="ctr" defTabSz="914400" eaLnBrk="1" fontAlgn="auto" latinLnBrk="0" hangingPunct="1">
+              <a:lnSpc>
+                <a:spcPct val="100000"/>
+              </a:lnSpc>
+              <a:spcBef>
+                <a:spcPts val="0"/>
+              </a:spcBef>
+              <a:spcAft>
+                <a:spcPts val="0"/>
+              </a:spcAft>
+              <a:buClrTx/>
+              <a:buSzTx/>
+              <a:buFontTx/>
+              <a:buNone/>
+              <a:tabLst/>
+              <a:defRPr/>
+            </a:pPr>
+            <a:r>
+              <a:rPr kumimoji="0" lang="fr-FR" sz="1200" b="0" i="0" u="none" strike="noStrike" kern="0" cap="none" spc="0" normalizeH="0" baseline="0" noProof="0" dirty="0" smtClean="0">
+                <a:ln>
+                  <a:noFill/>
+                </a:ln>
+                <a:solidFill>
+                  <a:sysClr val="windowText" lastClr="000000"/>
+                </a:solidFill>
+                <a:effectLst/>
+                <a:uLnTx/>
+                <a:uFillTx/>
+                <a:latin typeface="Calibri"/>
+                <a:ea typeface="+mn-ea"/>
+                <a:cs typeface="+mn-cs"/>
+              </a:rPr>
+              <a:t>2</a:t>
+            </a:r>
+            <a:endParaRPr kumimoji="0" lang="fr-FR" sz="1200" b="0" i="0" u="none" strike="noStrike" kern="0" cap="none" spc="0" normalizeH="0" baseline="0" noProof="0" dirty="0" smtClean="0">
+              <a:ln>
+                <a:noFill/>
+              </a:ln>
+              <a:solidFill>
+                <a:sysClr val="windowText" lastClr="000000"/>
+              </a:solidFill>
+              <a:effectLst/>
+              <a:uLnTx/>
+              <a:uFillTx/>
+              <a:latin typeface="Calibri"/>
+              <a:ea typeface="+mn-ea"/>
+              <a:cs typeface="+mn-cs"/>
+            </a:endParaRPr>
+          </a:p>
+        </p:txBody>
+      </p:sp>
+      <p:sp>
+        <p:nvSpPr>
+          <p:cNvPr id="50" name="Rectangle 49"/>
+          <p:cNvSpPr/>
+          <p:nvPr/>
+        </p:nvSpPr>
+        <p:spPr>
+          <a:xfrm>
+            <a:off x="1691520" y="5157152"/>
+            <a:ext cx="360000" cy="360000"/>
+          </a:xfrm>
+          <a:prstGeom prst="rect">
+            <a:avLst/>
+          </a:prstGeom>
+          <a:noFill/>
+          <a:ln w="19050" cap="flat" cmpd="sng" algn="ctr">
+            <a:solidFill>
+              <a:srgbClr val="4BACC6">
+                <a:lumMod val="50000"/>
+              </a:srgbClr>
+            </a:solidFill>
+            <a:prstDash val="solid"/>
+          </a:ln>
+          <a:effectLst/>
+        </p:spPr>
+        <p:txBody>
+          <a:bodyPr rtlCol="0" anchor="ctr"/>
+          <a:lstStyle/>
+          <a:p>
+            <a:pPr marL="0" marR="0" lvl="0" indent="0" algn="ctr" defTabSz="914400" eaLnBrk="1" fontAlgn="auto" latinLnBrk="0" hangingPunct="1">
+              <a:lnSpc>
+                <a:spcPct val="100000"/>
+              </a:lnSpc>
+              <a:spcBef>
+                <a:spcPts val="0"/>
+              </a:spcBef>
+              <a:spcAft>
+                <a:spcPts val="0"/>
+              </a:spcAft>
+              <a:buClrTx/>
+              <a:buSzTx/>
+              <a:buFontTx/>
+              <a:buNone/>
+              <a:tabLst/>
+              <a:defRPr/>
+            </a:pPr>
+            <a:r>
+              <a:rPr kumimoji="0" lang="fr-FR" sz="1200" b="0" i="0" u="none" strike="noStrike" kern="0" cap="none" spc="0" normalizeH="0" baseline="0" noProof="0" dirty="0" smtClean="0">
+                <a:ln>
+                  <a:noFill/>
+                </a:ln>
+                <a:solidFill>
+                  <a:sysClr val="windowText" lastClr="000000"/>
+                </a:solidFill>
+                <a:effectLst/>
+                <a:uLnTx/>
+                <a:uFillTx/>
+                <a:latin typeface="Calibri"/>
+                <a:ea typeface="+mn-ea"/>
+                <a:cs typeface="+mn-cs"/>
+              </a:rPr>
+              <a:t>9</a:t>
+            </a:r>
+            <a:endParaRPr kumimoji="0" lang="fr-FR" sz="1200" b="0" i="0" u="none" strike="noStrike" kern="0" cap="none" spc="0" normalizeH="0" baseline="0" noProof="0" dirty="0" smtClean="0">
+              <a:ln>
+                <a:noFill/>
+              </a:ln>
+              <a:solidFill>
+                <a:sysClr val="windowText" lastClr="000000"/>
+              </a:solidFill>
+              <a:effectLst/>
+              <a:uLnTx/>
+              <a:uFillTx/>
+              <a:latin typeface="Calibri"/>
+              <a:ea typeface="+mn-ea"/>
+              <a:cs typeface="+mn-cs"/>
+            </a:endParaRPr>
+          </a:p>
+        </p:txBody>
+      </p:sp>
+      <p:sp>
+        <p:nvSpPr>
+          <p:cNvPr id="51" name="Rectangle 50"/>
+          <p:cNvSpPr/>
+          <p:nvPr/>
+        </p:nvSpPr>
+        <p:spPr>
+          <a:xfrm>
+            <a:off x="251520" y="4797152"/>
+            <a:ext cx="360000" cy="360000"/>
+          </a:xfrm>
+          <a:prstGeom prst="rect">
+            <a:avLst/>
+          </a:prstGeom>
+          <a:noFill/>
+          <a:ln w="19050" cap="flat" cmpd="sng" algn="ctr">
+            <a:noFill/>
+            <a:prstDash val="solid"/>
+          </a:ln>
+          <a:effectLst/>
+        </p:spPr>
+        <p:txBody>
+          <a:bodyPr rtlCol="0" anchor="ctr"/>
+          <a:lstStyle/>
+          <a:p>
+            <a:pPr marL="0" marR="0" lvl="0" indent="0" algn="ctr" defTabSz="914400" eaLnBrk="1" fontAlgn="auto" latinLnBrk="0" hangingPunct="1">
+              <a:lnSpc>
+                <a:spcPct val="100000"/>
+              </a:lnSpc>
+              <a:spcBef>
+                <a:spcPts val="0"/>
+              </a:spcBef>
+              <a:spcAft>
+                <a:spcPts val="0"/>
+              </a:spcAft>
+              <a:buClrTx/>
+              <a:buSzTx/>
+              <a:buFontTx/>
+              <a:buNone/>
+              <a:tabLst/>
+              <a:defRPr/>
+            </a:pPr>
+            <a:r>
+              <a:rPr kumimoji="0" lang="fr-FR" sz="1200" b="0" i="0" u="none" strike="noStrike" kern="0" cap="none" spc="0" normalizeH="0" baseline="0" noProof="0" dirty="0" smtClean="0">
+                <a:ln>
+                  <a:noFill/>
+                </a:ln>
+                <a:solidFill>
+                  <a:sysClr val="windowText" lastClr="000000"/>
+                </a:solidFill>
+                <a:effectLst/>
+                <a:uLnTx/>
+                <a:uFillTx/>
+                <a:latin typeface="Calibri"/>
+                <a:ea typeface="+mn-ea"/>
+                <a:cs typeface="+mn-cs"/>
+              </a:rPr>
+              <a:t>0</a:t>
+            </a:r>
+          </a:p>
+        </p:txBody>
+      </p:sp>
+      <p:sp>
+        <p:nvSpPr>
+          <p:cNvPr id="52" name="Rectangle 51"/>
+          <p:cNvSpPr/>
+          <p:nvPr/>
+        </p:nvSpPr>
+        <p:spPr>
+          <a:xfrm>
+            <a:off x="611520" y="4797152"/>
+            <a:ext cx="360000" cy="360000"/>
+          </a:xfrm>
+          <a:prstGeom prst="rect">
+            <a:avLst/>
+          </a:prstGeom>
+          <a:noFill/>
+          <a:ln w="19050" cap="flat" cmpd="sng" algn="ctr">
+            <a:noFill/>
+            <a:prstDash val="solid"/>
+          </a:ln>
+          <a:effectLst/>
+        </p:spPr>
+        <p:txBody>
+          <a:bodyPr rtlCol="0" anchor="ctr"/>
+          <a:lstStyle/>
+          <a:p>
+            <a:pPr marL="0" marR="0" lvl="0" indent="0" algn="ctr" defTabSz="914400" eaLnBrk="1" fontAlgn="auto" latinLnBrk="0" hangingPunct="1">
+              <a:lnSpc>
+                <a:spcPct val="100000"/>
+              </a:lnSpc>
+              <a:spcBef>
+                <a:spcPts val="0"/>
+              </a:spcBef>
+              <a:spcAft>
+                <a:spcPts val="0"/>
+              </a:spcAft>
+              <a:buClrTx/>
+              <a:buSzTx/>
+              <a:buFontTx/>
+              <a:buNone/>
+              <a:tabLst/>
+              <a:defRPr/>
+            </a:pPr>
+            <a:r>
+              <a:rPr kumimoji="0" lang="fr-FR" sz="1200" b="0" i="0" u="none" strike="noStrike" kern="0" cap="none" spc="0" normalizeH="0" baseline="0" noProof="0" dirty="0" smtClean="0">
+                <a:ln>
+                  <a:noFill/>
+                </a:ln>
+                <a:solidFill>
+                  <a:sysClr val="windowText" lastClr="000000"/>
+                </a:solidFill>
+                <a:effectLst/>
+                <a:uLnTx/>
+                <a:uFillTx/>
+                <a:latin typeface="Calibri"/>
+                <a:ea typeface="+mn-ea"/>
+                <a:cs typeface="+mn-cs"/>
+              </a:rPr>
+              <a:t>1</a:t>
+            </a:r>
+          </a:p>
+        </p:txBody>
+      </p:sp>
+      <p:sp>
+        <p:nvSpPr>
+          <p:cNvPr id="53" name="Rectangle 52"/>
+          <p:cNvSpPr/>
+          <p:nvPr/>
+        </p:nvSpPr>
+        <p:spPr>
+          <a:xfrm>
+            <a:off x="971520" y="4797152"/>
+            <a:ext cx="360000" cy="360000"/>
+          </a:xfrm>
+          <a:prstGeom prst="rect">
+            <a:avLst/>
+          </a:prstGeom>
+          <a:noFill/>
+          <a:ln w="19050" cap="flat" cmpd="sng" algn="ctr">
+            <a:noFill/>
+            <a:prstDash val="solid"/>
+          </a:ln>
+          <a:effectLst/>
+        </p:spPr>
+        <p:txBody>
+          <a:bodyPr rtlCol="0" anchor="ctr"/>
+          <a:lstStyle/>
+          <a:p>
+            <a:pPr marL="0" marR="0" lvl="0" indent="0" algn="ctr" defTabSz="914400" eaLnBrk="1" fontAlgn="auto" latinLnBrk="0" hangingPunct="1">
+              <a:lnSpc>
+                <a:spcPct val="100000"/>
+              </a:lnSpc>
+              <a:spcBef>
+                <a:spcPts val="0"/>
+              </a:spcBef>
+              <a:spcAft>
+                <a:spcPts val="0"/>
+              </a:spcAft>
+              <a:buClrTx/>
+              <a:buSzTx/>
+              <a:buFontTx/>
+              <a:buNone/>
+              <a:tabLst/>
+              <a:defRPr/>
+            </a:pPr>
+            <a:r>
+              <a:rPr kumimoji="0" lang="fr-FR" sz="1200" b="0" i="0" u="none" strike="noStrike" kern="0" cap="none" spc="0" normalizeH="0" baseline="0" noProof="0" dirty="0" smtClean="0">
+                <a:ln>
+                  <a:noFill/>
+                </a:ln>
+                <a:solidFill>
+                  <a:sysClr val="windowText" lastClr="000000"/>
+                </a:solidFill>
+                <a:effectLst/>
+                <a:uLnTx/>
+                <a:uFillTx/>
+                <a:latin typeface="Calibri"/>
+                <a:ea typeface="+mn-ea"/>
+                <a:cs typeface="+mn-cs"/>
+              </a:rPr>
+              <a:t>2</a:t>
+            </a:r>
+          </a:p>
+        </p:txBody>
+      </p:sp>
+      <p:sp>
+        <p:nvSpPr>
+          <p:cNvPr id="54" name="Rectangle 53"/>
+          <p:cNvSpPr/>
+          <p:nvPr/>
+        </p:nvSpPr>
+        <p:spPr>
+          <a:xfrm>
+            <a:off x="1331520" y="4797152"/>
+            <a:ext cx="360000" cy="360000"/>
+          </a:xfrm>
+          <a:prstGeom prst="rect">
+            <a:avLst/>
+          </a:prstGeom>
+          <a:noFill/>
+          <a:ln w="19050" cap="flat" cmpd="sng" algn="ctr">
+            <a:noFill/>
+            <a:prstDash val="solid"/>
+          </a:ln>
+          <a:effectLst/>
+        </p:spPr>
+        <p:txBody>
+          <a:bodyPr rtlCol="0" anchor="ctr"/>
+          <a:lstStyle/>
+          <a:p>
+            <a:pPr marL="0" marR="0" lvl="0" indent="0" algn="ctr" defTabSz="914400" eaLnBrk="1" fontAlgn="auto" latinLnBrk="0" hangingPunct="1">
+              <a:lnSpc>
+                <a:spcPct val="100000"/>
+              </a:lnSpc>
+              <a:spcBef>
+                <a:spcPts val="0"/>
+              </a:spcBef>
+              <a:spcAft>
+                <a:spcPts val="0"/>
+              </a:spcAft>
+              <a:buClrTx/>
+              <a:buSzTx/>
+              <a:buFontTx/>
+              <a:buNone/>
+              <a:tabLst/>
+              <a:defRPr/>
+            </a:pPr>
+            <a:r>
+              <a:rPr kumimoji="0" lang="fr-FR" sz="1200" b="0" i="0" u="none" strike="noStrike" kern="0" cap="none" spc="0" normalizeH="0" baseline="0" noProof="0" dirty="0" smtClean="0">
+                <a:ln>
+                  <a:noFill/>
+                </a:ln>
+                <a:solidFill>
+                  <a:sysClr val="windowText" lastClr="000000"/>
+                </a:solidFill>
+                <a:effectLst/>
+                <a:uLnTx/>
+                <a:uFillTx/>
+                <a:latin typeface="Calibri"/>
+                <a:ea typeface="+mn-ea"/>
+                <a:cs typeface="+mn-cs"/>
+              </a:rPr>
+              <a:t>3</a:t>
+            </a:r>
+          </a:p>
+        </p:txBody>
+      </p:sp>
+      <p:sp>
+        <p:nvSpPr>
+          <p:cNvPr id="55" name="Rectangle 54"/>
+          <p:cNvSpPr/>
+          <p:nvPr/>
+        </p:nvSpPr>
+        <p:spPr>
+          <a:xfrm>
+            <a:off x="1691520" y="4797152"/>
+            <a:ext cx="360000" cy="360000"/>
+          </a:xfrm>
+          <a:prstGeom prst="rect">
+            <a:avLst/>
+          </a:prstGeom>
+          <a:noFill/>
+          <a:ln w="19050" cap="flat" cmpd="sng" algn="ctr">
+            <a:noFill/>
+            <a:prstDash val="solid"/>
+          </a:ln>
+          <a:effectLst/>
+        </p:spPr>
+        <p:txBody>
+          <a:bodyPr rtlCol="0" anchor="ctr"/>
+          <a:lstStyle/>
+          <a:p>
+            <a:pPr marL="0" marR="0" lvl="0" indent="0" algn="ctr" defTabSz="914400" eaLnBrk="1" fontAlgn="auto" latinLnBrk="0" hangingPunct="1">
+              <a:lnSpc>
+                <a:spcPct val="100000"/>
+              </a:lnSpc>
+              <a:spcBef>
+                <a:spcPts val="0"/>
+              </a:spcBef>
+              <a:spcAft>
+                <a:spcPts val="0"/>
+              </a:spcAft>
+              <a:buClrTx/>
+              <a:buSzTx/>
+              <a:buFontTx/>
+              <a:buNone/>
+              <a:tabLst/>
+              <a:defRPr/>
+            </a:pPr>
+            <a:r>
+              <a:rPr kumimoji="0" lang="fr-FR" sz="1200" b="0" i="0" u="none" strike="noStrike" kern="0" cap="none" spc="0" normalizeH="0" baseline="0" noProof="0" dirty="0" smtClean="0">
+                <a:ln>
+                  <a:noFill/>
+                </a:ln>
+                <a:solidFill>
+                  <a:sysClr val="windowText" lastClr="000000"/>
+                </a:solidFill>
+                <a:effectLst/>
+                <a:uLnTx/>
+                <a:uFillTx/>
+                <a:latin typeface="Calibri"/>
+                <a:ea typeface="+mn-ea"/>
+                <a:cs typeface="+mn-cs"/>
+              </a:rPr>
+              <a:t>4</a:t>
+            </a:r>
+          </a:p>
+        </p:txBody>
+      </p:sp>
+      <p:sp>
+        <p:nvSpPr>
+          <p:cNvPr id="56" name="Rectangle 55"/>
+          <p:cNvSpPr/>
+          <p:nvPr/>
+        </p:nvSpPr>
+        <p:spPr>
+          <a:xfrm>
+            <a:off x="611520" y="5157152"/>
+            <a:ext cx="360000" cy="360000"/>
+          </a:xfrm>
+          <a:prstGeom prst="rect">
+            <a:avLst/>
+          </a:prstGeom>
+          <a:noFill/>
+          <a:ln w="19050" cap="flat" cmpd="sng" algn="ctr">
+            <a:solidFill>
+              <a:srgbClr val="FF0000"/>
+            </a:solidFill>
+            <a:prstDash val="solid"/>
+          </a:ln>
+          <a:effectLst/>
+        </p:spPr>
+        <p:txBody>
+          <a:bodyPr rtlCol="0" anchor="ctr"/>
+          <a:lstStyle/>
+          <a:p>
+            <a:pPr marL="0" marR="0" lvl="0" indent="0" algn="ctr" defTabSz="914400" eaLnBrk="1" fontAlgn="auto" latinLnBrk="0" hangingPunct="1">
+              <a:lnSpc>
+                <a:spcPct val="100000"/>
+              </a:lnSpc>
+              <a:spcBef>
+                <a:spcPts val="0"/>
+              </a:spcBef>
+              <a:spcAft>
+                <a:spcPts val="0"/>
+              </a:spcAft>
+              <a:buClrTx/>
+              <a:buSzTx/>
+              <a:buFontTx/>
+              <a:buNone/>
+              <a:tabLst/>
+              <a:defRPr/>
+            </a:pPr>
+            <a:r>
+              <a:rPr lang="fr-FR" sz="1200" kern="0" noProof="0" dirty="0">
+                <a:solidFill>
+                  <a:sysClr val="windowText" lastClr="000000"/>
+                </a:solidFill>
+                <a:latin typeface="Calibri"/>
+              </a:rPr>
+              <a:t>8</a:t>
+            </a:r>
+            <a:endParaRPr kumimoji="0" lang="fr-FR" sz="1200" b="0" i="0" u="none" strike="noStrike" kern="0" cap="none" spc="0" normalizeH="0" baseline="0" noProof="0" dirty="0" smtClean="0">
+              <a:ln>
+                <a:noFill/>
+              </a:ln>
+              <a:solidFill>
+                <a:sysClr val="windowText" lastClr="000000"/>
+              </a:solidFill>
+              <a:effectLst/>
+              <a:uLnTx/>
+              <a:uFillTx/>
+              <a:latin typeface="Calibri"/>
+              <a:ea typeface="+mn-ea"/>
+              <a:cs typeface="+mn-cs"/>
+            </a:endParaRPr>
+          </a:p>
+        </p:txBody>
+      </p:sp>
+      <p:sp>
+        <p:nvSpPr>
+          <p:cNvPr id="48" name="Rectangle 47"/>
+          <p:cNvSpPr/>
+          <p:nvPr/>
+        </p:nvSpPr>
+        <p:spPr>
+          <a:xfrm>
+            <a:off x="971520" y="5157152"/>
+            <a:ext cx="360000" cy="360000"/>
+          </a:xfrm>
+          <a:prstGeom prst="rect">
+            <a:avLst/>
+          </a:prstGeom>
+          <a:noFill/>
+          <a:ln w="19050" cap="flat" cmpd="sng" algn="ctr">
+            <a:solidFill>
+              <a:srgbClr val="FF0000"/>
+            </a:solidFill>
+            <a:prstDash val="solid"/>
+          </a:ln>
+          <a:effectLst/>
+        </p:spPr>
+        <p:txBody>
+          <a:bodyPr rtlCol="0" anchor="ctr"/>
+          <a:lstStyle/>
+          <a:p>
+            <a:pPr marL="0" marR="0" lvl="0" indent="0" algn="ctr" defTabSz="914400" eaLnBrk="1" fontAlgn="auto" latinLnBrk="0" hangingPunct="1">
+              <a:lnSpc>
+                <a:spcPct val="100000"/>
+              </a:lnSpc>
+              <a:spcBef>
+                <a:spcPts val="0"/>
+              </a:spcBef>
+              <a:spcAft>
+                <a:spcPts val="0"/>
+              </a:spcAft>
+              <a:buClrTx/>
+              <a:buSzTx/>
+              <a:buFontTx/>
+              <a:buNone/>
+              <a:tabLst/>
+              <a:defRPr/>
+            </a:pPr>
+            <a:r>
+              <a:rPr kumimoji="0" lang="fr-FR" sz="1200" b="0" i="0" u="none" strike="noStrike" kern="0" cap="none" spc="0" normalizeH="0" baseline="0" noProof="0" dirty="0" smtClean="0">
+                <a:ln>
+                  <a:noFill/>
+                </a:ln>
+                <a:solidFill>
+                  <a:sysClr val="windowText" lastClr="000000"/>
+                </a:solidFill>
+                <a:effectLst/>
+                <a:uLnTx/>
+                <a:uFillTx/>
+                <a:latin typeface="Calibri"/>
+                <a:ea typeface="+mn-ea"/>
+                <a:cs typeface="+mn-cs"/>
+              </a:rPr>
+              <a:t>3</a:t>
+            </a:r>
+            <a:endParaRPr kumimoji="0" lang="fr-FR" sz="1200" b="0" i="0" u="none" strike="noStrike" kern="0" cap="none" spc="0" normalizeH="0" baseline="0" noProof="0" dirty="0" smtClean="0">
+              <a:ln>
+                <a:noFill/>
+              </a:ln>
+              <a:solidFill>
+                <a:sysClr val="windowText" lastClr="000000"/>
+              </a:solidFill>
+              <a:effectLst/>
+              <a:uLnTx/>
+              <a:uFillTx/>
+              <a:latin typeface="Calibri"/>
+              <a:ea typeface="+mn-ea"/>
+              <a:cs typeface="+mn-cs"/>
+            </a:endParaRPr>
+          </a:p>
+        </p:txBody>
+      </p:sp>
+      <p:sp>
+        <p:nvSpPr>
+          <p:cNvPr id="57" name="Flèche vers le bas 56"/>
+          <p:cNvSpPr/>
+          <p:nvPr/>
+        </p:nvSpPr>
+        <p:spPr>
+          <a:xfrm rot="10800000">
+            <a:off x="1098367" y="5589240"/>
+            <a:ext cx="106306" cy="177178"/>
+          </a:xfrm>
+          <a:prstGeom prst="downArrow">
+            <a:avLst/>
+          </a:prstGeom>
+          <a:noFill/>
+          <a:ln>
+            <a:solidFill>
+              <a:srgbClr val="FF0000"/>
+            </a:solidFill>
+          </a:ln>
+        </p:spPr>
+        <p:style>
+          <a:lnRef idx="2">
+            <a:schemeClr val="accent1">
+              <a:shade val="50000"/>
+            </a:schemeClr>
+          </a:lnRef>
+          <a:fillRef idx="1">
+            <a:schemeClr val="accent1"/>
+          </a:fillRef>
+          <a:effectRef idx="0">
+            <a:schemeClr val="accent1"/>
+          </a:effectRef>
+          <a:fontRef idx="minor">
+            <a:schemeClr val="lt1"/>
+          </a:fontRef>
+        </p:style>
+        <p:txBody>
+          <a:bodyPr rtlCol="0" anchor="ctr"/>
+          <a:lstStyle/>
+          <a:p>
+            <a:pPr algn="ctr"/>
+            <a:endParaRPr lang="fr-FR"/>
+          </a:p>
+        </p:txBody>
+      </p:sp>
+      <p:sp>
+        <p:nvSpPr>
+          <p:cNvPr id="58" name="Ellipse 57"/>
+          <p:cNvSpPr/>
+          <p:nvPr/>
+        </p:nvSpPr>
+        <p:spPr>
+          <a:xfrm>
+            <a:off x="2343501" y="4879978"/>
+            <a:ext cx="208486" cy="208486"/>
+          </a:xfrm>
+          <a:prstGeom prst="ellipse">
+            <a:avLst/>
+          </a:prstGeom>
+          <a:solidFill>
+            <a:srgbClr val="4BACC6">
+              <a:lumMod val="20000"/>
+              <a:lumOff val="80000"/>
+            </a:srgbClr>
+          </a:solidFill>
+          <a:ln w="9525" cap="flat" cmpd="sng" algn="ctr">
+            <a:solidFill>
+              <a:srgbClr val="4BACC6">
+                <a:lumMod val="50000"/>
+              </a:srgbClr>
+            </a:solidFill>
+            <a:prstDash val="dash"/>
+          </a:ln>
+          <a:effectLst/>
+        </p:spPr>
+        <p:txBody>
+          <a:bodyPr rtlCol="0" anchor="ctr"/>
+          <a:lstStyle/>
+          <a:p>
+            <a:pPr marL="0" marR="0" lvl="0" indent="0" algn="ctr" defTabSz="914400" eaLnBrk="1" fontAlgn="auto" latinLnBrk="0" hangingPunct="1">
+              <a:lnSpc>
+                <a:spcPct val="100000"/>
+              </a:lnSpc>
+              <a:spcBef>
+                <a:spcPts val="0"/>
+              </a:spcBef>
+              <a:spcAft>
+                <a:spcPts val="0"/>
+              </a:spcAft>
+              <a:buClrTx/>
+              <a:buSzTx/>
+              <a:buFontTx/>
+              <a:buNone/>
+              <a:tabLst/>
+              <a:defRPr/>
+            </a:pPr>
+            <a:endParaRPr kumimoji="0" lang="fr-FR" sz="1200" b="0" i="0" u="none" strike="noStrike" kern="0" cap="none" spc="0" normalizeH="0" baseline="0" noProof="0" smtClean="0">
+              <a:ln>
+                <a:noFill/>
+              </a:ln>
+              <a:solidFill>
+                <a:sysClr val="windowText" lastClr="000000"/>
+              </a:solidFill>
+              <a:effectLst/>
+              <a:uLnTx/>
+              <a:uFillTx/>
+              <a:latin typeface="Calibri"/>
+              <a:ea typeface="+mn-ea"/>
+              <a:cs typeface="+mn-cs"/>
+            </a:endParaRPr>
+          </a:p>
+        </p:txBody>
+      </p:sp>
+      <p:sp>
+        <p:nvSpPr>
+          <p:cNvPr id="59" name="Rectangle 58"/>
+          <p:cNvSpPr/>
+          <p:nvPr/>
+        </p:nvSpPr>
+        <p:spPr>
+          <a:xfrm>
+            <a:off x="2267744" y="5157152"/>
+            <a:ext cx="360000" cy="360000"/>
+          </a:xfrm>
+          <a:prstGeom prst="rect">
+            <a:avLst/>
+          </a:prstGeom>
+          <a:noFill/>
+          <a:ln w="19050" cap="flat" cmpd="sng" algn="ctr">
+            <a:solidFill>
+              <a:srgbClr val="FF0000"/>
+            </a:solidFill>
+            <a:prstDash val="solid"/>
+          </a:ln>
+          <a:effectLst/>
+        </p:spPr>
+        <p:txBody>
+          <a:bodyPr rtlCol="0" anchor="ctr"/>
+          <a:lstStyle/>
+          <a:p>
+            <a:pPr marL="0" marR="0" lvl="0" indent="0" algn="ctr" defTabSz="914400" eaLnBrk="1" fontAlgn="auto" latinLnBrk="0" hangingPunct="1">
+              <a:lnSpc>
+                <a:spcPct val="100000"/>
+              </a:lnSpc>
+              <a:spcBef>
+                <a:spcPts val="0"/>
+              </a:spcBef>
+              <a:spcAft>
+                <a:spcPts val="0"/>
+              </a:spcAft>
+              <a:buClrTx/>
+              <a:buSzTx/>
+              <a:buFontTx/>
+              <a:buNone/>
+              <a:tabLst/>
+              <a:defRPr/>
+            </a:pPr>
+            <a:r>
+              <a:rPr kumimoji="0" lang="fr-FR" sz="1200" i="0" u="none" strike="noStrike" kern="0" cap="none" spc="0" normalizeH="0" baseline="0" noProof="0" dirty="0" smtClean="0">
+                <a:ln>
+                  <a:noFill/>
+                </a:ln>
+                <a:solidFill>
+                  <a:sysClr val="windowText" lastClr="000000"/>
+                </a:solidFill>
+                <a:effectLst/>
+                <a:uLnTx/>
+                <a:uFillTx/>
+                <a:latin typeface="Calibri"/>
+                <a:ea typeface="+mn-ea"/>
+                <a:cs typeface="+mn-cs"/>
+              </a:rPr>
+              <a:t>5</a:t>
+            </a:r>
+          </a:p>
+        </p:txBody>
+      </p:sp>
+      <p:sp>
+        <p:nvSpPr>
+          <p:cNvPr id="60" name="Rectangle 59"/>
+          <p:cNvSpPr/>
+          <p:nvPr/>
+        </p:nvSpPr>
+        <p:spPr>
+          <a:xfrm>
+            <a:off x="3347744" y="5157152"/>
+            <a:ext cx="360000" cy="360000"/>
+          </a:xfrm>
+          <a:prstGeom prst="rect">
+            <a:avLst/>
+          </a:prstGeom>
+          <a:noFill/>
+          <a:ln w="19050" cap="flat" cmpd="sng" algn="ctr">
+            <a:solidFill>
+              <a:srgbClr val="4BACC6">
+                <a:lumMod val="50000"/>
+              </a:srgbClr>
+            </a:solidFill>
+            <a:prstDash val="solid"/>
+          </a:ln>
+          <a:effectLst/>
+        </p:spPr>
+        <p:txBody>
+          <a:bodyPr rtlCol="0" anchor="ctr"/>
+          <a:lstStyle/>
+          <a:p>
+            <a:pPr marL="0" marR="0" lvl="0" indent="0" algn="ctr" defTabSz="914400" eaLnBrk="1" fontAlgn="auto" latinLnBrk="0" hangingPunct="1">
+              <a:lnSpc>
+                <a:spcPct val="100000"/>
+              </a:lnSpc>
+              <a:spcBef>
+                <a:spcPts val="0"/>
+              </a:spcBef>
+              <a:spcAft>
+                <a:spcPts val="0"/>
+              </a:spcAft>
+              <a:buClrTx/>
+              <a:buSzTx/>
+              <a:buFontTx/>
+              <a:buNone/>
+              <a:tabLst/>
+              <a:defRPr/>
+            </a:pPr>
+            <a:r>
+              <a:rPr kumimoji="0" lang="fr-FR" sz="1200" b="0" i="0" u="none" strike="noStrike" kern="0" cap="none" spc="0" normalizeH="0" baseline="0" noProof="0" dirty="0" smtClean="0">
+                <a:ln>
+                  <a:noFill/>
+                </a:ln>
+                <a:solidFill>
+                  <a:sysClr val="windowText" lastClr="000000"/>
+                </a:solidFill>
+                <a:effectLst/>
+                <a:uLnTx/>
+                <a:uFillTx/>
+                <a:latin typeface="Calibri"/>
+                <a:ea typeface="+mn-ea"/>
+                <a:cs typeface="+mn-cs"/>
+              </a:rPr>
+              <a:t>2</a:t>
+            </a:r>
+            <a:endParaRPr kumimoji="0" lang="fr-FR" sz="1200" b="0" i="0" u="none" strike="noStrike" kern="0" cap="none" spc="0" normalizeH="0" baseline="0" noProof="0" dirty="0" smtClean="0">
+              <a:ln>
+                <a:noFill/>
+              </a:ln>
+              <a:solidFill>
+                <a:sysClr val="windowText" lastClr="000000"/>
+              </a:solidFill>
+              <a:effectLst/>
+              <a:uLnTx/>
+              <a:uFillTx/>
+              <a:latin typeface="Calibri"/>
+              <a:ea typeface="+mn-ea"/>
+              <a:cs typeface="+mn-cs"/>
+            </a:endParaRPr>
+          </a:p>
+        </p:txBody>
+      </p:sp>
+      <p:sp>
+        <p:nvSpPr>
+          <p:cNvPr id="61" name="Rectangle 60"/>
+          <p:cNvSpPr/>
+          <p:nvPr/>
+        </p:nvSpPr>
+        <p:spPr>
+          <a:xfrm>
+            <a:off x="3707744" y="5157152"/>
+            <a:ext cx="360000" cy="360000"/>
+          </a:xfrm>
+          <a:prstGeom prst="rect">
+            <a:avLst/>
+          </a:prstGeom>
+          <a:noFill/>
+          <a:ln w="19050" cap="flat" cmpd="sng" algn="ctr">
+            <a:solidFill>
+              <a:srgbClr val="4BACC6">
+                <a:lumMod val="50000"/>
+              </a:srgbClr>
+            </a:solidFill>
+            <a:prstDash val="solid"/>
+          </a:ln>
+          <a:effectLst/>
+        </p:spPr>
+        <p:txBody>
+          <a:bodyPr rtlCol="0" anchor="ctr"/>
+          <a:lstStyle/>
+          <a:p>
+            <a:pPr marL="0" marR="0" lvl="0" indent="0" algn="ctr" defTabSz="914400" eaLnBrk="1" fontAlgn="auto" latinLnBrk="0" hangingPunct="1">
+              <a:lnSpc>
+                <a:spcPct val="100000"/>
+              </a:lnSpc>
+              <a:spcBef>
+                <a:spcPts val="0"/>
+              </a:spcBef>
+              <a:spcAft>
+                <a:spcPts val="0"/>
+              </a:spcAft>
+              <a:buClrTx/>
+              <a:buSzTx/>
+              <a:buFontTx/>
+              <a:buNone/>
+              <a:tabLst/>
+              <a:defRPr/>
+            </a:pPr>
+            <a:r>
+              <a:rPr kumimoji="0" lang="fr-FR" sz="1200" b="0" i="0" u="none" strike="noStrike" kern="0" cap="none" spc="0" normalizeH="0" baseline="0" noProof="0" dirty="0" smtClean="0">
+                <a:ln>
+                  <a:noFill/>
+                </a:ln>
+                <a:solidFill>
+                  <a:sysClr val="windowText" lastClr="000000"/>
+                </a:solidFill>
+                <a:effectLst/>
+                <a:uLnTx/>
+                <a:uFillTx/>
+                <a:latin typeface="Calibri"/>
+                <a:ea typeface="+mn-ea"/>
+                <a:cs typeface="+mn-cs"/>
+              </a:rPr>
+              <a:t>9</a:t>
+            </a:r>
+            <a:endParaRPr kumimoji="0" lang="fr-FR" sz="1200" b="0" i="0" u="none" strike="noStrike" kern="0" cap="none" spc="0" normalizeH="0" baseline="0" noProof="0" dirty="0" smtClean="0">
+              <a:ln>
+                <a:noFill/>
+              </a:ln>
+              <a:solidFill>
+                <a:sysClr val="windowText" lastClr="000000"/>
+              </a:solidFill>
+              <a:effectLst/>
+              <a:uLnTx/>
+              <a:uFillTx/>
+              <a:latin typeface="Calibri"/>
+              <a:ea typeface="+mn-ea"/>
+              <a:cs typeface="+mn-cs"/>
+            </a:endParaRPr>
+          </a:p>
+        </p:txBody>
+      </p:sp>
+      <p:sp>
+        <p:nvSpPr>
+          <p:cNvPr id="62" name="Rectangle 61"/>
+          <p:cNvSpPr/>
+          <p:nvPr/>
+        </p:nvSpPr>
+        <p:spPr>
+          <a:xfrm>
+            <a:off x="2267744" y="4797152"/>
+            <a:ext cx="360000" cy="360000"/>
+          </a:xfrm>
+          <a:prstGeom prst="rect">
+            <a:avLst/>
+          </a:prstGeom>
+          <a:noFill/>
+          <a:ln w="19050" cap="flat" cmpd="sng" algn="ctr">
+            <a:noFill/>
+            <a:prstDash val="solid"/>
+          </a:ln>
+          <a:effectLst/>
+        </p:spPr>
+        <p:txBody>
+          <a:bodyPr rtlCol="0" anchor="ctr"/>
+          <a:lstStyle/>
+          <a:p>
+            <a:pPr marL="0" marR="0" lvl="0" indent="0" algn="ctr" defTabSz="914400" eaLnBrk="1" fontAlgn="auto" latinLnBrk="0" hangingPunct="1">
+              <a:lnSpc>
+                <a:spcPct val="100000"/>
+              </a:lnSpc>
+              <a:spcBef>
+                <a:spcPts val="0"/>
+              </a:spcBef>
+              <a:spcAft>
+                <a:spcPts val="0"/>
+              </a:spcAft>
+              <a:buClrTx/>
+              <a:buSzTx/>
+              <a:buFontTx/>
+              <a:buNone/>
+              <a:tabLst/>
+              <a:defRPr/>
+            </a:pPr>
+            <a:r>
+              <a:rPr kumimoji="0" lang="fr-FR" sz="1200" b="0" i="0" u="none" strike="noStrike" kern="0" cap="none" spc="0" normalizeH="0" baseline="0" noProof="0" dirty="0" smtClean="0">
+                <a:ln>
+                  <a:noFill/>
+                </a:ln>
+                <a:solidFill>
+                  <a:sysClr val="windowText" lastClr="000000"/>
+                </a:solidFill>
+                <a:effectLst/>
+                <a:uLnTx/>
+                <a:uFillTx/>
+                <a:latin typeface="Calibri"/>
+                <a:ea typeface="+mn-ea"/>
+                <a:cs typeface="+mn-cs"/>
+              </a:rPr>
+              <a:t>0</a:t>
+            </a:r>
+          </a:p>
+        </p:txBody>
+      </p:sp>
+      <p:sp>
+        <p:nvSpPr>
+          <p:cNvPr id="63" name="Rectangle 62"/>
+          <p:cNvSpPr/>
+          <p:nvPr/>
+        </p:nvSpPr>
+        <p:spPr>
+          <a:xfrm>
+            <a:off x="2627744" y="4797152"/>
+            <a:ext cx="360000" cy="360000"/>
+          </a:xfrm>
+          <a:prstGeom prst="rect">
+            <a:avLst/>
+          </a:prstGeom>
+          <a:noFill/>
+          <a:ln w="19050" cap="flat" cmpd="sng" algn="ctr">
+            <a:noFill/>
+            <a:prstDash val="solid"/>
+          </a:ln>
+          <a:effectLst/>
+        </p:spPr>
+        <p:txBody>
+          <a:bodyPr rtlCol="0" anchor="ctr"/>
+          <a:lstStyle/>
+          <a:p>
+            <a:pPr marL="0" marR="0" lvl="0" indent="0" algn="ctr" defTabSz="914400" eaLnBrk="1" fontAlgn="auto" latinLnBrk="0" hangingPunct="1">
+              <a:lnSpc>
+                <a:spcPct val="100000"/>
+              </a:lnSpc>
+              <a:spcBef>
+                <a:spcPts val="0"/>
+              </a:spcBef>
+              <a:spcAft>
+                <a:spcPts val="0"/>
+              </a:spcAft>
+              <a:buClrTx/>
+              <a:buSzTx/>
+              <a:buFontTx/>
+              <a:buNone/>
+              <a:tabLst/>
+              <a:defRPr/>
+            </a:pPr>
+            <a:r>
+              <a:rPr kumimoji="0" lang="fr-FR" sz="1200" b="0" i="0" u="none" strike="noStrike" kern="0" cap="none" spc="0" normalizeH="0" baseline="0" noProof="0" dirty="0" smtClean="0">
+                <a:ln>
+                  <a:noFill/>
+                </a:ln>
+                <a:solidFill>
+                  <a:sysClr val="windowText" lastClr="000000"/>
+                </a:solidFill>
+                <a:effectLst/>
+                <a:uLnTx/>
+                <a:uFillTx/>
+                <a:latin typeface="Calibri"/>
+                <a:ea typeface="+mn-ea"/>
+                <a:cs typeface="+mn-cs"/>
+              </a:rPr>
+              <a:t>1</a:t>
+            </a:r>
+          </a:p>
+        </p:txBody>
+      </p:sp>
+      <p:sp>
+        <p:nvSpPr>
+          <p:cNvPr id="64" name="Rectangle 63"/>
+          <p:cNvSpPr/>
+          <p:nvPr/>
+        </p:nvSpPr>
+        <p:spPr>
+          <a:xfrm>
+            <a:off x="2987744" y="4797152"/>
+            <a:ext cx="360000" cy="360000"/>
+          </a:xfrm>
+          <a:prstGeom prst="rect">
+            <a:avLst/>
+          </a:prstGeom>
+          <a:noFill/>
+          <a:ln w="19050" cap="flat" cmpd="sng" algn="ctr">
+            <a:noFill/>
+            <a:prstDash val="solid"/>
+          </a:ln>
+          <a:effectLst/>
+        </p:spPr>
+        <p:txBody>
+          <a:bodyPr rtlCol="0" anchor="ctr"/>
+          <a:lstStyle/>
+          <a:p>
+            <a:pPr marL="0" marR="0" lvl="0" indent="0" algn="ctr" defTabSz="914400" eaLnBrk="1" fontAlgn="auto" latinLnBrk="0" hangingPunct="1">
+              <a:lnSpc>
+                <a:spcPct val="100000"/>
+              </a:lnSpc>
+              <a:spcBef>
+                <a:spcPts val="0"/>
+              </a:spcBef>
+              <a:spcAft>
+                <a:spcPts val="0"/>
+              </a:spcAft>
+              <a:buClrTx/>
+              <a:buSzTx/>
+              <a:buFontTx/>
+              <a:buNone/>
+              <a:tabLst/>
+              <a:defRPr/>
+            </a:pPr>
+            <a:r>
+              <a:rPr kumimoji="0" lang="fr-FR" sz="1200" b="0" i="0" u="none" strike="noStrike" kern="0" cap="none" spc="0" normalizeH="0" baseline="0" noProof="0" dirty="0" smtClean="0">
+                <a:ln>
+                  <a:noFill/>
+                </a:ln>
+                <a:solidFill>
+                  <a:sysClr val="windowText" lastClr="000000"/>
+                </a:solidFill>
+                <a:effectLst/>
+                <a:uLnTx/>
+                <a:uFillTx/>
+                <a:latin typeface="Calibri"/>
+                <a:ea typeface="+mn-ea"/>
+                <a:cs typeface="+mn-cs"/>
+              </a:rPr>
+              <a:t>2</a:t>
+            </a:r>
+          </a:p>
+        </p:txBody>
+      </p:sp>
+      <p:sp>
+        <p:nvSpPr>
+          <p:cNvPr id="65" name="Rectangle 64"/>
+          <p:cNvSpPr/>
+          <p:nvPr/>
+        </p:nvSpPr>
+        <p:spPr>
+          <a:xfrm>
+            <a:off x="3347744" y="4797152"/>
+            <a:ext cx="360000" cy="360000"/>
+          </a:xfrm>
+          <a:prstGeom prst="rect">
+            <a:avLst/>
+          </a:prstGeom>
+          <a:noFill/>
+          <a:ln w="19050" cap="flat" cmpd="sng" algn="ctr">
+            <a:noFill/>
+            <a:prstDash val="solid"/>
+          </a:ln>
+          <a:effectLst/>
+        </p:spPr>
+        <p:txBody>
+          <a:bodyPr rtlCol="0" anchor="ctr"/>
+          <a:lstStyle/>
+          <a:p>
+            <a:pPr marL="0" marR="0" lvl="0" indent="0" algn="ctr" defTabSz="914400" eaLnBrk="1" fontAlgn="auto" latinLnBrk="0" hangingPunct="1">
+              <a:lnSpc>
+                <a:spcPct val="100000"/>
+              </a:lnSpc>
+              <a:spcBef>
+                <a:spcPts val="0"/>
+              </a:spcBef>
+              <a:spcAft>
+                <a:spcPts val="0"/>
+              </a:spcAft>
+              <a:buClrTx/>
+              <a:buSzTx/>
+              <a:buFontTx/>
+              <a:buNone/>
+              <a:tabLst/>
+              <a:defRPr/>
+            </a:pPr>
+            <a:r>
+              <a:rPr kumimoji="0" lang="fr-FR" sz="1200" b="0" i="0" u="none" strike="noStrike" kern="0" cap="none" spc="0" normalizeH="0" baseline="0" noProof="0" dirty="0" smtClean="0">
+                <a:ln>
+                  <a:noFill/>
+                </a:ln>
+                <a:solidFill>
+                  <a:sysClr val="windowText" lastClr="000000"/>
+                </a:solidFill>
+                <a:effectLst/>
+                <a:uLnTx/>
+                <a:uFillTx/>
+                <a:latin typeface="Calibri"/>
+                <a:ea typeface="+mn-ea"/>
+                <a:cs typeface="+mn-cs"/>
+              </a:rPr>
+              <a:t>3</a:t>
+            </a:r>
+          </a:p>
+        </p:txBody>
+      </p:sp>
+      <p:sp>
+        <p:nvSpPr>
+          <p:cNvPr id="66" name="Rectangle 65"/>
+          <p:cNvSpPr/>
+          <p:nvPr/>
+        </p:nvSpPr>
+        <p:spPr>
+          <a:xfrm>
+            <a:off x="3707744" y="4797152"/>
+            <a:ext cx="360000" cy="360000"/>
+          </a:xfrm>
+          <a:prstGeom prst="rect">
+            <a:avLst/>
+          </a:prstGeom>
+          <a:noFill/>
+          <a:ln w="19050" cap="flat" cmpd="sng" algn="ctr">
+            <a:noFill/>
+            <a:prstDash val="solid"/>
+          </a:ln>
+          <a:effectLst/>
+        </p:spPr>
+        <p:txBody>
+          <a:bodyPr rtlCol="0" anchor="ctr"/>
+          <a:lstStyle/>
+          <a:p>
+            <a:pPr marL="0" marR="0" lvl="0" indent="0" algn="ctr" defTabSz="914400" eaLnBrk="1" fontAlgn="auto" latinLnBrk="0" hangingPunct="1">
+              <a:lnSpc>
+                <a:spcPct val="100000"/>
+              </a:lnSpc>
+              <a:spcBef>
+                <a:spcPts val="0"/>
+              </a:spcBef>
+              <a:spcAft>
+                <a:spcPts val="0"/>
+              </a:spcAft>
+              <a:buClrTx/>
+              <a:buSzTx/>
+              <a:buFontTx/>
+              <a:buNone/>
+              <a:tabLst/>
+              <a:defRPr/>
+            </a:pPr>
+            <a:r>
+              <a:rPr kumimoji="0" lang="fr-FR" sz="1200" b="0" i="0" u="none" strike="noStrike" kern="0" cap="none" spc="0" normalizeH="0" baseline="0" noProof="0" dirty="0" smtClean="0">
+                <a:ln>
+                  <a:noFill/>
+                </a:ln>
+                <a:solidFill>
+                  <a:sysClr val="windowText" lastClr="000000"/>
+                </a:solidFill>
+                <a:effectLst/>
+                <a:uLnTx/>
+                <a:uFillTx/>
+                <a:latin typeface="Calibri"/>
+                <a:ea typeface="+mn-ea"/>
+                <a:cs typeface="+mn-cs"/>
+              </a:rPr>
+              <a:t>4</a:t>
+            </a:r>
+          </a:p>
+        </p:txBody>
+      </p:sp>
+      <p:sp>
+        <p:nvSpPr>
+          <p:cNvPr id="67" name="Rectangle 66"/>
+          <p:cNvSpPr/>
+          <p:nvPr/>
+        </p:nvSpPr>
+        <p:spPr>
+          <a:xfrm>
+            <a:off x="2627744" y="5157152"/>
+            <a:ext cx="360000" cy="360000"/>
+          </a:xfrm>
+          <a:prstGeom prst="rect">
+            <a:avLst/>
+          </a:prstGeom>
+          <a:noFill/>
+          <a:ln w="19050" cap="flat" cmpd="sng" algn="ctr">
+            <a:solidFill>
+              <a:srgbClr val="FF0000"/>
+            </a:solidFill>
+            <a:prstDash val="solid"/>
+          </a:ln>
+          <a:effectLst/>
+        </p:spPr>
+        <p:txBody>
+          <a:bodyPr rtlCol="0" anchor="ctr"/>
+          <a:lstStyle/>
+          <a:p>
+            <a:pPr marL="0" marR="0" lvl="0" indent="0" algn="ctr" defTabSz="914400" eaLnBrk="1" fontAlgn="auto" latinLnBrk="0" hangingPunct="1">
+              <a:lnSpc>
+                <a:spcPct val="100000"/>
+              </a:lnSpc>
+              <a:spcBef>
+                <a:spcPts val="0"/>
+              </a:spcBef>
+              <a:spcAft>
+                <a:spcPts val="0"/>
+              </a:spcAft>
+              <a:buClrTx/>
+              <a:buSzTx/>
+              <a:buFontTx/>
+              <a:buNone/>
+              <a:tabLst/>
+              <a:defRPr/>
+            </a:pPr>
+            <a:r>
+              <a:rPr lang="fr-FR" sz="1200" kern="0" noProof="0" dirty="0">
+                <a:solidFill>
+                  <a:srgbClr val="FF0000"/>
+                </a:solidFill>
+                <a:latin typeface="Calibri"/>
+              </a:rPr>
+              <a:t>8</a:t>
+            </a:r>
+            <a:endParaRPr kumimoji="0" lang="fr-FR" sz="1200" b="0" i="0" u="none" strike="noStrike" kern="0" cap="none" spc="0" normalizeH="0" baseline="0" noProof="0" dirty="0" smtClean="0">
+              <a:ln>
+                <a:noFill/>
+              </a:ln>
+              <a:solidFill>
+                <a:srgbClr val="FF0000"/>
+              </a:solidFill>
+              <a:effectLst/>
+              <a:uLnTx/>
+              <a:uFillTx/>
+              <a:latin typeface="Calibri"/>
+            </a:endParaRPr>
+          </a:p>
+        </p:txBody>
+      </p:sp>
+      <p:sp>
+        <p:nvSpPr>
+          <p:cNvPr id="68" name="Rectangle 67"/>
+          <p:cNvSpPr/>
+          <p:nvPr/>
+        </p:nvSpPr>
+        <p:spPr>
+          <a:xfrm>
+            <a:off x="2987744" y="5157152"/>
+            <a:ext cx="360000" cy="360000"/>
+          </a:xfrm>
+          <a:prstGeom prst="rect">
+            <a:avLst/>
+          </a:prstGeom>
+          <a:noFill/>
+          <a:ln w="19050" cap="flat" cmpd="sng" algn="ctr">
+            <a:solidFill>
+              <a:srgbClr val="FF0000"/>
+            </a:solidFill>
+            <a:prstDash val="solid"/>
+          </a:ln>
+          <a:effectLst/>
+        </p:spPr>
+        <p:txBody>
+          <a:bodyPr rtlCol="0" anchor="ctr"/>
+          <a:lstStyle/>
+          <a:p>
+            <a:pPr marL="0" marR="0" lvl="0" indent="0" algn="ctr" defTabSz="914400" eaLnBrk="1" fontAlgn="auto" latinLnBrk="0" hangingPunct="1">
+              <a:lnSpc>
+                <a:spcPct val="100000"/>
+              </a:lnSpc>
+              <a:spcBef>
+                <a:spcPts val="0"/>
+              </a:spcBef>
+              <a:spcAft>
+                <a:spcPts val="0"/>
+              </a:spcAft>
+              <a:buClrTx/>
+              <a:buSzTx/>
+              <a:buFontTx/>
+              <a:buNone/>
+              <a:tabLst/>
+              <a:defRPr/>
+            </a:pPr>
+            <a:r>
+              <a:rPr kumimoji="0" lang="fr-FR" sz="1200" b="0" i="0" u="none" strike="noStrike" kern="0" cap="none" spc="0" normalizeH="0" baseline="0" noProof="0" dirty="0" smtClean="0">
+                <a:ln>
+                  <a:noFill/>
+                </a:ln>
+                <a:solidFill>
+                  <a:srgbClr val="FF0000"/>
+                </a:solidFill>
+                <a:effectLst/>
+                <a:uLnTx/>
+                <a:uFillTx/>
+                <a:latin typeface="Calibri"/>
+                <a:ea typeface="+mn-ea"/>
+                <a:cs typeface="+mn-cs"/>
+              </a:rPr>
+              <a:t>8</a:t>
+            </a:r>
+            <a:endParaRPr kumimoji="0" lang="fr-FR" sz="1200" b="0" i="0" u="none" strike="noStrike" kern="0" cap="none" spc="0" normalizeH="0" baseline="0" noProof="0" dirty="0" smtClean="0">
+              <a:ln>
+                <a:noFill/>
+              </a:ln>
+              <a:solidFill>
+                <a:srgbClr val="FF0000"/>
+              </a:solidFill>
+              <a:effectLst/>
+              <a:uLnTx/>
+              <a:uFillTx/>
+              <a:latin typeface="Calibri"/>
+              <a:ea typeface="+mn-ea"/>
+              <a:cs typeface="+mn-cs"/>
+            </a:endParaRPr>
+          </a:p>
+        </p:txBody>
+      </p:sp>
+      <p:sp>
+        <p:nvSpPr>
+          <p:cNvPr id="70" name="Ellipse 69"/>
+          <p:cNvSpPr/>
+          <p:nvPr/>
+        </p:nvSpPr>
+        <p:spPr>
+          <a:xfrm>
+            <a:off x="4363514" y="4879978"/>
+            <a:ext cx="208486" cy="208486"/>
+          </a:xfrm>
+          <a:prstGeom prst="ellipse">
+            <a:avLst/>
+          </a:prstGeom>
+          <a:solidFill>
+            <a:srgbClr val="4BACC6">
+              <a:lumMod val="20000"/>
+              <a:lumOff val="80000"/>
+            </a:srgbClr>
+          </a:solidFill>
+          <a:ln w="9525" cap="flat" cmpd="sng" algn="ctr">
+            <a:solidFill>
+              <a:srgbClr val="4BACC6">
+                <a:lumMod val="50000"/>
+              </a:srgbClr>
+            </a:solidFill>
+            <a:prstDash val="dash"/>
+          </a:ln>
+          <a:effectLst/>
+        </p:spPr>
+        <p:txBody>
+          <a:bodyPr rtlCol="0" anchor="ctr"/>
+          <a:lstStyle/>
+          <a:p>
+            <a:pPr marL="0" marR="0" lvl="0" indent="0" algn="ctr" defTabSz="914400" eaLnBrk="1" fontAlgn="auto" latinLnBrk="0" hangingPunct="1">
+              <a:lnSpc>
+                <a:spcPct val="100000"/>
+              </a:lnSpc>
+              <a:spcBef>
+                <a:spcPts val="0"/>
+              </a:spcBef>
+              <a:spcAft>
+                <a:spcPts val="0"/>
+              </a:spcAft>
+              <a:buClrTx/>
+              <a:buSzTx/>
+              <a:buFontTx/>
+              <a:buNone/>
+              <a:tabLst/>
+              <a:defRPr/>
+            </a:pPr>
+            <a:endParaRPr kumimoji="0" lang="fr-FR" sz="1200" b="0" i="0" u="none" strike="noStrike" kern="0" cap="none" spc="0" normalizeH="0" baseline="0" noProof="0" smtClean="0">
+              <a:ln>
+                <a:noFill/>
+              </a:ln>
+              <a:solidFill>
+                <a:sysClr val="windowText" lastClr="000000"/>
+              </a:solidFill>
+              <a:effectLst/>
+              <a:uLnTx/>
+              <a:uFillTx/>
+              <a:latin typeface="Calibri"/>
+              <a:ea typeface="+mn-ea"/>
+              <a:cs typeface="+mn-cs"/>
+            </a:endParaRPr>
+          </a:p>
+        </p:txBody>
+      </p:sp>
+      <p:sp>
+        <p:nvSpPr>
+          <p:cNvPr id="71" name="Rectangle 70"/>
+          <p:cNvSpPr/>
+          <p:nvPr/>
+        </p:nvSpPr>
+        <p:spPr>
+          <a:xfrm>
+            <a:off x="4287757" y="5157152"/>
+            <a:ext cx="360000" cy="360000"/>
+          </a:xfrm>
+          <a:prstGeom prst="rect">
+            <a:avLst/>
+          </a:prstGeom>
+          <a:noFill/>
+          <a:ln w="19050" cap="flat" cmpd="sng" algn="ctr">
+            <a:solidFill>
+              <a:srgbClr val="FF0000"/>
+            </a:solidFill>
+            <a:prstDash val="solid"/>
+          </a:ln>
+          <a:effectLst/>
+        </p:spPr>
+        <p:txBody>
+          <a:bodyPr rtlCol="0" anchor="ctr"/>
+          <a:lstStyle/>
+          <a:p>
+            <a:pPr marL="0" marR="0" lvl="0" indent="0" algn="ctr" defTabSz="914400" eaLnBrk="1" fontAlgn="auto" latinLnBrk="0" hangingPunct="1">
+              <a:lnSpc>
+                <a:spcPct val="100000"/>
+              </a:lnSpc>
+              <a:spcBef>
+                <a:spcPts val="0"/>
+              </a:spcBef>
+              <a:spcAft>
+                <a:spcPts val="0"/>
+              </a:spcAft>
+              <a:buClrTx/>
+              <a:buSzTx/>
+              <a:buFontTx/>
+              <a:buNone/>
+              <a:tabLst/>
+              <a:defRPr/>
+            </a:pPr>
+            <a:r>
+              <a:rPr kumimoji="0" lang="fr-FR" sz="1200" i="0" u="none" strike="noStrike" kern="0" cap="none" spc="0" normalizeH="0" baseline="0" noProof="0" dirty="0" smtClean="0">
+                <a:ln>
+                  <a:noFill/>
+                </a:ln>
+                <a:solidFill>
+                  <a:srgbClr val="FF0000"/>
+                </a:solidFill>
+                <a:effectLst/>
+                <a:uLnTx/>
+                <a:uFillTx/>
+                <a:latin typeface="Calibri"/>
+                <a:ea typeface="+mn-ea"/>
+                <a:cs typeface="+mn-cs"/>
+              </a:rPr>
+              <a:t>5</a:t>
+            </a:r>
+          </a:p>
+        </p:txBody>
+      </p:sp>
+      <p:sp>
+        <p:nvSpPr>
+          <p:cNvPr id="72" name="Rectangle 71"/>
+          <p:cNvSpPr/>
+          <p:nvPr/>
+        </p:nvSpPr>
+        <p:spPr>
+          <a:xfrm>
+            <a:off x="5367757" y="5157152"/>
+            <a:ext cx="360000" cy="360000"/>
+          </a:xfrm>
+          <a:prstGeom prst="rect">
+            <a:avLst/>
+          </a:prstGeom>
+          <a:noFill/>
+          <a:ln w="19050" cap="flat" cmpd="sng" algn="ctr">
+            <a:solidFill>
+              <a:srgbClr val="4BACC6">
+                <a:lumMod val="50000"/>
+              </a:srgbClr>
+            </a:solidFill>
+            <a:prstDash val="solid"/>
+          </a:ln>
+          <a:effectLst/>
+        </p:spPr>
+        <p:txBody>
+          <a:bodyPr rtlCol="0" anchor="ctr"/>
+          <a:lstStyle/>
+          <a:p>
+            <a:pPr marL="0" marR="0" lvl="0" indent="0" algn="ctr" defTabSz="914400" eaLnBrk="1" fontAlgn="auto" latinLnBrk="0" hangingPunct="1">
+              <a:lnSpc>
+                <a:spcPct val="100000"/>
+              </a:lnSpc>
+              <a:spcBef>
+                <a:spcPts val="0"/>
+              </a:spcBef>
+              <a:spcAft>
+                <a:spcPts val="0"/>
+              </a:spcAft>
+              <a:buClrTx/>
+              <a:buSzTx/>
+              <a:buFontTx/>
+              <a:buNone/>
+              <a:tabLst/>
+              <a:defRPr/>
+            </a:pPr>
+            <a:r>
+              <a:rPr kumimoji="0" lang="fr-FR" sz="1200" b="0" i="0" u="none" strike="noStrike" kern="0" cap="none" spc="0" normalizeH="0" baseline="0" noProof="0" dirty="0" smtClean="0">
+                <a:ln>
+                  <a:noFill/>
+                </a:ln>
+                <a:solidFill>
+                  <a:sysClr val="windowText" lastClr="000000"/>
+                </a:solidFill>
+                <a:effectLst/>
+                <a:uLnTx/>
+                <a:uFillTx/>
+                <a:latin typeface="Calibri"/>
+                <a:ea typeface="+mn-ea"/>
+                <a:cs typeface="+mn-cs"/>
+              </a:rPr>
+              <a:t>2</a:t>
+            </a:r>
+            <a:endParaRPr kumimoji="0" lang="fr-FR" sz="1200" b="0" i="0" u="none" strike="noStrike" kern="0" cap="none" spc="0" normalizeH="0" baseline="0" noProof="0" dirty="0" smtClean="0">
+              <a:ln>
+                <a:noFill/>
+              </a:ln>
+              <a:solidFill>
+                <a:sysClr val="windowText" lastClr="000000"/>
+              </a:solidFill>
+              <a:effectLst/>
+              <a:uLnTx/>
+              <a:uFillTx/>
+              <a:latin typeface="Calibri"/>
+              <a:ea typeface="+mn-ea"/>
+              <a:cs typeface="+mn-cs"/>
+            </a:endParaRPr>
+          </a:p>
+        </p:txBody>
+      </p:sp>
+      <p:sp>
+        <p:nvSpPr>
+          <p:cNvPr id="73" name="Rectangle 72"/>
+          <p:cNvSpPr/>
+          <p:nvPr/>
+        </p:nvSpPr>
+        <p:spPr>
+          <a:xfrm>
+            <a:off x="5727757" y="5157152"/>
+            <a:ext cx="360000" cy="360000"/>
+          </a:xfrm>
+          <a:prstGeom prst="rect">
+            <a:avLst/>
+          </a:prstGeom>
+          <a:noFill/>
+          <a:ln w="19050" cap="flat" cmpd="sng" algn="ctr">
+            <a:solidFill>
+              <a:srgbClr val="4BACC6">
+                <a:lumMod val="50000"/>
+              </a:srgbClr>
+            </a:solidFill>
+            <a:prstDash val="solid"/>
+          </a:ln>
+          <a:effectLst/>
+        </p:spPr>
+        <p:txBody>
+          <a:bodyPr rtlCol="0" anchor="ctr"/>
+          <a:lstStyle/>
+          <a:p>
+            <a:pPr marL="0" marR="0" lvl="0" indent="0" algn="ctr" defTabSz="914400" eaLnBrk="1" fontAlgn="auto" latinLnBrk="0" hangingPunct="1">
+              <a:lnSpc>
+                <a:spcPct val="100000"/>
+              </a:lnSpc>
+              <a:spcBef>
+                <a:spcPts val="0"/>
+              </a:spcBef>
+              <a:spcAft>
+                <a:spcPts val="0"/>
+              </a:spcAft>
+              <a:buClrTx/>
+              <a:buSzTx/>
+              <a:buFontTx/>
+              <a:buNone/>
+              <a:tabLst/>
+              <a:defRPr/>
+            </a:pPr>
+            <a:r>
+              <a:rPr kumimoji="0" lang="fr-FR" sz="1200" b="0" i="0" u="none" strike="noStrike" kern="0" cap="none" spc="0" normalizeH="0" baseline="0" noProof="0" dirty="0" smtClean="0">
+                <a:ln>
+                  <a:noFill/>
+                </a:ln>
+                <a:solidFill>
+                  <a:sysClr val="windowText" lastClr="000000"/>
+                </a:solidFill>
+                <a:effectLst/>
+                <a:uLnTx/>
+                <a:uFillTx/>
+                <a:latin typeface="Calibri"/>
+                <a:ea typeface="+mn-ea"/>
+                <a:cs typeface="+mn-cs"/>
+              </a:rPr>
+              <a:t>9</a:t>
+            </a:r>
+            <a:endParaRPr kumimoji="0" lang="fr-FR" sz="1200" b="0" i="0" u="none" strike="noStrike" kern="0" cap="none" spc="0" normalizeH="0" baseline="0" noProof="0" dirty="0" smtClean="0">
+              <a:ln>
+                <a:noFill/>
+              </a:ln>
+              <a:solidFill>
+                <a:sysClr val="windowText" lastClr="000000"/>
+              </a:solidFill>
+              <a:effectLst/>
+              <a:uLnTx/>
+              <a:uFillTx/>
+              <a:latin typeface="Calibri"/>
+              <a:ea typeface="+mn-ea"/>
+              <a:cs typeface="+mn-cs"/>
+            </a:endParaRPr>
+          </a:p>
+        </p:txBody>
+      </p:sp>
+      <p:sp>
+        <p:nvSpPr>
+          <p:cNvPr id="74" name="Rectangle 73"/>
+          <p:cNvSpPr/>
+          <p:nvPr/>
+        </p:nvSpPr>
+        <p:spPr>
+          <a:xfrm>
+            <a:off x="4287757" y="4797152"/>
+            <a:ext cx="360000" cy="360000"/>
+          </a:xfrm>
+          <a:prstGeom prst="rect">
+            <a:avLst/>
+          </a:prstGeom>
+          <a:noFill/>
+          <a:ln w="19050" cap="flat" cmpd="sng" algn="ctr">
+            <a:noFill/>
+            <a:prstDash val="solid"/>
+          </a:ln>
+          <a:effectLst/>
+        </p:spPr>
+        <p:txBody>
+          <a:bodyPr rtlCol="0" anchor="ctr"/>
+          <a:lstStyle/>
+          <a:p>
+            <a:pPr marL="0" marR="0" lvl="0" indent="0" algn="ctr" defTabSz="914400" eaLnBrk="1" fontAlgn="auto" latinLnBrk="0" hangingPunct="1">
+              <a:lnSpc>
+                <a:spcPct val="100000"/>
+              </a:lnSpc>
+              <a:spcBef>
+                <a:spcPts val="0"/>
+              </a:spcBef>
+              <a:spcAft>
+                <a:spcPts val="0"/>
+              </a:spcAft>
+              <a:buClrTx/>
+              <a:buSzTx/>
+              <a:buFontTx/>
+              <a:buNone/>
+              <a:tabLst/>
+              <a:defRPr/>
+            </a:pPr>
+            <a:r>
+              <a:rPr kumimoji="0" lang="fr-FR" sz="1200" b="0" i="0" u="none" strike="noStrike" kern="0" cap="none" spc="0" normalizeH="0" baseline="0" noProof="0" dirty="0" smtClean="0">
+                <a:ln>
+                  <a:noFill/>
+                </a:ln>
+                <a:solidFill>
+                  <a:sysClr val="windowText" lastClr="000000"/>
+                </a:solidFill>
+                <a:effectLst/>
+                <a:uLnTx/>
+                <a:uFillTx/>
+                <a:latin typeface="Calibri"/>
+                <a:ea typeface="+mn-ea"/>
+                <a:cs typeface="+mn-cs"/>
+              </a:rPr>
+              <a:t>0</a:t>
+            </a:r>
+          </a:p>
+        </p:txBody>
+      </p:sp>
+      <p:sp>
+        <p:nvSpPr>
+          <p:cNvPr id="75" name="Rectangle 74"/>
+          <p:cNvSpPr/>
+          <p:nvPr/>
+        </p:nvSpPr>
+        <p:spPr>
+          <a:xfrm>
+            <a:off x="4647757" y="4797152"/>
+            <a:ext cx="360000" cy="360000"/>
+          </a:xfrm>
+          <a:prstGeom prst="rect">
+            <a:avLst/>
+          </a:prstGeom>
+          <a:noFill/>
+          <a:ln w="19050" cap="flat" cmpd="sng" algn="ctr">
+            <a:noFill/>
+            <a:prstDash val="solid"/>
+          </a:ln>
+          <a:effectLst/>
+        </p:spPr>
+        <p:txBody>
+          <a:bodyPr rtlCol="0" anchor="ctr"/>
+          <a:lstStyle/>
+          <a:p>
+            <a:pPr marL="0" marR="0" lvl="0" indent="0" algn="ctr" defTabSz="914400" eaLnBrk="1" fontAlgn="auto" latinLnBrk="0" hangingPunct="1">
+              <a:lnSpc>
+                <a:spcPct val="100000"/>
+              </a:lnSpc>
+              <a:spcBef>
+                <a:spcPts val="0"/>
+              </a:spcBef>
+              <a:spcAft>
+                <a:spcPts val="0"/>
+              </a:spcAft>
+              <a:buClrTx/>
+              <a:buSzTx/>
+              <a:buFontTx/>
+              <a:buNone/>
+              <a:tabLst/>
+              <a:defRPr/>
+            </a:pPr>
+            <a:r>
+              <a:rPr kumimoji="0" lang="fr-FR" sz="1200" b="0" i="0" u="none" strike="noStrike" kern="0" cap="none" spc="0" normalizeH="0" baseline="0" noProof="0" dirty="0" smtClean="0">
+                <a:ln>
+                  <a:noFill/>
+                </a:ln>
+                <a:solidFill>
+                  <a:sysClr val="windowText" lastClr="000000"/>
+                </a:solidFill>
+                <a:effectLst/>
+                <a:uLnTx/>
+                <a:uFillTx/>
+                <a:latin typeface="Calibri"/>
+                <a:ea typeface="+mn-ea"/>
+                <a:cs typeface="+mn-cs"/>
+              </a:rPr>
+              <a:t>1</a:t>
+            </a:r>
+          </a:p>
+        </p:txBody>
+      </p:sp>
+      <p:sp>
+        <p:nvSpPr>
+          <p:cNvPr id="76" name="Rectangle 75"/>
+          <p:cNvSpPr/>
+          <p:nvPr/>
+        </p:nvSpPr>
+        <p:spPr>
+          <a:xfrm>
+            <a:off x="5007757" y="4797152"/>
+            <a:ext cx="360000" cy="360000"/>
+          </a:xfrm>
+          <a:prstGeom prst="rect">
+            <a:avLst/>
+          </a:prstGeom>
+          <a:noFill/>
+          <a:ln w="19050" cap="flat" cmpd="sng" algn="ctr">
+            <a:noFill/>
+            <a:prstDash val="solid"/>
+          </a:ln>
+          <a:effectLst/>
+        </p:spPr>
+        <p:txBody>
+          <a:bodyPr rtlCol="0" anchor="ctr"/>
+          <a:lstStyle/>
+          <a:p>
+            <a:pPr marL="0" marR="0" lvl="0" indent="0" algn="ctr" defTabSz="914400" eaLnBrk="1" fontAlgn="auto" latinLnBrk="0" hangingPunct="1">
+              <a:lnSpc>
+                <a:spcPct val="100000"/>
+              </a:lnSpc>
+              <a:spcBef>
+                <a:spcPts val="0"/>
+              </a:spcBef>
+              <a:spcAft>
+                <a:spcPts val="0"/>
+              </a:spcAft>
+              <a:buClrTx/>
+              <a:buSzTx/>
+              <a:buFontTx/>
+              <a:buNone/>
+              <a:tabLst/>
+              <a:defRPr/>
+            </a:pPr>
+            <a:r>
+              <a:rPr kumimoji="0" lang="fr-FR" sz="1200" b="0" i="0" u="none" strike="noStrike" kern="0" cap="none" spc="0" normalizeH="0" baseline="0" noProof="0" dirty="0" smtClean="0">
+                <a:ln>
+                  <a:noFill/>
+                </a:ln>
+                <a:solidFill>
+                  <a:sysClr val="windowText" lastClr="000000"/>
+                </a:solidFill>
+                <a:effectLst/>
+                <a:uLnTx/>
+                <a:uFillTx/>
+                <a:latin typeface="Calibri"/>
+                <a:ea typeface="+mn-ea"/>
+                <a:cs typeface="+mn-cs"/>
+              </a:rPr>
+              <a:t>2</a:t>
+            </a:r>
+          </a:p>
+        </p:txBody>
+      </p:sp>
+      <p:sp>
+        <p:nvSpPr>
+          <p:cNvPr id="77" name="Rectangle 76"/>
+          <p:cNvSpPr/>
+          <p:nvPr/>
+        </p:nvSpPr>
+        <p:spPr>
+          <a:xfrm>
+            <a:off x="5367757" y="4797152"/>
+            <a:ext cx="360000" cy="360000"/>
+          </a:xfrm>
+          <a:prstGeom prst="rect">
+            <a:avLst/>
+          </a:prstGeom>
+          <a:noFill/>
+          <a:ln w="19050" cap="flat" cmpd="sng" algn="ctr">
+            <a:noFill/>
+            <a:prstDash val="solid"/>
+          </a:ln>
+          <a:effectLst/>
+        </p:spPr>
+        <p:txBody>
+          <a:bodyPr rtlCol="0" anchor="ctr"/>
+          <a:lstStyle/>
+          <a:p>
+            <a:pPr marL="0" marR="0" lvl="0" indent="0" algn="ctr" defTabSz="914400" eaLnBrk="1" fontAlgn="auto" latinLnBrk="0" hangingPunct="1">
+              <a:lnSpc>
+                <a:spcPct val="100000"/>
+              </a:lnSpc>
+              <a:spcBef>
+                <a:spcPts val="0"/>
+              </a:spcBef>
+              <a:spcAft>
+                <a:spcPts val="0"/>
+              </a:spcAft>
+              <a:buClrTx/>
+              <a:buSzTx/>
+              <a:buFontTx/>
+              <a:buNone/>
+              <a:tabLst/>
+              <a:defRPr/>
+            </a:pPr>
+            <a:r>
+              <a:rPr kumimoji="0" lang="fr-FR" sz="1200" b="0" i="0" u="none" strike="noStrike" kern="0" cap="none" spc="0" normalizeH="0" baseline="0" noProof="0" dirty="0" smtClean="0">
+                <a:ln>
+                  <a:noFill/>
+                </a:ln>
+                <a:solidFill>
+                  <a:sysClr val="windowText" lastClr="000000"/>
+                </a:solidFill>
+                <a:effectLst/>
+                <a:uLnTx/>
+                <a:uFillTx/>
+                <a:latin typeface="Calibri"/>
+                <a:ea typeface="+mn-ea"/>
+                <a:cs typeface="+mn-cs"/>
+              </a:rPr>
+              <a:t>3</a:t>
+            </a:r>
+          </a:p>
+        </p:txBody>
+      </p:sp>
+      <p:sp>
+        <p:nvSpPr>
+          <p:cNvPr id="78" name="Rectangle 77"/>
+          <p:cNvSpPr/>
+          <p:nvPr/>
+        </p:nvSpPr>
+        <p:spPr>
+          <a:xfrm>
+            <a:off x="5727757" y="4797152"/>
+            <a:ext cx="360000" cy="360000"/>
+          </a:xfrm>
+          <a:prstGeom prst="rect">
+            <a:avLst/>
+          </a:prstGeom>
+          <a:noFill/>
+          <a:ln w="19050" cap="flat" cmpd="sng" algn="ctr">
+            <a:noFill/>
+            <a:prstDash val="solid"/>
+          </a:ln>
+          <a:effectLst/>
+        </p:spPr>
+        <p:txBody>
+          <a:bodyPr rtlCol="0" anchor="ctr"/>
+          <a:lstStyle/>
+          <a:p>
+            <a:pPr marL="0" marR="0" lvl="0" indent="0" algn="ctr" defTabSz="914400" eaLnBrk="1" fontAlgn="auto" latinLnBrk="0" hangingPunct="1">
+              <a:lnSpc>
+                <a:spcPct val="100000"/>
+              </a:lnSpc>
+              <a:spcBef>
+                <a:spcPts val="0"/>
+              </a:spcBef>
+              <a:spcAft>
+                <a:spcPts val="0"/>
+              </a:spcAft>
+              <a:buClrTx/>
+              <a:buSzTx/>
+              <a:buFontTx/>
+              <a:buNone/>
+              <a:tabLst/>
+              <a:defRPr/>
+            </a:pPr>
+            <a:r>
+              <a:rPr kumimoji="0" lang="fr-FR" sz="1200" b="0" i="0" u="none" strike="noStrike" kern="0" cap="none" spc="0" normalizeH="0" baseline="0" noProof="0" dirty="0" smtClean="0">
+                <a:ln>
+                  <a:noFill/>
+                </a:ln>
+                <a:solidFill>
+                  <a:sysClr val="windowText" lastClr="000000"/>
+                </a:solidFill>
+                <a:effectLst/>
+                <a:uLnTx/>
+                <a:uFillTx/>
+                <a:latin typeface="Calibri"/>
+                <a:ea typeface="+mn-ea"/>
+                <a:cs typeface="+mn-cs"/>
+              </a:rPr>
+              <a:t>4</a:t>
+            </a:r>
+          </a:p>
+        </p:txBody>
+      </p:sp>
+      <p:sp>
+        <p:nvSpPr>
+          <p:cNvPr id="79" name="Rectangle 78"/>
+          <p:cNvSpPr/>
+          <p:nvPr/>
+        </p:nvSpPr>
+        <p:spPr>
+          <a:xfrm>
+            <a:off x="4647757" y="5157152"/>
+            <a:ext cx="360000" cy="360000"/>
+          </a:xfrm>
+          <a:prstGeom prst="rect">
+            <a:avLst/>
+          </a:prstGeom>
+          <a:noFill/>
+          <a:ln w="19050" cap="flat" cmpd="sng" algn="ctr">
+            <a:solidFill>
+              <a:srgbClr val="FF0000"/>
+            </a:solidFill>
+            <a:prstDash val="solid"/>
+          </a:ln>
+          <a:effectLst/>
+        </p:spPr>
+        <p:txBody>
+          <a:bodyPr rtlCol="0" anchor="ctr"/>
+          <a:lstStyle/>
+          <a:p>
+            <a:pPr marL="0" marR="0" lvl="0" indent="0" algn="ctr" defTabSz="914400" eaLnBrk="1" fontAlgn="auto" latinLnBrk="0" hangingPunct="1">
+              <a:lnSpc>
+                <a:spcPct val="100000"/>
+              </a:lnSpc>
+              <a:spcBef>
+                <a:spcPts val="0"/>
+              </a:spcBef>
+              <a:spcAft>
+                <a:spcPts val="0"/>
+              </a:spcAft>
+              <a:buClrTx/>
+              <a:buSzTx/>
+              <a:buFontTx/>
+              <a:buNone/>
+              <a:tabLst/>
+              <a:defRPr/>
+            </a:pPr>
+            <a:r>
+              <a:rPr lang="fr-FR" sz="1200" kern="0" noProof="0" dirty="0" smtClean="0">
+                <a:solidFill>
+                  <a:srgbClr val="FF0000"/>
+                </a:solidFill>
+                <a:latin typeface="Calibri"/>
+              </a:rPr>
+              <a:t>5</a:t>
+            </a:r>
+            <a:endParaRPr kumimoji="0" lang="fr-FR" sz="1200" b="0" i="0" u="none" strike="noStrike" kern="0" cap="none" spc="0" normalizeH="0" baseline="0" noProof="0" dirty="0" smtClean="0">
+              <a:ln>
+                <a:noFill/>
+              </a:ln>
+              <a:solidFill>
+                <a:srgbClr val="FF0000"/>
+              </a:solidFill>
+              <a:effectLst/>
+              <a:uLnTx/>
+              <a:uFillTx/>
+              <a:latin typeface="Calibri"/>
+            </a:endParaRPr>
+          </a:p>
+        </p:txBody>
+      </p:sp>
+      <p:sp>
+        <p:nvSpPr>
+          <p:cNvPr id="80" name="Rectangle 79"/>
+          <p:cNvSpPr/>
+          <p:nvPr/>
+        </p:nvSpPr>
+        <p:spPr>
+          <a:xfrm>
+            <a:off x="5007757" y="5157152"/>
+            <a:ext cx="360000" cy="360000"/>
+          </a:xfrm>
+          <a:prstGeom prst="rect">
+            <a:avLst/>
+          </a:prstGeom>
+          <a:noFill/>
+          <a:ln w="19050" cap="flat" cmpd="sng" algn="ctr">
+            <a:solidFill>
+              <a:srgbClr val="FF0000"/>
+            </a:solidFill>
+            <a:prstDash val="solid"/>
+          </a:ln>
+          <a:effectLst/>
+        </p:spPr>
+        <p:txBody>
+          <a:bodyPr rtlCol="0" anchor="ctr"/>
+          <a:lstStyle/>
+          <a:p>
+            <a:pPr marL="0" marR="0" lvl="0" indent="0" algn="ctr" defTabSz="914400" eaLnBrk="1" fontAlgn="auto" latinLnBrk="0" hangingPunct="1">
+              <a:lnSpc>
+                <a:spcPct val="100000"/>
+              </a:lnSpc>
+              <a:spcBef>
+                <a:spcPts val="0"/>
+              </a:spcBef>
+              <a:spcAft>
+                <a:spcPts val="0"/>
+              </a:spcAft>
+              <a:buClrTx/>
+              <a:buSzTx/>
+              <a:buFontTx/>
+              <a:buNone/>
+              <a:tabLst/>
+              <a:defRPr/>
+            </a:pPr>
+            <a:r>
+              <a:rPr kumimoji="0" lang="fr-FR" sz="1200" b="0" i="0" u="none" strike="noStrike" kern="0" cap="none" spc="0" normalizeH="0" baseline="0" noProof="0" dirty="0" smtClean="0">
+                <a:ln>
+                  <a:noFill/>
+                </a:ln>
+                <a:solidFill>
+                  <a:srgbClr val="FF0000"/>
+                </a:solidFill>
+                <a:effectLst/>
+                <a:uLnTx/>
+                <a:uFillTx/>
+                <a:latin typeface="Calibri"/>
+                <a:ea typeface="+mn-ea"/>
+                <a:cs typeface="+mn-cs"/>
+              </a:rPr>
+              <a:t>8</a:t>
+            </a:r>
+            <a:endParaRPr kumimoji="0" lang="fr-FR" sz="1200" b="0" i="0" u="none" strike="noStrike" kern="0" cap="none" spc="0" normalizeH="0" baseline="0" noProof="0" dirty="0" smtClean="0">
+              <a:ln>
+                <a:noFill/>
+              </a:ln>
+              <a:solidFill>
+                <a:srgbClr val="FF0000"/>
+              </a:solidFill>
+              <a:effectLst/>
+              <a:uLnTx/>
+              <a:uFillTx/>
+              <a:latin typeface="Calibri"/>
+              <a:ea typeface="+mn-ea"/>
+              <a:cs typeface="+mn-cs"/>
+            </a:endParaRPr>
+          </a:p>
+        </p:txBody>
+      </p:sp>
+      <p:cxnSp>
+        <p:nvCxnSpPr>
+          <p:cNvPr id="81" name="Connecteur droit 80"/>
+          <p:cNvCxnSpPr/>
+          <p:nvPr/>
+        </p:nvCxnSpPr>
+        <p:spPr>
+          <a:xfrm>
+            <a:off x="2193017" y="4879978"/>
+            <a:ext cx="0" cy="969266"/>
+          </a:xfrm>
+          <a:prstGeom prst="line">
+            <a:avLst/>
+          </a:prstGeom>
+          <a:noFill/>
+          <a:ln w="9525" cap="flat" cmpd="sng" algn="ctr">
+            <a:solidFill>
+              <a:srgbClr val="4BACC6">
+                <a:lumMod val="50000"/>
+              </a:srgbClr>
+            </a:solidFill>
+            <a:prstDash val="lgDashDot"/>
+          </a:ln>
+          <a:effectLst/>
+        </p:spPr>
+      </p:cxnSp>
+      <p:cxnSp>
+        <p:nvCxnSpPr>
+          <p:cNvPr id="84" name="Connecteur droit 83"/>
+          <p:cNvCxnSpPr/>
+          <p:nvPr/>
+        </p:nvCxnSpPr>
+        <p:spPr>
+          <a:xfrm>
+            <a:off x="6230903" y="4879978"/>
+            <a:ext cx="0" cy="969266"/>
+          </a:xfrm>
+          <a:prstGeom prst="line">
+            <a:avLst/>
+          </a:prstGeom>
+          <a:noFill/>
+          <a:ln w="9525" cap="flat" cmpd="sng" algn="ctr">
+            <a:solidFill>
+              <a:srgbClr val="4BACC6">
+                <a:lumMod val="50000"/>
+              </a:srgbClr>
+            </a:solidFill>
+            <a:prstDash val="lgDashDot"/>
+          </a:ln>
+          <a:effectLst/>
+        </p:spPr>
+      </p:cxnSp>
+      <p:cxnSp>
+        <p:nvCxnSpPr>
+          <p:cNvPr id="85" name="Connecteur droit 84"/>
+          <p:cNvCxnSpPr/>
+          <p:nvPr/>
+        </p:nvCxnSpPr>
+        <p:spPr>
+          <a:xfrm>
+            <a:off x="7020272" y="2320852"/>
+            <a:ext cx="2123728" cy="0"/>
+          </a:xfrm>
+          <a:prstGeom prst="line">
+            <a:avLst/>
+          </a:prstGeom>
+          <a:noFill/>
+          <a:ln w="9525" cap="flat" cmpd="sng" algn="ctr">
+            <a:solidFill>
+              <a:srgbClr val="4BACC6">
+                <a:lumMod val="50000"/>
+              </a:srgbClr>
+            </a:solidFill>
+            <a:prstDash val="lgDashDot"/>
+          </a:ln>
+          <a:effectLst/>
+        </p:spPr>
+      </p:cxnSp>
+      <p:cxnSp>
+        <p:nvCxnSpPr>
+          <p:cNvPr id="89" name="Connecteur droit 88"/>
+          <p:cNvCxnSpPr/>
+          <p:nvPr/>
+        </p:nvCxnSpPr>
+        <p:spPr>
+          <a:xfrm>
+            <a:off x="7020272" y="3212976"/>
+            <a:ext cx="2123728" cy="0"/>
+          </a:xfrm>
+          <a:prstGeom prst="line">
+            <a:avLst/>
+          </a:prstGeom>
+          <a:noFill/>
+          <a:ln w="9525" cap="flat" cmpd="sng" algn="ctr">
+            <a:solidFill>
+              <a:srgbClr val="4BACC6">
+                <a:lumMod val="50000"/>
+              </a:srgbClr>
+            </a:solidFill>
+            <a:prstDash val="lgDashDot"/>
+          </a:ln>
+          <a:effectLst/>
+        </p:spPr>
+      </p:cxnSp>
+      <p:sp>
+        <p:nvSpPr>
+          <p:cNvPr id="90" name="Ellipse 89"/>
+          <p:cNvSpPr/>
+          <p:nvPr/>
+        </p:nvSpPr>
+        <p:spPr>
+          <a:xfrm>
+            <a:off x="6412053" y="4879978"/>
+            <a:ext cx="208486" cy="208486"/>
+          </a:xfrm>
+          <a:prstGeom prst="ellipse">
+            <a:avLst/>
+          </a:prstGeom>
+          <a:solidFill>
+            <a:srgbClr val="4BACC6">
+              <a:lumMod val="20000"/>
+              <a:lumOff val="80000"/>
+            </a:srgbClr>
+          </a:solidFill>
+          <a:ln w="9525" cap="flat" cmpd="sng" algn="ctr">
+            <a:solidFill>
+              <a:srgbClr val="4BACC6">
+                <a:lumMod val="50000"/>
+              </a:srgbClr>
+            </a:solidFill>
+            <a:prstDash val="dash"/>
+          </a:ln>
+          <a:effectLst/>
+        </p:spPr>
+        <p:txBody>
+          <a:bodyPr rtlCol="0" anchor="ctr"/>
+          <a:lstStyle/>
+          <a:p>
+            <a:pPr marL="0" marR="0" lvl="0" indent="0" algn="ctr" defTabSz="914400" eaLnBrk="1" fontAlgn="auto" latinLnBrk="0" hangingPunct="1">
+              <a:lnSpc>
+                <a:spcPct val="100000"/>
+              </a:lnSpc>
+              <a:spcBef>
+                <a:spcPts val="0"/>
+              </a:spcBef>
+              <a:spcAft>
+                <a:spcPts val="0"/>
+              </a:spcAft>
+              <a:buClrTx/>
+              <a:buSzTx/>
+              <a:buFontTx/>
+              <a:buNone/>
+              <a:tabLst/>
+              <a:defRPr/>
+            </a:pPr>
+            <a:endParaRPr kumimoji="0" lang="fr-FR" sz="1200" b="0" i="0" u="none" strike="noStrike" kern="0" cap="none" spc="0" normalizeH="0" baseline="0" noProof="0" smtClean="0">
+              <a:ln>
+                <a:noFill/>
+              </a:ln>
+              <a:solidFill>
+                <a:sysClr val="windowText" lastClr="000000"/>
+              </a:solidFill>
+              <a:effectLst/>
+              <a:uLnTx/>
+              <a:uFillTx/>
+              <a:latin typeface="Calibri"/>
+              <a:ea typeface="+mn-ea"/>
+              <a:cs typeface="+mn-cs"/>
+            </a:endParaRPr>
+          </a:p>
+        </p:txBody>
+      </p:sp>
+      <p:sp>
+        <p:nvSpPr>
+          <p:cNvPr id="91" name="Rectangle 90"/>
+          <p:cNvSpPr/>
+          <p:nvPr/>
+        </p:nvSpPr>
+        <p:spPr>
+          <a:xfrm>
+            <a:off x="6336296" y="5157152"/>
+            <a:ext cx="360000" cy="360000"/>
+          </a:xfrm>
+          <a:prstGeom prst="rect">
+            <a:avLst/>
+          </a:prstGeom>
+          <a:noFill/>
+          <a:ln w="19050" cap="flat" cmpd="sng" algn="ctr">
+            <a:solidFill>
+              <a:srgbClr val="FF0000"/>
+            </a:solidFill>
+            <a:prstDash val="solid"/>
+          </a:ln>
+          <a:effectLst/>
+        </p:spPr>
+        <p:txBody>
+          <a:bodyPr rtlCol="0" anchor="ctr"/>
+          <a:lstStyle/>
+          <a:p>
+            <a:pPr marL="0" marR="0" lvl="0" indent="0" algn="ctr" defTabSz="914400" eaLnBrk="1" fontAlgn="auto" latinLnBrk="0" hangingPunct="1">
+              <a:lnSpc>
+                <a:spcPct val="100000"/>
+              </a:lnSpc>
+              <a:spcBef>
+                <a:spcPts val="0"/>
+              </a:spcBef>
+              <a:spcAft>
+                <a:spcPts val="0"/>
+              </a:spcAft>
+              <a:buClrTx/>
+              <a:buSzTx/>
+              <a:buFontTx/>
+              <a:buNone/>
+              <a:tabLst/>
+              <a:defRPr/>
+            </a:pPr>
+            <a:r>
+              <a:rPr kumimoji="0" lang="fr-FR" sz="1200" i="0" u="none" strike="noStrike" kern="0" cap="none" spc="0" normalizeH="0" baseline="0" noProof="0" dirty="0" smtClean="0">
+                <a:ln>
+                  <a:noFill/>
+                </a:ln>
+                <a:solidFill>
+                  <a:srgbClr val="FF0000"/>
+                </a:solidFill>
+                <a:effectLst/>
+                <a:uLnTx/>
+                <a:uFillTx/>
+                <a:latin typeface="Calibri"/>
+                <a:ea typeface="+mn-ea"/>
+                <a:cs typeface="+mn-cs"/>
+              </a:rPr>
+              <a:t>3</a:t>
+            </a:r>
+            <a:endParaRPr kumimoji="0" lang="fr-FR" sz="1200" i="0" u="none" strike="noStrike" kern="0" cap="none" spc="0" normalizeH="0" baseline="0" noProof="0" dirty="0" smtClean="0">
+              <a:ln>
+                <a:noFill/>
+              </a:ln>
+              <a:solidFill>
+                <a:srgbClr val="FF0000"/>
+              </a:solidFill>
+              <a:effectLst/>
+              <a:uLnTx/>
+              <a:uFillTx/>
+              <a:latin typeface="Calibri"/>
+              <a:ea typeface="+mn-ea"/>
+              <a:cs typeface="+mn-cs"/>
+            </a:endParaRPr>
+          </a:p>
+        </p:txBody>
+      </p:sp>
+      <p:sp>
+        <p:nvSpPr>
+          <p:cNvPr id="92" name="Rectangle 91"/>
+          <p:cNvSpPr/>
+          <p:nvPr/>
+        </p:nvSpPr>
+        <p:spPr>
+          <a:xfrm>
+            <a:off x="7416296" y="5157152"/>
+            <a:ext cx="360000" cy="360000"/>
+          </a:xfrm>
+          <a:prstGeom prst="rect">
+            <a:avLst/>
+          </a:prstGeom>
+          <a:noFill/>
+          <a:ln w="19050" cap="flat" cmpd="sng" algn="ctr">
+            <a:solidFill>
+              <a:srgbClr val="4BACC6">
+                <a:lumMod val="50000"/>
+              </a:srgbClr>
+            </a:solidFill>
+            <a:prstDash val="solid"/>
+          </a:ln>
+          <a:effectLst/>
+        </p:spPr>
+        <p:txBody>
+          <a:bodyPr rtlCol="0" anchor="ctr"/>
+          <a:lstStyle/>
+          <a:p>
+            <a:pPr marL="0" marR="0" lvl="0" indent="0" algn="ctr" defTabSz="914400" eaLnBrk="1" fontAlgn="auto" latinLnBrk="0" hangingPunct="1">
+              <a:lnSpc>
+                <a:spcPct val="100000"/>
+              </a:lnSpc>
+              <a:spcBef>
+                <a:spcPts val="0"/>
+              </a:spcBef>
+              <a:spcAft>
+                <a:spcPts val="0"/>
+              </a:spcAft>
+              <a:buClrTx/>
+              <a:buSzTx/>
+              <a:buFontTx/>
+              <a:buNone/>
+              <a:tabLst/>
+              <a:defRPr/>
+            </a:pPr>
+            <a:r>
+              <a:rPr kumimoji="0" lang="fr-FR" sz="1200" b="0" i="0" u="none" strike="noStrike" kern="0" cap="none" spc="0" normalizeH="0" baseline="0" noProof="0" dirty="0" smtClean="0">
+                <a:ln>
+                  <a:noFill/>
+                </a:ln>
+                <a:solidFill>
+                  <a:sysClr val="windowText" lastClr="000000"/>
+                </a:solidFill>
+                <a:effectLst/>
+                <a:uLnTx/>
+                <a:uFillTx/>
+                <a:latin typeface="Calibri"/>
+                <a:ea typeface="+mn-ea"/>
+                <a:cs typeface="+mn-cs"/>
+              </a:rPr>
+              <a:t>2</a:t>
+            </a:r>
+            <a:endParaRPr kumimoji="0" lang="fr-FR" sz="1200" b="0" i="0" u="none" strike="noStrike" kern="0" cap="none" spc="0" normalizeH="0" baseline="0" noProof="0" dirty="0" smtClean="0">
+              <a:ln>
+                <a:noFill/>
+              </a:ln>
+              <a:solidFill>
+                <a:sysClr val="windowText" lastClr="000000"/>
+              </a:solidFill>
+              <a:effectLst/>
+              <a:uLnTx/>
+              <a:uFillTx/>
+              <a:latin typeface="Calibri"/>
+              <a:ea typeface="+mn-ea"/>
+              <a:cs typeface="+mn-cs"/>
+            </a:endParaRPr>
+          </a:p>
+        </p:txBody>
+      </p:sp>
+      <p:sp>
+        <p:nvSpPr>
+          <p:cNvPr id="93" name="Rectangle 92"/>
+          <p:cNvSpPr/>
+          <p:nvPr/>
+        </p:nvSpPr>
+        <p:spPr>
+          <a:xfrm>
+            <a:off x="7776296" y="5157152"/>
+            <a:ext cx="360000" cy="360000"/>
+          </a:xfrm>
+          <a:prstGeom prst="rect">
+            <a:avLst/>
+          </a:prstGeom>
+          <a:noFill/>
+          <a:ln w="19050" cap="flat" cmpd="sng" algn="ctr">
+            <a:solidFill>
+              <a:srgbClr val="4BACC6">
+                <a:lumMod val="50000"/>
+              </a:srgbClr>
+            </a:solidFill>
+            <a:prstDash val="solid"/>
+          </a:ln>
+          <a:effectLst/>
+        </p:spPr>
+        <p:txBody>
+          <a:bodyPr rtlCol="0" anchor="ctr"/>
+          <a:lstStyle/>
+          <a:p>
+            <a:pPr marL="0" marR="0" lvl="0" indent="0" algn="ctr" defTabSz="914400" eaLnBrk="1" fontAlgn="auto" latinLnBrk="0" hangingPunct="1">
+              <a:lnSpc>
+                <a:spcPct val="100000"/>
+              </a:lnSpc>
+              <a:spcBef>
+                <a:spcPts val="0"/>
+              </a:spcBef>
+              <a:spcAft>
+                <a:spcPts val="0"/>
+              </a:spcAft>
+              <a:buClrTx/>
+              <a:buSzTx/>
+              <a:buFontTx/>
+              <a:buNone/>
+              <a:tabLst/>
+              <a:defRPr/>
+            </a:pPr>
+            <a:r>
+              <a:rPr kumimoji="0" lang="fr-FR" sz="1200" b="0" i="0" u="none" strike="noStrike" kern="0" cap="none" spc="0" normalizeH="0" baseline="0" noProof="0" dirty="0" smtClean="0">
+                <a:ln>
+                  <a:noFill/>
+                </a:ln>
+                <a:solidFill>
+                  <a:sysClr val="windowText" lastClr="000000"/>
+                </a:solidFill>
+                <a:effectLst/>
+                <a:uLnTx/>
+                <a:uFillTx/>
+                <a:latin typeface="Calibri"/>
+                <a:ea typeface="+mn-ea"/>
+                <a:cs typeface="+mn-cs"/>
+              </a:rPr>
+              <a:t>9</a:t>
+            </a:r>
+            <a:endParaRPr kumimoji="0" lang="fr-FR" sz="1200" b="0" i="0" u="none" strike="noStrike" kern="0" cap="none" spc="0" normalizeH="0" baseline="0" noProof="0" dirty="0" smtClean="0">
+              <a:ln>
+                <a:noFill/>
+              </a:ln>
+              <a:solidFill>
+                <a:sysClr val="windowText" lastClr="000000"/>
+              </a:solidFill>
+              <a:effectLst/>
+              <a:uLnTx/>
+              <a:uFillTx/>
+              <a:latin typeface="Calibri"/>
+              <a:ea typeface="+mn-ea"/>
+              <a:cs typeface="+mn-cs"/>
+            </a:endParaRPr>
+          </a:p>
+        </p:txBody>
+      </p:sp>
+      <p:sp>
+        <p:nvSpPr>
+          <p:cNvPr id="94" name="Rectangle 93"/>
+          <p:cNvSpPr/>
+          <p:nvPr/>
+        </p:nvSpPr>
+        <p:spPr>
+          <a:xfrm>
+            <a:off x="6336296" y="4797152"/>
+            <a:ext cx="360000" cy="360000"/>
+          </a:xfrm>
+          <a:prstGeom prst="rect">
+            <a:avLst/>
+          </a:prstGeom>
+          <a:noFill/>
+          <a:ln w="19050" cap="flat" cmpd="sng" algn="ctr">
+            <a:noFill/>
+            <a:prstDash val="solid"/>
+          </a:ln>
+          <a:effectLst/>
+        </p:spPr>
+        <p:txBody>
+          <a:bodyPr rtlCol="0" anchor="ctr"/>
+          <a:lstStyle/>
+          <a:p>
+            <a:pPr marL="0" marR="0" lvl="0" indent="0" algn="ctr" defTabSz="914400" eaLnBrk="1" fontAlgn="auto" latinLnBrk="0" hangingPunct="1">
+              <a:lnSpc>
+                <a:spcPct val="100000"/>
+              </a:lnSpc>
+              <a:spcBef>
+                <a:spcPts val="0"/>
+              </a:spcBef>
+              <a:spcAft>
+                <a:spcPts val="0"/>
+              </a:spcAft>
+              <a:buClrTx/>
+              <a:buSzTx/>
+              <a:buFontTx/>
+              <a:buNone/>
+              <a:tabLst/>
+              <a:defRPr/>
+            </a:pPr>
+            <a:r>
+              <a:rPr kumimoji="0" lang="fr-FR" sz="1200" b="0" i="0" u="none" strike="noStrike" kern="0" cap="none" spc="0" normalizeH="0" baseline="0" noProof="0" dirty="0" smtClean="0">
+                <a:ln>
+                  <a:noFill/>
+                </a:ln>
+                <a:solidFill>
+                  <a:sysClr val="windowText" lastClr="000000"/>
+                </a:solidFill>
+                <a:effectLst/>
+                <a:uLnTx/>
+                <a:uFillTx/>
+                <a:latin typeface="Calibri"/>
+                <a:ea typeface="+mn-ea"/>
+                <a:cs typeface="+mn-cs"/>
+              </a:rPr>
+              <a:t>0</a:t>
+            </a:r>
+          </a:p>
+        </p:txBody>
+      </p:sp>
+      <p:sp>
+        <p:nvSpPr>
+          <p:cNvPr id="95" name="Rectangle 94"/>
+          <p:cNvSpPr/>
+          <p:nvPr/>
+        </p:nvSpPr>
+        <p:spPr>
+          <a:xfrm>
+            <a:off x="6696296" y="4797152"/>
+            <a:ext cx="360000" cy="360000"/>
+          </a:xfrm>
+          <a:prstGeom prst="rect">
+            <a:avLst/>
+          </a:prstGeom>
+          <a:noFill/>
+          <a:ln w="19050" cap="flat" cmpd="sng" algn="ctr">
+            <a:noFill/>
+            <a:prstDash val="solid"/>
+          </a:ln>
+          <a:effectLst/>
+        </p:spPr>
+        <p:txBody>
+          <a:bodyPr rtlCol="0" anchor="ctr"/>
+          <a:lstStyle/>
+          <a:p>
+            <a:pPr marL="0" marR="0" lvl="0" indent="0" algn="ctr" defTabSz="914400" eaLnBrk="1" fontAlgn="auto" latinLnBrk="0" hangingPunct="1">
+              <a:lnSpc>
+                <a:spcPct val="100000"/>
+              </a:lnSpc>
+              <a:spcBef>
+                <a:spcPts val="0"/>
+              </a:spcBef>
+              <a:spcAft>
+                <a:spcPts val="0"/>
+              </a:spcAft>
+              <a:buClrTx/>
+              <a:buSzTx/>
+              <a:buFontTx/>
+              <a:buNone/>
+              <a:tabLst/>
+              <a:defRPr/>
+            </a:pPr>
+            <a:r>
+              <a:rPr kumimoji="0" lang="fr-FR" sz="1200" b="0" i="0" u="none" strike="noStrike" kern="0" cap="none" spc="0" normalizeH="0" baseline="0" noProof="0" dirty="0" smtClean="0">
+                <a:ln>
+                  <a:noFill/>
+                </a:ln>
+                <a:solidFill>
+                  <a:sysClr val="windowText" lastClr="000000"/>
+                </a:solidFill>
+                <a:effectLst/>
+                <a:uLnTx/>
+                <a:uFillTx/>
+                <a:latin typeface="Calibri"/>
+                <a:ea typeface="+mn-ea"/>
+                <a:cs typeface="+mn-cs"/>
+              </a:rPr>
+              <a:t>1</a:t>
+            </a:r>
+          </a:p>
+        </p:txBody>
+      </p:sp>
+      <p:sp>
+        <p:nvSpPr>
+          <p:cNvPr id="96" name="Rectangle 95"/>
+          <p:cNvSpPr/>
+          <p:nvPr/>
+        </p:nvSpPr>
+        <p:spPr>
+          <a:xfrm>
+            <a:off x="7056296" y="4797152"/>
+            <a:ext cx="360000" cy="360000"/>
+          </a:xfrm>
+          <a:prstGeom prst="rect">
+            <a:avLst/>
+          </a:prstGeom>
+          <a:noFill/>
+          <a:ln w="19050" cap="flat" cmpd="sng" algn="ctr">
+            <a:noFill/>
+            <a:prstDash val="solid"/>
+          </a:ln>
+          <a:effectLst/>
+        </p:spPr>
+        <p:txBody>
+          <a:bodyPr rtlCol="0" anchor="ctr"/>
+          <a:lstStyle/>
+          <a:p>
+            <a:pPr marL="0" marR="0" lvl="0" indent="0" algn="ctr" defTabSz="914400" eaLnBrk="1" fontAlgn="auto" latinLnBrk="0" hangingPunct="1">
+              <a:lnSpc>
+                <a:spcPct val="100000"/>
+              </a:lnSpc>
+              <a:spcBef>
+                <a:spcPts val="0"/>
+              </a:spcBef>
+              <a:spcAft>
+                <a:spcPts val="0"/>
+              </a:spcAft>
+              <a:buClrTx/>
+              <a:buSzTx/>
+              <a:buFontTx/>
+              <a:buNone/>
+              <a:tabLst/>
+              <a:defRPr/>
+            </a:pPr>
+            <a:r>
+              <a:rPr kumimoji="0" lang="fr-FR" sz="1200" b="0" i="0" u="none" strike="noStrike" kern="0" cap="none" spc="0" normalizeH="0" baseline="0" noProof="0" dirty="0" smtClean="0">
+                <a:ln>
+                  <a:noFill/>
+                </a:ln>
+                <a:solidFill>
+                  <a:sysClr val="windowText" lastClr="000000"/>
+                </a:solidFill>
+                <a:effectLst/>
+                <a:uLnTx/>
+                <a:uFillTx/>
+                <a:latin typeface="Calibri"/>
+                <a:ea typeface="+mn-ea"/>
+                <a:cs typeface="+mn-cs"/>
+              </a:rPr>
+              <a:t>2</a:t>
+            </a:r>
+          </a:p>
+        </p:txBody>
+      </p:sp>
+      <p:sp>
+        <p:nvSpPr>
+          <p:cNvPr id="97" name="Rectangle 96"/>
+          <p:cNvSpPr/>
+          <p:nvPr/>
+        </p:nvSpPr>
+        <p:spPr>
+          <a:xfrm>
+            <a:off x="7416296" y="4797152"/>
+            <a:ext cx="360000" cy="360000"/>
+          </a:xfrm>
+          <a:prstGeom prst="rect">
+            <a:avLst/>
+          </a:prstGeom>
+          <a:noFill/>
+          <a:ln w="19050" cap="flat" cmpd="sng" algn="ctr">
+            <a:noFill/>
+            <a:prstDash val="solid"/>
+          </a:ln>
+          <a:effectLst/>
+        </p:spPr>
+        <p:txBody>
+          <a:bodyPr rtlCol="0" anchor="ctr"/>
+          <a:lstStyle/>
+          <a:p>
+            <a:pPr marL="0" marR="0" lvl="0" indent="0" algn="ctr" defTabSz="914400" eaLnBrk="1" fontAlgn="auto" latinLnBrk="0" hangingPunct="1">
+              <a:lnSpc>
+                <a:spcPct val="100000"/>
+              </a:lnSpc>
+              <a:spcBef>
+                <a:spcPts val="0"/>
+              </a:spcBef>
+              <a:spcAft>
+                <a:spcPts val="0"/>
+              </a:spcAft>
+              <a:buClrTx/>
+              <a:buSzTx/>
+              <a:buFontTx/>
+              <a:buNone/>
+              <a:tabLst/>
+              <a:defRPr/>
+            </a:pPr>
+            <a:r>
+              <a:rPr kumimoji="0" lang="fr-FR" sz="1200" b="0" i="0" u="none" strike="noStrike" kern="0" cap="none" spc="0" normalizeH="0" baseline="0" noProof="0" dirty="0" smtClean="0">
+                <a:ln>
+                  <a:noFill/>
+                </a:ln>
+                <a:solidFill>
+                  <a:sysClr val="windowText" lastClr="000000"/>
+                </a:solidFill>
+                <a:effectLst/>
+                <a:uLnTx/>
+                <a:uFillTx/>
+                <a:latin typeface="Calibri"/>
+                <a:ea typeface="+mn-ea"/>
+                <a:cs typeface="+mn-cs"/>
+              </a:rPr>
+              <a:t>3</a:t>
+            </a:r>
+          </a:p>
+        </p:txBody>
+      </p:sp>
+      <p:sp>
+        <p:nvSpPr>
+          <p:cNvPr id="98" name="Rectangle 97"/>
+          <p:cNvSpPr/>
+          <p:nvPr/>
+        </p:nvSpPr>
+        <p:spPr>
+          <a:xfrm>
+            <a:off x="7776296" y="4797152"/>
+            <a:ext cx="360000" cy="360000"/>
+          </a:xfrm>
+          <a:prstGeom prst="rect">
+            <a:avLst/>
+          </a:prstGeom>
+          <a:noFill/>
+          <a:ln w="19050" cap="flat" cmpd="sng" algn="ctr">
+            <a:noFill/>
+            <a:prstDash val="solid"/>
+          </a:ln>
+          <a:effectLst/>
+        </p:spPr>
+        <p:txBody>
+          <a:bodyPr rtlCol="0" anchor="ctr"/>
+          <a:lstStyle/>
+          <a:p>
+            <a:pPr marL="0" marR="0" lvl="0" indent="0" algn="ctr" defTabSz="914400" eaLnBrk="1" fontAlgn="auto" latinLnBrk="0" hangingPunct="1">
+              <a:lnSpc>
+                <a:spcPct val="100000"/>
+              </a:lnSpc>
+              <a:spcBef>
+                <a:spcPts val="0"/>
+              </a:spcBef>
+              <a:spcAft>
+                <a:spcPts val="0"/>
+              </a:spcAft>
+              <a:buClrTx/>
+              <a:buSzTx/>
+              <a:buFontTx/>
+              <a:buNone/>
+              <a:tabLst/>
+              <a:defRPr/>
+            </a:pPr>
+            <a:r>
+              <a:rPr kumimoji="0" lang="fr-FR" sz="1200" b="0" i="0" u="none" strike="noStrike" kern="0" cap="none" spc="0" normalizeH="0" baseline="0" noProof="0" dirty="0" smtClean="0">
+                <a:ln>
+                  <a:noFill/>
+                </a:ln>
+                <a:solidFill>
+                  <a:sysClr val="windowText" lastClr="000000"/>
+                </a:solidFill>
+                <a:effectLst/>
+                <a:uLnTx/>
+                <a:uFillTx/>
+                <a:latin typeface="Calibri"/>
+                <a:ea typeface="+mn-ea"/>
+                <a:cs typeface="+mn-cs"/>
+              </a:rPr>
+              <a:t>4</a:t>
+            </a:r>
+          </a:p>
+        </p:txBody>
+      </p:sp>
+      <p:sp>
+        <p:nvSpPr>
+          <p:cNvPr id="99" name="Rectangle 98"/>
+          <p:cNvSpPr/>
+          <p:nvPr/>
+        </p:nvSpPr>
+        <p:spPr>
+          <a:xfrm>
+            <a:off x="6696296" y="5157152"/>
+            <a:ext cx="360000" cy="360000"/>
+          </a:xfrm>
+          <a:prstGeom prst="rect">
+            <a:avLst/>
+          </a:prstGeom>
+          <a:noFill/>
+          <a:ln w="19050" cap="flat" cmpd="sng" algn="ctr">
+            <a:solidFill>
+              <a:srgbClr val="FF0000"/>
+            </a:solidFill>
+            <a:prstDash val="solid"/>
+          </a:ln>
+          <a:effectLst/>
+        </p:spPr>
+        <p:txBody>
+          <a:bodyPr rtlCol="0" anchor="ctr"/>
+          <a:lstStyle/>
+          <a:p>
+            <a:pPr marL="0" marR="0" lvl="0" indent="0" algn="ctr" defTabSz="914400" eaLnBrk="1" fontAlgn="auto" latinLnBrk="0" hangingPunct="1">
+              <a:lnSpc>
+                <a:spcPct val="100000"/>
+              </a:lnSpc>
+              <a:spcBef>
+                <a:spcPts val="0"/>
+              </a:spcBef>
+              <a:spcAft>
+                <a:spcPts val="0"/>
+              </a:spcAft>
+              <a:buClrTx/>
+              <a:buSzTx/>
+              <a:buFontTx/>
+              <a:buNone/>
+              <a:tabLst/>
+              <a:defRPr/>
+            </a:pPr>
+            <a:r>
+              <a:rPr lang="fr-FR" sz="1200" kern="0" noProof="0" dirty="0" smtClean="0">
+                <a:latin typeface="Calibri"/>
+              </a:rPr>
+              <a:t>5</a:t>
+            </a:r>
+            <a:endParaRPr kumimoji="0" lang="fr-FR" sz="1200" b="0" i="0" u="none" strike="noStrike" kern="0" cap="none" spc="0" normalizeH="0" baseline="0" noProof="0" dirty="0" smtClean="0">
+              <a:ln>
+                <a:noFill/>
+              </a:ln>
+              <a:effectLst/>
+              <a:uLnTx/>
+              <a:uFillTx/>
+              <a:latin typeface="Calibri"/>
+            </a:endParaRPr>
+          </a:p>
+        </p:txBody>
+      </p:sp>
+      <p:sp>
+        <p:nvSpPr>
+          <p:cNvPr id="100" name="Rectangle 99"/>
+          <p:cNvSpPr/>
+          <p:nvPr/>
+        </p:nvSpPr>
+        <p:spPr>
+          <a:xfrm>
+            <a:off x="7056296" y="5157152"/>
+            <a:ext cx="360000" cy="360000"/>
+          </a:xfrm>
+          <a:prstGeom prst="rect">
+            <a:avLst/>
+          </a:prstGeom>
+          <a:noFill/>
+          <a:ln w="19050" cap="flat" cmpd="sng" algn="ctr">
+            <a:solidFill>
+              <a:srgbClr val="FF0000"/>
+            </a:solidFill>
+            <a:prstDash val="solid"/>
+          </a:ln>
+          <a:effectLst/>
+        </p:spPr>
+        <p:txBody>
+          <a:bodyPr rtlCol="0" anchor="ctr"/>
+          <a:lstStyle/>
+          <a:p>
+            <a:pPr marL="0" marR="0" lvl="0" indent="0" algn="ctr" defTabSz="914400" eaLnBrk="1" fontAlgn="auto" latinLnBrk="0" hangingPunct="1">
+              <a:lnSpc>
+                <a:spcPct val="100000"/>
+              </a:lnSpc>
+              <a:spcBef>
+                <a:spcPts val="0"/>
+              </a:spcBef>
+              <a:spcAft>
+                <a:spcPts val="0"/>
+              </a:spcAft>
+              <a:buClrTx/>
+              <a:buSzTx/>
+              <a:buFontTx/>
+              <a:buNone/>
+              <a:tabLst/>
+              <a:defRPr/>
+            </a:pPr>
+            <a:r>
+              <a:rPr kumimoji="0" lang="fr-FR" sz="1200" b="0" i="0" u="none" strike="noStrike" kern="0" cap="none" spc="0" normalizeH="0" baseline="0" noProof="0" dirty="0" smtClean="0">
+                <a:ln>
+                  <a:noFill/>
+                </a:ln>
+                <a:effectLst/>
+                <a:uLnTx/>
+                <a:uFillTx/>
+                <a:latin typeface="Calibri"/>
+                <a:ea typeface="+mn-ea"/>
+                <a:cs typeface="+mn-cs"/>
+              </a:rPr>
+              <a:t>8</a:t>
+            </a:r>
+            <a:endParaRPr kumimoji="0" lang="fr-FR" sz="1200" b="0" i="0" u="none" strike="noStrike" kern="0" cap="none" spc="0" normalizeH="0" baseline="0" noProof="0" dirty="0" smtClean="0">
+              <a:ln>
+                <a:noFill/>
+              </a:ln>
+              <a:effectLst/>
+              <a:uLnTx/>
+              <a:uFillTx/>
+              <a:latin typeface="Calibri"/>
+              <a:ea typeface="+mn-ea"/>
+              <a:cs typeface="+mn-cs"/>
+            </a:endParaRPr>
+          </a:p>
+        </p:txBody>
+      </p:sp>
+    </p:spTree>
+    <p:extLst>
+      <p:ext uri="{BB962C8B-B14F-4D97-AF65-F5344CB8AC3E}">
+        <p14:creationId xmlns:p14="http://schemas.microsoft.com/office/powerpoint/2010/main" val="483695259"/>
+      </p:ext>
+    </p:extLst>
+  </p:cSld>
+  <p:clrMapOvr>
+    <a:masterClrMapping/>
+  </p:clrMapOvr>
+</p:sld>
+</file>
+
+<file path=ppt/slides/slide3.xml><?xml version="1.0" encoding="utf-8"?>
+<p:sld xmlns:a="http://schemas.openxmlformats.org/drawingml/2006/main" xmlns:r="http://schemas.openxmlformats.org/officeDocument/2006/relationships" xmlns:p="http://schemas.openxmlformats.org/presentationml/2006/main">
+  <p:cSld>
+    <p:spTree>
+      <p:nvGrpSpPr>
+        <p:cNvPr id="1" name=""/>
+        <p:cNvGrpSpPr/>
+        <p:nvPr/>
+      </p:nvGrpSpPr>
+      <p:grpSpPr>
+        <a:xfrm>
+          <a:off x="0" y="0"/>
+          <a:ext cx="0" cy="0"/>
+          <a:chOff x="0" y="0"/>
+          <a:chExt cx="0" cy="0"/>
+        </a:xfrm>
+      </p:grpSpPr>
+      <p:sp>
+        <p:nvSpPr>
+          <p:cNvPr id="2" name="Titre 1"/>
+          <p:cNvSpPr>
+            <a:spLocks noGrp="1"/>
+          </p:cNvSpPr>
+          <p:nvPr>
+            <p:ph type="title"/>
+          </p:nvPr>
+        </p:nvSpPr>
+        <p:spPr>
+          <a:xfrm>
+            <a:off x="457200" y="152400"/>
+            <a:ext cx="5987008" cy="990600"/>
+          </a:xfrm>
+        </p:spPr>
+        <p:txBody>
+          <a:bodyPr/>
+          <a:lstStyle/>
+          <a:p>
+            <a:r>
+              <a:rPr lang="fr-FR" dirty="0" smtClean="0"/>
+              <a:t>Le Tri rapide – Première segmentation</a:t>
+            </a:r>
+            <a:endParaRPr lang="fr-FR" dirty="0"/>
+          </a:p>
+        </p:txBody>
+      </p:sp>
+      <p:sp>
+        <p:nvSpPr>
+          <p:cNvPr id="3" name="Espace réservé du pied de page 2"/>
+          <p:cNvSpPr>
+            <a:spLocks noGrp="1"/>
+          </p:cNvSpPr>
+          <p:nvPr>
+            <p:ph type="ftr" sz="quarter" idx="11"/>
+          </p:nvPr>
+        </p:nvSpPr>
+        <p:spPr/>
+        <p:txBody>
+          <a:bodyPr/>
+          <a:lstStyle/>
+          <a:p>
+            <a:r>
+              <a:rPr lang="fr-FR" smtClean="0"/>
+              <a:t>Les tris - Xavier PESSOLES</a:t>
+            </a:r>
+            <a:endParaRPr lang="fr-FR" dirty="0"/>
+          </a:p>
+        </p:txBody>
+      </p:sp>
+      <p:sp>
+        <p:nvSpPr>
+          <p:cNvPr id="4" name="Espace réservé du numéro de diapositive 3"/>
+          <p:cNvSpPr>
+            <a:spLocks noGrp="1"/>
+          </p:cNvSpPr>
+          <p:nvPr>
+            <p:ph type="sldNum" sz="quarter" idx="12"/>
+          </p:nvPr>
+        </p:nvSpPr>
+        <p:spPr/>
+        <p:txBody>
+          <a:bodyPr/>
+          <a:lstStyle/>
+          <a:p>
+            <a:fld id="{3F1D8263-54E8-442D-88B4-DA252C595E3D}" type="slidenum">
+              <a:rPr lang="fr-FR" smtClean="0"/>
+              <a:pPr/>
+              <a:t>3</a:t>
             </a:fld>
             <a:endParaRPr lang="fr-FR"/>
           </a:p>
@@ -12786,7 +18436,7 @@
 </p:sld>
 </file>
 
-<file path=ppt/slides/slide3.xml><?xml version="1.0" encoding="utf-8"?>
+<file path=ppt/slides/slide4.xml><?xml version="1.0" encoding="utf-8"?>
 <p:sld xmlns:a="http://schemas.openxmlformats.org/drawingml/2006/main" xmlns:r="http://schemas.openxmlformats.org/officeDocument/2006/relationships" xmlns:p="http://schemas.openxmlformats.org/presentationml/2006/main">
   <p:cSld>
     <p:spTree>
@@ -12825,11 +18475,7 @@
           <a:p>
             <a:r>
               <a:rPr lang="fr-FR" dirty="0" smtClean="0"/>
-              <a:t>Le Tri </a:t>
-            </a:r>
-            <a:r>
-              <a:rPr lang="fr-FR" dirty="0" smtClean="0"/>
-              <a:t>rapide</a:t>
+              <a:t>Le Tri rapide</a:t>
             </a:r>
             <a:endParaRPr lang="fr-FR" dirty="0"/>
           </a:p>
@@ -12876,7 +18522,7 @@
             <a:fld id="{3F1D8263-54E8-442D-88B4-DA252C595E3D}" type="slidenum">
               <a:rPr lang="fr-FR" smtClean="0"/>
               <a:pPr/>
-              <a:t>3</a:t>
+              <a:t>4</a:t>
             </a:fld>
             <a:endParaRPr lang="fr-FR"/>
           </a:p>
@@ -14587,20 +20233,6 @@
               </a:rPr>
               <a:t>11</a:t>
             </a:r>
-            <a:endParaRPr kumimoji="0" lang="fr-FR" sz="1200" b="0" i="0" u="none" strike="noStrike" kern="0" cap="none" spc="0" normalizeH="0" baseline="0" noProof="0" dirty="0" smtClean="0">
-              <a:ln>
-                <a:noFill/>
-              </a:ln>
-              <a:solidFill>
-                <a:sysClr val="windowText" lastClr="000000"/>
-              </a:solidFill>
-              <a:effectLst/>
-              <a:uLnTx/>
-              <a:uFillTx/>
-              <a:latin typeface="Calibri"/>
-              <a:ea typeface="+mn-ea"/>
-              <a:cs typeface="+mn-cs"/>
-            </a:endParaRPr>
           </a:p>
         </p:txBody>
       </p:sp>
@@ -14667,20 +20299,6 @@
               </a:rPr>
               <a:t>13</a:t>
             </a:r>
-            <a:endParaRPr kumimoji="0" lang="fr-FR" sz="1200" b="1" i="0" u="none" strike="noStrike" kern="0" cap="none" spc="0" normalizeH="0" baseline="0" noProof="0" dirty="0" smtClean="0">
-              <a:ln>
-                <a:noFill/>
-              </a:ln>
-              <a:solidFill>
-                <a:sysClr val="windowText" lastClr="000000"/>
-              </a:solidFill>
-              <a:effectLst/>
-              <a:uLnTx/>
-              <a:uFillTx/>
-              <a:latin typeface="Calibri"/>
-              <a:ea typeface="+mn-ea"/>
-              <a:cs typeface="+mn-cs"/>
-            </a:endParaRPr>
           </a:p>
         </p:txBody>
       </p:sp>
@@ -14945,20 +20563,6 @@
               </a:rPr>
               <a:t>18</a:t>
             </a:r>
-            <a:endParaRPr kumimoji="0" lang="fr-FR" sz="1200" b="0" i="0" u="none" strike="noStrike" kern="0" cap="none" spc="0" normalizeH="0" baseline="0" noProof="0" dirty="0" smtClean="0">
-              <a:ln>
-                <a:noFill/>
-              </a:ln>
-              <a:solidFill>
-                <a:sysClr val="windowText" lastClr="000000"/>
-              </a:solidFill>
-              <a:effectLst/>
-              <a:uLnTx/>
-              <a:uFillTx/>
-              <a:latin typeface="Calibri"/>
-              <a:ea typeface="+mn-ea"/>
-              <a:cs typeface="+mn-cs"/>
-            </a:endParaRPr>
           </a:p>
         </p:txBody>
       </p:sp>
@@ -15496,20 +21100,6 @@
               </a:rPr>
               <a:t>18</a:t>
             </a:r>
-            <a:endParaRPr kumimoji="0" lang="fr-FR" sz="1200" b="1" i="0" u="none" strike="noStrike" kern="0" cap="none" spc="0" normalizeH="0" baseline="0" noProof="0" dirty="0" smtClean="0">
-              <a:ln>
-                <a:noFill/>
-              </a:ln>
-              <a:solidFill>
-                <a:sysClr val="windowText" lastClr="000000"/>
-              </a:solidFill>
-              <a:effectLst/>
-              <a:uLnTx/>
-              <a:uFillTx/>
-              <a:latin typeface="Calibri"/>
-              <a:ea typeface="+mn-ea"/>
-              <a:cs typeface="+mn-cs"/>
-            </a:endParaRPr>
           </a:p>
         </p:txBody>
       </p:sp>
@@ -15708,20 +21298,6 @@
               </a:rPr>
               <a:t>17</a:t>
             </a:r>
-            <a:endParaRPr kumimoji="0" lang="fr-FR" sz="1200" b="0" i="0" u="none" strike="noStrike" kern="0" cap="none" spc="0" normalizeH="0" baseline="0" noProof="0" dirty="0" smtClean="0">
-              <a:ln>
-                <a:noFill/>
-              </a:ln>
-              <a:solidFill>
-                <a:sysClr val="windowText" lastClr="000000"/>
-              </a:solidFill>
-              <a:effectLst/>
-              <a:uLnTx/>
-              <a:uFillTx/>
-              <a:latin typeface="Calibri"/>
-              <a:ea typeface="+mn-ea"/>
-              <a:cs typeface="+mn-cs"/>
-            </a:endParaRPr>
           </a:p>
         </p:txBody>
       </p:sp>
@@ -16158,17 +21734,6 @@
                 </a:rPr>
                 <a:t>3</a:t>
               </a:r>
-              <a:endParaRPr kumimoji="0" lang="fr-FR" sz="1200" b="0" i="0" u="none" strike="noStrike" kern="0" cap="none" spc="0" normalizeH="0" baseline="0" noProof="0" dirty="0" smtClean="0">
-                <a:ln>
-                  <a:noFill/>
-                </a:ln>
-                <a:solidFill>
-                  <a:sysClr val="windowText" lastClr="000000"/>
-                </a:solidFill>
-                <a:effectLst/>
-                <a:uLnTx/>
-                <a:uFillTx/>
-              </a:endParaRPr>
             </a:p>
           </p:txBody>
         </p:sp>
@@ -16305,17 +21870,6 @@
                 </a:rPr>
                 <a:t>8</a:t>
               </a:r>
-              <a:endParaRPr kumimoji="0" lang="fr-FR" sz="1200" b="0" i="0" u="none" strike="noStrike" kern="0" cap="none" spc="0" normalizeH="0" baseline="0" noProof="0" dirty="0" smtClean="0">
-                <a:ln>
-                  <a:noFill/>
-                </a:ln>
-                <a:solidFill>
-                  <a:sysClr val="windowText" lastClr="000000"/>
-                </a:solidFill>
-                <a:effectLst/>
-                <a:uLnTx/>
-                <a:uFillTx/>
-              </a:endParaRPr>
             </a:p>
           </p:txBody>
         </p:sp>
